--- a/slidedeck.pptx
+++ b/slidedeck.pptx
@@ -64,17 +64,17 @@
           <a:noFill/>
         </a:ln>
         <a:solidFill>
-          <a:srgbClr val="838787"/>
+          <a:srgbClr val="222222"/>
         </a:solidFill>
         <a:effectLst/>
         <a:uFillTx/>
-        <a:latin typeface="Avenir Next Medium"/>
-        <a:ea typeface="Avenir Next Medium"/>
-        <a:cs typeface="Avenir Next Medium"/>
-        <a:sym typeface="Avenir Next Medium"/>
+        <a:latin typeface="DIN Condensed"/>
+        <a:ea typeface="DIN Condensed"/>
+        <a:cs typeface="DIN Condensed"/>
+        <a:sym typeface="DIN Condensed"/>
       </a:defRPr>
     </a:lvl1pPr>
-    <a:lvl2pPr marL="0" marR="0" indent="228600" algn="l" defTabSz="584200" rtl="0" fontAlgn="auto" latinLnBrk="0" hangingPunct="0">
+    <a:lvl2pPr marL="0" marR="0" indent="0" algn="l" defTabSz="584200" rtl="0" fontAlgn="auto" latinLnBrk="0" hangingPunct="0">
       <a:lnSpc>
         <a:spcPct val="100000"/>
       </a:lnSpc>
@@ -94,17 +94,17 @@
           <a:noFill/>
         </a:ln>
         <a:solidFill>
-          <a:srgbClr val="838787"/>
+          <a:srgbClr val="222222"/>
         </a:solidFill>
         <a:effectLst/>
         <a:uFillTx/>
-        <a:latin typeface="Avenir Next Medium"/>
-        <a:ea typeface="Avenir Next Medium"/>
-        <a:cs typeface="Avenir Next Medium"/>
-        <a:sym typeface="Avenir Next Medium"/>
+        <a:latin typeface="DIN Condensed"/>
+        <a:ea typeface="DIN Condensed"/>
+        <a:cs typeface="DIN Condensed"/>
+        <a:sym typeface="DIN Condensed"/>
       </a:defRPr>
     </a:lvl2pPr>
-    <a:lvl3pPr marL="0" marR="0" indent="457200" algn="l" defTabSz="584200" rtl="0" fontAlgn="auto" latinLnBrk="0" hangingPunct="0">
+    <a:lvl3pPr marL="0" marR="0" indent="0" algn="l" defTabSz="584200" rtl="0" fontAlgn="auto" latinLnBrk="0" hangingPunct="0">
       <a:lnSpc>
         <a:spcPct val="100000"/>
       </a:lnSpc>
@@ -124,17 +124,17 @@
           <a:noFill/>
         </a:ln>
         <a:solidFill>
-          <a:srgbClr val="838787"/>
+          <a:srgbClr val="222222"/>
         </a:solidFill>
         <a:effectLst/>
         <a:uFillTx/>
-        <a:latin typeface="Avenir Next Medium"/>
-        <a:ea typeface="Avenir Next Medium"/>
-        <a:cs typeface="Avenir Next Medium"/>
-        <a:sym typeface="Avenir Next Medium"/>
+        <a:latin typeface="DIN Condensed"/>
+        <a:ea typeface="DIN Condensed"/>
+        <a:cs typeface="DIN Condensed"/>
+        <a:sym typeface="DIN Condensed"/>
       </a:defRPr>
     </a:lvl3pPr>
-    <a:lvl4pPr marL="0" marR="0" indent="685800" algn="l" defTabSz="584200" rtl="0" fontAlgn="auto" latinLnBrk="0" hangingPunct="0">
+    <a:lvl4pPr marL="0" marR="0" indent="0" algn="l" defTabSz="584200" rtl="0" fontAlgn="auto" latinLnBrk="0" hangingPunct="0">
       <a:lnSpc>
         <a:spcPct val="100000"/>
       </a:lnSpc>
@@ -154,17 +154,17 @@
           <a:noFill/>
         </a:ln>
         <a:solidFill>
-          <a:srgbClr val="838787"/>
+          <a:srgbClr val="222222"/>
         </a:solidFill>
         <a:effectLst/>
         <a:uFillTx/>
-        <a:latin typeface="Avenir Next Medium"/>
-        <a:ea typeface="Avenir Next Medium"/>
-        <a:cs typeface="Avenir Next Medium"/>
-        <a:sym typeface="Avenir Next Medium"/>
+        <a:latin typeface="DIN Condensed"/>
+        <a:ea typeface="DIN Condensed"/>
+        <a:cs typeface="DIN Condensed"/>
+        <a:sym typeface="DIN Condensed"/>
       </a:defRPr>
     </a:lvl4pPr>
-    <a:lvl5pPr marL="0" marR="0" indent="914400" algn="l" defTabSz="584200" rtl="0" fontAlgn="auto" latinLnBrk="0" hangingPunct="0">
+    <a:lvl5pPr marL="0" marR="0" indent="0" algn="l" defTabSz="584200" rtl="0" fontAlgn="auto" latinLnBrk="0" hangingPunct="0">
       <a:lnSpc>
         <a:spcPct val="100000"/>
       </a:lnSpc>
@@ -184,17 +184,17 @@
           <a:noFill/>
         </a:ln>
         <a:solidFill>
-          <a:srgbClr val="838787"/>
+          <a:srgbClr val="222222"/>
         </a:solidFill>
         <a:effectLst/>
         <a:uFillTx/>
-        <a:latin typeface="Avenir Next Medium"/>
-        <a:ea typeface="Avenir Next Medium"/>
-        <a:cs typeface="Avenir Next Medium"/>
-        <a:sym typeface="Avenir Next Medium"/>
+        <a:latin typeface="DIN Condensed"/>
+        <a:ea typeface="DIN Condensed"/>
+        <a:cs typeface="DIN Condensed"/>
+        <a:sym typeface="DIN Condensed"/>
       </a:defRPr>
     </a:lvl5pPr>
-    <a:lvl6pPr marL="0" marR="0" indent="1143000" algn="l" defTabSz="584200" rtl="0" fontAlgn="auto" latinLnBrk="0" hangingPunct="0">
+    <a:lvl6pPr marL="0" marR="0" indent="0" algn="l" defTabSz="584200" rtl="0" fontAlgn="auto" latinLnBrk="0" hangingPunct="0">
       <a:lnSpc>
         <a:spcPct val="100000"/>
       </a:lnSpc>
@@ -214,17 +214,17 @@
           <a:noFill/>
         </a:ln>
         <a:solidFill>
-          <a:srgbClr val="838787"/>
+          <a:srgbClr val="222222"/>
         </a:solidFill>
         <a:effectLst/>
         <a:uFillTx/>
-        <a:latin typeface="Avenir Next Medium"/>
-        <a:ea typeface="Avenir Next Medium"/>
-        <a:cs typeface="Avenir Next Medium"/>
-        <a:sym typeface="Avenir Next Medium"/>
+        <a:latin typeface="DIN Condensed"/>
+        <a:ea typeface="DIN Condensed"/>
+        <a:cs typeface="DIN Condensed"/>
+        <a:sym typeface="DIN Condensed"/>
       </a:defRPr>
     </a:lvl6pPr>
-    <a:lvl7pPr marL="0" marR="0" indent="1371600" algn="l" defTabSz="584200" rtl="0" fontAlgn="auto" latinLnBrk="0" hangingPunct="0">
+    <a:lvl7pPr marL="0" marR="0" indent="0" algn="l" defTabSz="584200" rtl="0" fontAlgn="auto" latinLnBrk="0" hangingPunct="0">
       <a:lnSpc>
         <a:spcPct val="100000"/>
       </a:lnSpc>
@@ -244,17 +244,17 @@
           <a:noFill/>
         </a:ln>
         <a:solidFill>
-          <a:srgbClr val="838787"/>
+          <a:srgbClr val="222222"/>
         </a:solidFill>
         <a:effectLst/>
         <a:uFillTx/>
-        <a:latin typeface="Avenir Next Medium"/>
-        <a:ea typeface="Avenir Next Medium"/>
-        <a:cs typeface="Avenir Next Medium"/>
-        <a:sym typeface="Avenir Next Medium"/>
+        <a:latin typeface="DIN Condensed"/>
+        <a:ea typeface="DIN Condensed"/>
+        <a:cs typeface="DIN Condensed"/>
+        <a:sym typeface="DIN Condensed"/>
       </a:defRPr>
     </a:lvl7pPr>
-    <a:lvl8pPr marL="0" marR="0" indent="1600200" algn="l" defTabSz="584200" rtl="0" fontAlgn="auto" latinLnBrk="0" hangingPunct="0">
+    <a:lvl8pPr marL="0" marR="0" indent="0" algn="l" defTabSz="584200" rtl="0" fontAlgn="auto" latinLnBrk="0" hangingPunct="0">
       <a:lnSpc>
         <a:spcPct val="100000"/>
       </a:lnSpc>
@@ -274,17 +274,17 @@
           <a:noFill/>
         </a:ln>
         <a:solidFill>
-          <a:srgbClr val="838787"/>
+          <a:srgbClr val="222222"/>
         </a:solidFill>
         <a:effectLst/>
         <a:uFillTx/>
-        <a:latin typeface="Avenir Next Medium"/>
-        <a:ea typeface="Avenir Next Medium"/>
-        <a:cs typeface="Avenir Next Medium"/>
-        <a:sym typeface="Avenir Next Medium"/>
+        <a:latin typeface="DIN Condensed"/>
+        <a:ea typeface="DIN Condensed"/>
+        <a:cs typeface="DIN Condensed"/>
+        <a:sym typeface="DIN Condensed"/>
       </a:defRPr>
     </a:lvl8pPr>
-    <a:lvl9pPr marL="0" marR="0" indent="1828800" algn="l" defTabSz="584200" rtl="0" fontAlgn="auto" latinLnBrk="0" hangingPunct="0">
+    <a:lvl9pPr marL="0" marR="0" indent="0" algn="l" defTabSz="584200" rtl="0" fontAlgn="auto" latinLnBrk="0" hangingPunct="0">
       <a:lnSpc>
         <a:spcPct val="100000"/>
       </a:lnSpc>
@@ -304,14 +304,14 @@
           <a:noFill/>
         </a:ln>
         <a:solidFill>
-          <a:srgbClr val="838787"/>
+          <a:srgbClr val="222222"/>
         </a:solidFill>
         <a:effectLst/>
         <a:uFillTx/>
-        <a:latin typeface="Avenir Next Medium"/>
-        <a:ea typeface="Avenir Next Medium"/>
-        <a:cs typeface="Avenir Next Medium"/>
-        <a:sym typeface="Avenir Next Medium"/>
+        <a:latin typeface="DIN Condensed"/>
+        <a:ea typeface="DIN Condensed"/>
+        <a:cs typeface="DIN Condensed"/>
+        <a:sym typeface="DIN Condensed"/>
       </a:defRPr>
     </a:lvl9pPr>
   </p:defaultTextStyle>
@@ -341,7 +341,7 @@
       </p:grpSpPr>
       <p:sp>
         <p:nvSpPr>
-          <p:cNvPr id="163" name="Shape 163"/>
+          <p:cNvPr id="167" name="Shape 167"/>
           <p:cNvSpPr/>
           <p:nvPr>
             <p:ph type="sldImg"/>
@@ -366,7 +366,7 @@
       </p:sp>
       <p:sp>
         <p:nvSpPr>
-          <p:cNvPr id="164" name="Shape 164"/>
+          <p:cNvPr id="168" name="Shape 168"/>
           <p:cNvSpPr/>
           <p:nvPr>
             <p:ph type="body" sz="quarter" idx="1"/>
@@ -398,9 +398,9 @@
         <a:spcPct val="117999"/>
       </a:lnSpc>
       <a:defRPr sz="2200">
-        <a:latin typeface="Helvetica Neue"/>
-        <a:ea typeface="Helvetica Neue"/>
-        <a:cs typeface="Helvetica Neue"/>
+        <a:latin typeface="+mn-lt"/>
+        <a:ea typeface="+mn-ea"/>
+        <a:cs typeface="+mn-cs"/>
         <a:sym typeface="Helvetica Neue"/>
       </a:defRPr>
     </a:lvl1pPr>
@@ -409,9 +409,9 @@
         <a:spcPct val="117999"/>
       </a:lnSpc>
       <a:defRPr sz="2200">
-        <a:latin typeface="Helvetica Neue"/>
-        <a:ea typeface="Helvetica Neue"/>
-        <a:cs typeface="Helvetica Neue"/>
+        <a:latin typeface="+mn-lt"/>
+        <a:ea typeface="+mn-ea"/>
+        <a:cs typeface="+mn-cs"/>
         <a:sym typeface="Helvetica Neue"/>
       </a:defRPr>
     </a:lvl2pPr>
@@ -420,9 +420,9 @@
         <a:spcPct val="117999"/>
       </a:lnSpc>
       <a:defRPr sz="2200">
-        <a:latin typeface="Helvetica Neue"/>
-        <a:ea typeface="Helvetica Neue"/>
-        <a:cs typeface="Helvetica Neue"/>
+        <a:latin typeface="+mn-lt"/>
+        <a:ea typeface="+mn-ea"/>
+        <a:cs typeface="+mn-cs"/>
         <a:sym typeface="Helvetica Neue"/>
       </a:defRPr>
     </a:lvl3pPr>
@@ -431,9 +431,9 @@
         <a:spcPct val="117999"/>
       </a:lnSpc>
       <a:defRPr sz="2200">
-        <a:latin typeface="Helvetica Neue"/>
-        <a:ea typeface="Helvetica Neue"/>
-        <a:cs typeface="Helvetica Neue"/>
+        <a:latin typeface="+mn-lt"/>
+        <a:ea typeface="+mn-ea"/>
+        <a:cs typeface="+mn-cs"/>
         <a:sym typeface="Helvetica Neue"/>
       </a:defRPr>
     </a:lvl4pPr>
@@ -442,9 +442,9 @@
         <a:spcPct val="117999"/>
       </a:lnSpc>
       <a:defRPr sz="2200">
-        <a:latin typeface="Helvetica Neue"/>
-        <a:ea typeface="Helvetica Neue"/>
-        <a:cs typeface="Helvetica Neue"/>
+        <a:latin typeface="+mn-lt"/>
+        <a:ea typeface="+mn-ea"/>
+        <a:cs typeface="+mn-cs"/>
         <a:sym typeface="Helvetica Neue"/>
       </a:defRPr>
     </a:lvl5pPr>
@@ -453,9 +453,9 @@
         <a:spcPct val="117999"/>
       </a:lnSpc>
       <a:defRPr sz="2200">
-        <a:latin typeface="Helvetica Neue"/>
-        <a:ea typeface="Helvetica Neue"/>
-        <a:cs typeface="Helvetica Neue"/>
+        <a:latin typeface="+mn-lt"/>
+        <a:ea typeface="+mn-ea"/>
+        <a:cs typeface="+mn-cs"/>
         <a:sym typeface="Helvetica Neue"/>
       </a:defRPr>
     </a:lvl6pPr>
@@ -464,9 +464,9 @@
         <a:spcPct val="117999"/>
       </a:lnSpc>
       <a:defRPr sz="2200">
-        <a:latin typeface="Helvetica Neue"/>
-        <a:ea typeface="Helvetica Neue"/>
-        <a:cs typeface="Helvetica Neue"/>
+        <a:latin typeface="+mn-lt"/>
+        <a:ea typeface="+mn-ea"/>
+        <a:cs typeface="+mn-cs"/>
         <a:sym typeface="Helvetica Neue"/>
       </a:defRPr>
     </a:lvl7pPr>
@@ -475,9 +475,9 @@
         <a:spcPct val="117999"/>
       </a:lnSpc>
       <a:defRPr sz="2200">
-        <a:latin typeface="Helvetica Neue"/>
-        <a:ea typeface="Helvetica Neue"/>
-        <a:cs typeface="Helvetica Neue"/>
+        <a:latin typeface="+mn-lt"/>
+        <a:ea typeface="+mn-ea"/>
+        <a:cs typeface="+mn-cs"/>
         <a:sym typeface="Helvetica Neue"/>
       </a:defRPr>
     </a:lvl8pPr>
@@ -486,9 +486,9 @@
         <a:spcPct val="117999"/>
       </a:lnSpc>
       <a:defRPr sz="2200">
-        <a:latin typeface="Helvetica Neue"/>
-        <a:ea typeface="Helvetica Neue"/>
-        <a:cs typeface="Helvetica Neue"/>
+        <a:latin typeface="+mn-lt"/>
+        <a:ea typeface="+mn-ea"/>
+        <a:cs typeface="+mn-cs"/>
         <a:sym typeface="Helvetica Neue"/>
       </a:defRPr>
     </a:lvl9pPr>
@@ -497,15 +497,8 @@
 </file>
 
 <file path=ppt/slideLayouts/slideLayout1.xml><?xml version="1.0" encoding="utf-8"?>
-<p:sldLayout xmlns:a="http://schemas.openxmlformats.org/drawingml/2006/main" xmlns:r="http://schemas.openxmlformats.org/officeDocument/2006/relationships" xmlns:p="http://schemas.openxmlformats.org/presentationml/2006/main" type="title" showMasterSp="0" showMasterPhAnim="1">
+<p:sldLayout xmlns:a="http://schemas.openxmlformats.org/drawingml/2006/main" xmlns:r="http://schemas.openxmlformats.org/officeDocument/2006/relationships" xmlns:p="http://schemas.openxmlformats.org/presentationml/2006/main" type="title" showMasterSp="1" showMasterPhAnim="1">
   <p:cSld name="Title &amp; Subtitle">
-    <p:bg>
-      <p:bgPr>
-        <a:solidFill>
-          <a:srgbClr val="222222"/>
-        </a:solidFill>
-      </p:bgPr>
-    </p:bg>
     <p:spTree>
       <p:nvGrpSpPr>
         <p:cNvPr id="1" name=""/>
@@ -522,73 +515,20 @@
       </p:grpSpPr>
       <p:sp>
         <p:nvSpPr>
-          <p:cNvPr id="12" name="Line"/>
-          <p:cNvSpPr/>
-          <p:nvPr/>
-        </p:nvSpPr>
-        <p:spPr>
-          <a:xfrm flipV="1">
-            <a:off x="406400" y="6140894"/>
-            <a:ext cx="12192000" cy="263"/>
-          </a:xfrm>
-          <a:prstGeom prst="line">
-            <a:avLst/>
-          </a:prstGeom>
-          <a:ln w="38100">
-            <a:solidFill>
-              <a:srgbClr val="A6AAA9"/>
-            </a:solidFill>
-            <a:miter lim="400000"/>
-          </a:ln>
-        </p:spPr>
-        <p:txBody>
-          <a:bodyPr lIns="50800" tIns="50800" rIns="50800" bIns="50800" anchor="ctr"/>
-          <a:lstStyle/>
-          <a:p>
-            <a:pPr defTabSz="457200">
-              <a:spcBef>
-                <a:spcPts val="0"/>
-              </a:spcBef>
-              <a:defRPr sz="1200">
-                <a:solidFill>
-                  <a:srgbClr val="000000"/>
-                </a:solidFill>
-                <a:latin typeface="Helvetica"/>
-                <a:ea typeface="Helvetica"/>
-                <a:cs typeface="Helvetica"/>
-                <a:sym typeface="Helvetica"/>
-              </a:defRPr>
-            </a:pPr>
-          </a:p>
-        </p:txBody>
-      </p:sp>
-      <p:sp>
-        <p:nvSpPr>
-          <p:cNvPr id="13" name="Title Text"/>
+          <p:cNvPr id="12" name="Title Text"/>
           <p:cNvSpPr txBox="1"/>
           <p:nvPr>
             <p:ph type="title"/>
           </p:nvPr>
         </p:nvSpPr>
         <p:spPr>
-          <a:xfrm>
-            <a:off x="406400" y="6426200"/>
-            <a:ext cx="12192000" cy="2705100"/>
-          </a:xfrm>
           <a:prstGeom prst="rect">
             <a:avLst/>
           </a:prstGeom>
         </p:spPr>
         <p:txBody>
           <a:bodyPr/>
-          <a:lstStyle>
-            <a:lvl1pPr>
-              <a:spcBef>
-                <a:spcPts val="0"/>
-              </a:spcBef>
-              <a:defRPr sz="17000"/>
-            </a:lvl1pPr>
-          </a:lstStyle>
+          <a:lstStyle/>
           <a:p>
             <a:pPr/>
             <a:r>
@@ -599,130 +539,20 @@
       </p:sp>
       <p:sp>
         <p:nvSpPr>
-          <p:cNvPr id="14" name="Body Level One…"/>
+          <p:cNvPr id="13" name="Body Level One…"/>
           <p:cNvSpPr txBox="1"/>
           <p:nvPr>
             <p:ph type="body" sz="quarter" idx="1"/>
           </p:nvPr>
         </p:nvSpPr>
         <p:spPr>
-          <a:xfrm>
-            <a:off x="406400" y="4267200"/>
-            <a:ext cx="12192000" cy="1803400"/>
-          </a:xfrm>
           <a:prstGeom prst="rect">
             <a:avLst/>
           </a:prstGeom>
         </p:spPr>
         <p:txBody>
-          <a:bodyPr anchor="b"/>
-          <a:lstStyle>
-            <a:lvl1pPr marL="0" indent="0">
-              <a:lnSpc>
-                <a:spcPct val="80000"/>
-              </a:lnSpc>
-              <a:spcBef>
-                <a:spcPts val="2300"/>
-              </a:spcBef>
-              <a:buClrTx/>
-              <a:buSzTx/>
-              <a:buFontTx/>
-              <a:buNone/>
-              <a:defRPr cap="all" sz="5400">
-                <a:solidFill>
-                  <a:srgbClr val="A6AAA9"/>
-                </a:solidFill>
-                <a:latin typeface="DIN Alternate"/>
-                <a:ea typeface="DIN Alternate"/>
-                <a:cs typeface="DIN Alternate"/>
-                <a:sym typeface="DIN Alternate"/>
-              </a:defRPr>
-            </a:lvl1pPr>
-            <a:lvl2pPr marL="0" indent="228600">
-              <a:lnSpc>
-                <a:spcPct val="80000"/>
-              </a:lnSpc>
-              <a:spcBef>
-                <a:spcPts val="2300"/>
-              </a:spcBef>
-              <a:buClrTx/>
-              <a:buSzTx/>
-              <a:buFontTx/>
-              <a:buNone/>
-              <a:defRPr cap="all" sz="5400">
-                <a:solidFill>
-                  <a:srgbClr val="A6AAA9"/>
-                </a:solidFill>
-                <a:latin typeface="DIN Alternate"/>
-                <a:ea typeface="DIN Alternate"/>
-                <a:cs typeface="DIN Alternate"/>
-                <a:sym typeface="DIN Alternate"/>
-              </a:defRPr>
-            </a:lvl2pPr>
-            <a:lvl3pPr marL="0" indent="457200">
-              <a:lnSpc>
-                <a:spcPct val="80000"/>
-              </a:lnSpc>
-              <a:spcBef>
-                <a:spcPts val="2300"/>
-              </a:spcBef>
-              <a:buClrTx/>
-              <a:buSzTx/>
-              <a:buFontTx/>
-              <a:buNone/>
-              <a:defRPr cap="all" sz="5400">
-                <a:solidFill>
-                  <a:srgbClr val="A6AAA9"/>
-                </a:solidFill>
-                <a:latin typeface="DIN Alternate"/>
-                <a:ea typeface="DIN Alternate"/>
-                <a:cs typeface="DIN Alternate"/>
-                <a:sym typeface="DIN Alternate"/>
-              </a:defRPr>
-            </a:lvl3pPr>
-            <a:lvl4pPr marL="0" indent="685800">
-              <a:lnSpc>
-                <a:spcPct val="80000"/>
-              </a:lnSpc>
-              <a:spcBef>
-                <a:spcPts val="2300"/>
-              </a:spcBef>
-              <a:buClrTx/>
-              <a:buSzTx/>
-              <a:buFontTx/>
-              <a:buNone/>
-              <a:defRPr cap="all" sz="5400">
-                <a:solidFill>
-                  <a:srgbClr val="A6AAA9"/>
-                </a:solidFill>
-                <a:latin typeface="DIN Alternate"/>
-                <a:ea typeface="DIN Alternate"/>
-                <a:cs typeface="DIN Alternate"/>
-                <a:sym typeface="DIN Alternate"/>
-              </a:defRPr>
-            </a:lvl4pPr>
-            <a:lvl5pPr marL="0" indent="914400">
-              <a:lnSpc>
-                <a:spcPct val="80000"/>
-              </a:lnSpc>
-              <a:spcBef>
-                <a:spcPts val="2300"/>
-              </a:spcBef>
-              <a:buClrTx/>
-              <a:buSzTx/>
-              <a:buFontTx/>
-              <a:buNone/>
-              <a:defRPr cap="all" sz="5400">
-                <a:solidFill>
-                  <a:srgbClr val="A6AAA9"/>
-                </a:solidFill>
-                <a:latin typeface="DIN Alternate"/>
-                <a:ea typeface="DIN Alternate"/>
-                <a:cs typeface="DIN Alternate"/>
-                <a:sym typeface="DIN Alternate"/>
-              </a:defRPr>
-            </a:lvl5pPr>
-          </a:lstStyle>
+          <a:bodyPr/>
+          <a:lstStyle/>
           <a:p>
             <a:pPr/>
             <a:r>
@@ -757,17 +587,13 @@
       </p:sp>
       <p:sp>
         <p:nvSpPr>
-          <p:cNvPr id="15" name="Slide Number"/>
+          <p:cNvPr id="14" name="Slide Number"/>
           <p:cNvSpPr txBox="1"/>
           <p:nvPr>
             <p:ph type="sldNum" sz="quarter" idx="2"/>
           </p:nvPr>
         </p:nvSpPr>
         <p:spPr>
-          <a:xfrm>
-            <a:off x="12194440" y="431800"/>
-            <a:ext cx="406898" cy="457200"/>
-          </a:xfrm>
           <a:prstGeom prst="rect">
             <a:avLst/>
           </a:prstGeom>
@@ -791,15 +617,8 @@
 </file>
 
 <file path=ppt/slideLayouts/slideLayout10.xml><?xml version="1.0" encoding="utf-8"?>
-<p:sldLayout xmlns:a="http://schemas.openxmlformats.org/drawingml/2006/main" xmlns:r="http://schemas.openxmlformats.org/officeDocument/2006/relationships" xmlns:p="http://schemas.openxmlformats.org/presentationml/2006/main" type="tx" showMasterSp="1" showMasterPhAnim="1">
+<p:sldLayout xmlns:a="http://schemas.openxmlformats.org/drawingml/2006/main" xmlns:r="http://schemas.openxmlformats.org/officeDocument/2006/relationships" xmlns:p="http://schemas.openxmlformats.org/presentationml/2006/main" type="tx" showMasterSp="0" showMasterPhAnim="1">
   <p:cSld name="Bullets">
-    <p:bg>
-      <p:bgPr>
-        <a:solidFill>
-          <a:srgbClr val="222222"/>
-        </a:solidFill>
-      </p:bgPr>
-    </p:bg>
     <p:spTree>
       <p:nvGrpSpPr>
         <p:cNvPr id="1" name=""/>
@@ -816,10 +635,45 @@
       </p:grpSpPr>
       <p:sp>
         <p:nvSpPr>
-          <p:cNvPr id="102" name="Text"/>
+          <p:cNvPr id="104" name="Line"/>
+          <p:cNvSpPr/>
+          <p:nvPr/>
+        </p:nvSpPr>
+        <p:spPr>
+          <a:xfrm flipV="1">
+            <a:off x="406400" y="993160"/>
+            <a:ext cx="12192001" cy="264"/>
+          </a:xfrm>
+          <a:prstGeom prst="line">
+            <a:avLst/>
+          </a:prstGeom>
+          <a:ln w="25400">
+            <a:solidFill>
+              <a:srgbClr val="A6AAA9"/>
+            </a:solidFill>
+            <a:miter lim="400000"/>
+          </a:ln>
+        </p:spPr>
+        <p:txBody>
+          <a:bodyPr lIns="45718" tIns="45718" rIns="45718" bIns="45718"/>
+          <a:lstStyle/>
+          <a:p>
+            <a:pPr>
+              <a:defRPr>
+                <a:solidFill>
+                  <a:srgbClr val="838787"/>
+                </a:solidFill>
+              </a:defRPr>
+            </a:pPr>
+          </a:p>
+        </p:txBody>
+      </p:sp>
+      <p:sp>
+        <p:nvSpPr>
+          <p:cNvPr id="105" name="Body Level One…"/>
           <p:cNvSpPr txBox="1"/>
           <p:nvPr>
-            <p:ph type="body" sz="quarter" idx="13"/>
+            <p:ph type="body" sz="quarter" idx="1"/>
           </p:nvPr>
         </p:nvSpPr>
         <p:spPr>
@@ -832,125 +686,159 @@
           </a:prstGeom>
         </p:spPr>
         <p:txBody>
-          <a:bodyPr anchor="b">
-            <a:spAutoFit/>
-          </a:bodyPr>
+          <a:bodyPr/>
           <a:lstStyle>
-            <a:lvl1pPr marL="0" indent="0" defTabSz="457200">
-              <a:lnSpc>
-                <a:spcPct val="80000"/>
-              </a:lnSpc>
+            <a:lvl1pPr defTabSz="457200">
               <a:spcBef>
                 <a:spcPts val="0"/>
               </a:spcBef>
-              <a:buClrTx/>
-              <a:buSzTx/>
-              <a:buFontTx/>
-              <a:buNone/>
-              <a:defRPr cap="all" spc="120" sz="2400">
-                <a:latin typeface="DIN Alternate"/>
-                <a:ea typeface="DIN Alternate"/>
-                <a:cs typeface="DIN Alternate"/>
-                <a:sym typeface="DIN Alternate"/>
+              <a:defRPr spc="120" sz="2400">
+                <a:solidFill>
+                  <a:srgbClr val="838787"/>
+                </a:solidFill>
               </a:defRPr>
             </a:lvl1pPr>
+            <a:lvl2pPr marL="758264" indent="-313764" defTabSz="457200">
+              <a:spcBef>
+                <a:spcPts val="0"/>
+              </a:spcBef>
+              <a:buSzPct val="104999"/>
+              <a:buChar char="‣"/>
+              <a:defRPr spc="120" sz="2400">
+                <a:solidFill>
+                  <a:srgbClr val="838787"/>
+                </a:solidFill>
+              </a:defRPr>
+            </a:lvl2pPr>
+            <a:lvl3pPr marL="1202764" indent="-313764" defTabSz="457200">
+              <a:spcBef>
+                <a:spcPts val="0"/>
+              </a:spcBef>
+              <a:buSzPct val="104999"/>
+              <a:buChar char="‣"/>
+              <a:defRPr spc="120" sz="2400">
+                <a:solidFill>
+                  <a:srgbClr val="838787"/>
+                </a:solidFill>
+              </a:defRPr>
+            </a:lvl3pPr>
+            <a:lvl4pPr marL="1647264" indent="-313764" defTabSz="457200">
+              <a:spcBef>
+                <a:spcPts val="0"/>
+              </a:spcBef>
+              <a:buSzPct val="104999"/>
+              <a:buChar char="‣"/>
+              <a:defRPr spc="120" sz="2400">
+                <a:solidFill>
+                  <a:srgbClr val="838787"/>
+                </a:solidFill>
+              </a:defRPr>
+            </a:lvl4pPr>
+            <a:lvl5pPr marL="2091764" indent="-313764" defTabSz="457200">
+              <a:spcBef>
+                <a:spcPts val="0"/>
+              </a:spcBef>
+              <a:buSzPct val="104999"/>
+              <a:buChar char="‣"/>
+              <a:defRPr spc="120" sz="2400">
+                <a:solidFill>
+                  <a:srgbClr val="838787"/>
+                </a:solidFill>
+              </a:defRPr>
+            </a:lvl5pPr>
           </a:lstStyle>
           <a:p>
             <a:pPr/>
             <a:r>
-              <a:t>Text</a:t>
-            </a:r>
-          </a:p>
-        </p:txBody>
-      </p:sp>
-      <p:sp>
-        <p:nvSpPr>
-          <p:cNvPr id="103" name="Body Level One…"/>
+              <a:t>Body Level One</a:t>
+            </a:r>
+          </a:p>
+          <a:p>
+            <a:pPr lvl="1"/>
+            <a:r>
+              <a:t>Body Level Two</a:t>
+            </a:r>
+          </a:p>
+          <a:p>
+            <a:pPr lvl="2"/>
+            <a:r>
+              <a:t>Body Level Three</a:t>
+            </a:r>
+          </a:p>
+          <a:p>
+            <a:pPr lvl="3"/>
+            <a:r>
+              <a:t>Body Level Four</a:t>
+            </a:r>
+          </a:p>
+          <a:p>
+            <a:pPr lvl="4"/>
+            <a:r>
+              <a:t>Body Level Five</a:t>
+            </a:r>
+          </a:p>
+        </p:txBody>
+      </p:sp>
+      <p:sp>
+        <p:nvSpPr>
+          <p:cNvPr id="106" name="Body Level One…"/>
           <p:cNvSpPr txBox="1"/>
           <p:nvPr>
-            <p:ph type="body" idx="1"/>
+            <p:ph type="body" idx="13"/>
           </p:nvPr>
         </p:nvSpPr>
         <p:spPr>
+          <a:xfrm>
+            <a:off x="406400" y="2743200"/>
+            <a:ext cx="12192000" cy="6108700"/>
+          </a:xfrm>
           <a:prstGeom prst="rect">
             <a:avLst/>
           </a:prstGeom>
         </p:spPr>
         <p:txBody>
-          <a:bodyPr/>
-          <a:lstStyle>
-            <a:lvl1pPr>
+          <a:bodyPr anchor="t"/>
+          <a:lstStyle/>
+          <a:p>
+            <a:pPr marL="444500" indent="-444500">
+              <a:lnSpc>
+                <a:spcPct val="100000"/>
+              </a:lnSpc>
+              <a:spcBef>
+                <a:spcPts val="2800"/>
+              </a:spcBef>
               <a:buClr>
                 <a:schemeClr val="accent1"/>
               </a:buClr>
+              <a:buSzPct val="104999"/>
+              <a:buFont typeface="Avenir Next"/>
               <a:buChar char="▸"/>
-            </a:lvl1pPr>
-            <a:lvl2pPr>
-              <a:buClr>
-                <a:schemeClr val="accent1"/>
-              </a:buClr>
-              <a:buChar char="▸"/>
-            </a:lvl2pPr>
-            <a:lvl3pPr>
-              <a:buClr>
-                <a:schemeClr val="accent1"/>
-              </a:buClr>
-              <a:buChar char="▸"/>
-            </a:lvl3pPr>
-            <a:lvl4pPr>
-              <a:buClr>
-                <a:schemeClr val="accent1"/>
-              </a:buClr>
-              <a:buChar char="▸"/>
-            </a:lvl4pPr>
-            <a:lvl5pPr>
-              <a:buClr>
-                <a:schemeClr val="accent1"/>
-              </a:buClr>
-              <a:buChar char="▸"/>
-            </a:lvl5pPr>
-          </a:lstStyle>
-          <a:p>
-            <a:pPr/>
-            <a:r>
-              <a:t>Body Level One</a:t>
-            </a:r>
-          </a:p>
-          <a:p>
-            <a:pPr lvl="1"/>
-            <a:r>
-              <a:t>Body Level Two</a:t>
-            </a:r>
-          </a:p>
-          <a:p>
-            <a:pPr lvl="2"/>
-            <a:r>
-              <a:t>Body Level Three</a:t>
-            </a:r>
-          </a:p>
-          <a:p>
-            <a:pPr lvl="3"/>
-            <a:r>
-              <a:t>Body Level Four</a:t>
-            </a:r>
-          </a:p>
-          <a:p>
-            <a:pPr lvl="4"/>
-            <a:r>
-              <a:t>Body Level Five</a:t>
-            </a:r>
-          </a:p>
-        </p:txBody>
-      </p:sp>
-      <p:sp>
-        <p:nvSpPr>
-          <p:cNvPr id="104" name="Slide Number"/>
+              <a:defRPr cap="none" sz="3400">
+                <a:solidFill>
+                  <a:srgbClr val="838787"/>
+                </a:solidFill>
+                <a:latin typeface="Avenir Next Medium"/>
+                <a:ea typeface="Avenir Next Medium"/>
+                <a:cs typeface="Avenir Next Medium"/>
+                <a:sym typeface="Avenir Next Medium"/>
+              </a:defRPr>
+            </a:pPr>
+          </a:p>
+        </p:txBody>
+      </p:sp>
+      <p:sp>
+        <p:nvSpPr>
+          <p:cNvPr id="107" name="Slide Number"/>
           <p:cNvSpPr txBox="1"/>
           <p:nvPr>
             <p:ph type="sldNum" sz="quarter" idx="2"/>
           </p:nvPr>
         </p:nvSpPr>
         <p:spPr>
+          <a:xfrm>
+            <a:off x="12186622" y="431800"/>
+            <a:ext cx="406898" cy="457200"/>
+          </a:xfrm>
           <a:prstGeom prst="rect">
             <a:avLst/>
           </a:prstGeom>
@@ -976,13 +864,6 @@
 <file path=ppt/slideLayouts/slideLayout11.xml><?xml version="1.0" encoding="utf-8"?>
 <p:sldLayout xmlns:a="http://schemas.openxmlformats.org/drawingml/2006/main" xmlns:r="http://schemas.openxmlformats.org/officeDocument/2006/relationships" xmlns:p="http://schemas.openxmlformats.org/presentationml/2006/main" type="tx" showMasterSp="0" showMasterPhAnim="1">
   <p:cSld name="Photo - 3 Up">
-    <p:bg>
-      <p:bgPr>
-        <a:solidFill>
-          <a:srgbClr val="222222"/>
-        </a:solidFill>
-      </p:bgPr>
-    </p:bg>
     <p:spTree>
       <p:nvGrpSpPr>
         <p:cNvPr id="1" name=""/>
@@ -999,7 +880,7 @@
       </p:grpSpPr>
       <p:sp>
         <p:nvSpPr>
-          <p:cNvPr id="111" name="Image"/>
+          <p:cNvPr id="114" name="Image"/>
           <p:cNvSpPr/>
           <p:nvPr>
             <p:ph type="pic" sz="half" idx="13"/>
@@ -1015,7 +896,7 @@
           </a:prstGeom>
         </p:spPr>
         <p:txBody>
-          <a:bodyPr lIns="91439" tIns="45719" rIns="91439" bIns="45719">
+          <a:bodyPr lIns="91439" tIns="45719" rIns="91439" bIns="45719" anchor="t">
             <a:noAutofit/>
           </a:bodyPr>
           <a:lstStyle/>
@@ -1026,7 +907,7 @@
       </p:sp>
       <p:sp>
         <p:nvSpPr>
-          <p:cNvPr id="112" name="Image"/>
+          <p:cNvPr id="115" name="Image"/>
           <p:cNvSpPr/>
           <p:nvPr>
             <p:ph type="pic" sz="half" idx="14"/>
@@ -1042,7 +923,7 @@
           </a:prstGeom>
         </p:spPr>
         <p:txBody>
-          <a:bodyPr lIns="91439" tIns="45719" rIns="91439" bIns="45719">
+          <a:bodyPr lIns="91439" tIns="45719" rIns="91439" bIns="45719" anchor="t">
             <a:noAutofit/>
           </a:bodyPr>
           <a:lstStyle/>
@@ -1053,7 +934,7 @@
       </p:sp>
       <p:sp>
         <p:nvSpPr>
-          <p:cNvPr id="113" name="Image"/>
+          <p:cNvPr id="116" name="Image"/>
           <p:cNvSpPr/>
           <p:nvPr>
             <p:ph type="pic" idx="15"/>
@@ -1069,7 +950,7 @@
           </a:prstGeom>
         </p:spPr>
         <p:txBody>
-          <a:bodyPr lIns="91439" tIns="45719" rIns="91439" bIns="45719">
+          <a:bodyPr lIns="91439" tIns="45719" rIns="91439" bIns="45719" anchor="t">
             <a:noAutofit/>
           </a:bodyPr>
           <a:lstStyle/>
@@ -1080,13 +961,17 @@
       </p:sp>
       <p:sp>
         <p:nvSpPr>
-          <p:cNvPr id="114" name="Slide Number"/>
+          <p:cNvPr id="117" name="Slide Number"/>
           <p:cNvSpPr txBox="1"/>
           <p:nvPr>
             <p:ph type="sldNum" sz="quarter" idx="2"/>
           </p:nvPr>
         </p:nvSpPr>
         <p:spPr>
+          <a:xfrm>
+            <a:off x="12186622" y="431800"/>
+            <a:ext cx="406898" cy="457200"/>
+          </a:xfrm>
           <a:prstGeom prst="rect">
             <a:avLst/>
           </a:prstGeom>
@@ -1110,15 +995,8 @@
 </file>
 
 <file path=ppt/slideLayouts/slideLayout12.xml><?xml version="1.0" encoding="utf-8"?>
-<p:sldLayout xmlns:a="http://schemas.openxmlformats.org/drawingml/2006/main" xmlns:r="http://schemas.openxmlformats.org/officeDocument/2006/relationships" xmlns:p="http://schemas.openxmlformats.org/presentationml/2006/main" type="tx" showMasterSp="1" showMasterPhAnim="1">
+<p:sldLayout xmlns:a="http://schemas.openxmlformats.org/drawingml/2006/main" xmlns:r="http://schemas.openxmlformats.org/officeDocument/2006/relationships" xmlns:p="http://schemas.openxmlformats.org/presentationml/2006/main" type="tx" showMasterSp="0" showMasterPhAnim="1">
   <p:cSld name="Quote">
-    <p:bg>
-      <p:bgPr>
-        <a:solidFill>
-          <a:srgbClr val="222222"/>
-        </a:solidFill>
-      </p:bgPr>
-    </p:bg>
     <p:spTree>
       <p:nvGrpSpPr>
         <p:cNvPr id="1" name=""/>
@@ -1135,14 +1013,49 @@
       </p:grpSpPr>
       <p:sp>
         <p:nvSpPr>
-          <p:cNvPr id="121" name="Callout"/>
+          <p:cNvPr id="124" name="Line"/>
           <p:cNvSpPr/>
           <p:nvPr/>
         </p:nvSpPr>
         <p:spPr>
+          <a:xfrm flipV="1">
+            <a:off x="406400" y="993160"/>
+            <a:ext cx="12192001" cy="264"/>
+          </a:xfrm>
+          <a:prstGeom prst="line">
+            <a:avLst/>
+          </a:prstGeom>
+          <a:ln w="25400">
+            <a:solidFill>
+              <a:srgbClr val="A6AAA9"/>
+            </a:solidFill>
+            <a:miter lim="400000"/>
+          </a:ln>
+        </p:spPr>
+        <p:txBody>
+          <a:bodyPr lIns="45718" tIns="45718" rIns="45718" bIns="45718"/>
+          <a:lstStyle/>
+          <a:p>
+            <a:pPr>
+              <a:defRPr>
+                <a:solidFill>
+                  <a:srgbClr val="838787"/>
+                </a:solidFill>
+              </a:defRPr>
+            </a:pPr>
+          </a:p>
+        </p:txBody>
+      </p:sp>
+      <p:sp>
+        <p:nvSpPr>
+          <p:cNvPr id="125" name="Callout"/>
+          <p:cNvSpPr/>
+          <p:nvPr/>
+        </p:nvSpPr>
+        <p:spPr>
           <a:xfrm>
             <a:off x="469900" y="2362200"/>
-            <a:ext cx="12065000" cy="5229225"/>
+            <a:ext cx="12065001" cy="5229226"/>
           </a:xfrm>
           <a:custGeom>
             <a:avLst/>
@@ -1235,18 +1148,145 @@
                 <a:solidFill>
                   <a:srgbClr val="FFFFFF"/>
                 </a:solidFill>
-                <a:latin typeface="+mn-lt"/>
-                <a:ea typeface="+mn-ea"/>
-                <a:cs typeface="+mn-cs"/>
+              </a:defRPr>
+            </a:pPr>
+          </a:p>
+        </p:txBody>
+      </p:sp>
+      <p:sp>
+        <p:nvSpPr>
+          <p:cNvPr id="126" name="Body Level One…"/>
+          <p:cNvSpPr txBox="1"/>
+          <p:nvPr>
+            <p:ph type="body" sz="quarter" idx="1"/>
+          </p:nvPr>
+        </p:nvSpPr>
+        <p:spPr>
+          <a:xfrm>
+            <a:off x="889000" y="2908300"/>
+            <a:ext cx="11226800" cy="1297945"/>
+          </a:xfrm>
+          <a:prstGeom prst="rect">
+            <a:avLst/>
+          </a:prstGeom>
+        </p:spPr>
+        <p:txBody>
+          <a:bodyPr anchor="t"/>
+          <a:lstStyle>
+            <a:lvl1pPr>
+              <a:spcBef>
+                <a:spcPts val="0"/>
+              </a:spcBef>
+              <a:defRPr sz="9400">
+                <a:solidFill>
+                  <a:srgbClr val="FFFFFF"/>
+                </a:solidFill>
+                <a:latin typeface="DIN Condensed"/>
+                <a:ea typeface="DIN Condensed"/>
+                <a:cs typeface="DIN Condensed"/>
                 <a:sym typeface="DIN Condensed"/>
               </a:defRPr>
-            </a:pPr>
-          </a:p>
-        </p:txBody>
-      </p:sp>
-      <p:sp>
-        <p:nvSpPr>
-          <p:cNvPr id="122" name="Type a quote here."/>
+            </a:lvl1pPr>
+            <a:lvl2pPr marL="1673411" indent="-1228911">
+              <a:spcBef>
+                <a:spcPts val="0"/>
+              </a:spcBef>
+              <a:buSzPct val="104999"/>
+              <a:buChar char="‣"/>
+              <a:defRPr sz="9400">
+                <a:solidFill>
+                  <a:srgbClr val="FFFFFF"/>
+                </a:solidFill>
+                <a:latin typeface="DIN Condensed"/>
+                <a:ea typeface="DIN Condensed"/>
+                <a:cs typeface="DIN Condensed"/>
+                <a:sym typeface="DIN Condensed"/>
+              </a:defRPr>
+            </a:lvl2pPr>
+            <a:lvl3pPr marL="2117911" indent="-1228911">
+              <a:spcBef>
+                <a:spcPts val="0"/>
+              </a:spcBef>
+              <a:buSzPct val="104999"/>
+              <a:buChar char="‣"/>
+              <a:defRPr sz="9400">
+                <a:solidFill>
+                  <a:srgbClr val="FFFFFF"/>
+                </a:solidFill>
+                <a:latin typeface="DIN Condensed"/>
+                <a:ea typeface="DIN Condensed"/>
+                <a:cs typeface="DIN Condensed"/>
+                <a:sym typeface="DIN Condensed"/>
+              </a:defRPr>
+            </a:lvl3pPr>
+            <a:lvl4pPr marL="2562411" indent="-1228911">
+              <a:spcBef>
+                <a:spcPts val="0"/>
+              </a:spcBef>
+              <a:buSzPct val="104999"/>
+              <a:buChar char="‣"/>
+              <a:defRPr sz="9400">
+                <a:solidFill>
+                  <a:srgbClr val="FFFFFF"/>
+                </a:solidFill>
+                <a:latin typeface="DIN Condensed"/>
+                <a:ea typeface="DIN Condensed"/>
+                <a:cs typeface="DIN Condensed"/>
+                <a:sym typeface="DIN Condensed"/>
+              </a:defRPr>
+            </a:lvl4pPr>
+            <a:lvl5pPr marL="3006911" indent="-1228911">
+              <a:spcBef>
+                <a:spcPts val="0"/>
+              </a:spcBef>
+              <a:buSzPct val="104999"/>
+              <a:buChar char="‣"/>
+              <a:defRPr sz="9400">
+                <a:solidFill>
+                  <a:srgbClr val="FFFFFF"/>
+                </a:solidFill>
+                <a:latin typeface="DIN Condensed"/>
+                <a:ea typeface="DIN Condensed"/>
+                <a:cs typeface="DIN Condensed"/>
+                <a:sym typeface="DIN Condensed"/>
+              </a:defRPr>
+            </a:lvl5pPr>
+          </a:lstStyle>
+          <a:p>
+            <a:pPr/>
+            <a:r>
+              <a:t>Body Level One</a:t>
+            </a:r>
+          </a:p>
+          <a:p>
+            <a:pPr lvl="1"/>
+            <a:r>
+              <a:t>Body Level Two</a:t>
+            </a:r>
+          </a:p>
+          <a:p>
+            <a:pPr lvl="2"/>
+            <a:r>
+              <a:t>Body Level Three</a:t>
+            </a:r>
+          </a:p>
+          <a:p>
+            <a:pPr lvl="3"/>
+            <a:r>
+              <a:t>Body Level Four</a:t>
+            </a:r>
+          </a:p>
+          <a:p>
+            <a:pPr lvl="4"/>
+            <a:r>
+              <a:t>Body Level Five</a:t>
+            </a:r>
+          </a:p>
+        </p:txBody>
+      </p:sp>
+      <p:sp>
+        <p:nvSpPr>
+          <p:cNvPr id="127" name="Johnny Appleseed"/>
           <p:cNvSpPr txBox="1"/>
           <p:nvPr>
             <p:ph type="body" sz="quarter" idx="13"/>
@@ -1254,103 +1294,40 @@
         </p:nvSpPr>
         <p:spPr>
           <a:xfrm>
-            <a:off x="889000" y="2908300"/>
-            <a:ext cx="11226800" cy="1297944"/>
+            <a:off x="406400" y="7789333"/>
+            <a:ext cx="12192000" cy="863605"/>
           </a:xfrm>
           <a:prstGeom prst="rect">
             <a:avLst/>
           </a:prstGeom>
         </p:spPr>
         <p:txBody>
-          <a:bodyPr>
-            <a:spAutoFit/>
-          </a:bodyPr>
-          <a:lstStyle>
-            <a:lvl1pPr marL="0" indent="0">
-              <a:lnSpc>
-                <a:spcPct val="80000"/>
-              </a:lnSpc>
+          <a:bodyPr anchor="t"/>
+          <a:lstStyle/>
+          <a:p>
+            <a:pPr algn="r">
               <a:spcBef>
                 <a:spcPts val="0"/>
               </a:spcBef>
-              <a:buClrTx/>
-              <a:buSzTx/>
-              <a:buFontTx/>
-              <a:buNone/>
-              <a:defRPr cap="all" sz="9400">
+              <a:defRPr cap="none" sz="6000">
                 <a:solidFill>
-                  <a:srgbClr val="FFFFFF"/>
+                  <a:srgbClr val="838787"/>
                 </a:solidFill>
-                <a:latin typeface="+mn-lt"/>
-                <a:ea typeface="+mn-ea"/>
-                <a:cs typeface="+mn-cs"/>
+                <a:latin typeface="DIN Condensed"/>
+                <a:ea typeface="DIN Condensed"/>
+                <a:cs typeface="DIN Condensed"/>
                 <a:sym typeface="DIN Condensed"/>
               </a:defRPr>
-            </a:lvl1pPr>
-          </a:lstStyle>
-          <a:p>
-            <a:pPr/>
-            <a:r>
-              <a:t>Type a quote here.</a:t>
-            </a:r>
-          </a:p>
-        </p:txBody>
-      </p:sp>
-      <p:sp>
-        <p:nvSpPr>
-          <p:cNvPr id="123" name="Johnny Appleseed"/>
+            </a:pPr>
+          </a:p>
+        </p:txBody>
+      </p:sp>
+      <p:sp>
+        <p:nvSpPr>
+          <p:cNvPr id="128" name="Text"/>
           <p:cNvSpPr txBox="1"/>
           <p:nvPr>
             <p:ph type="body" sz="quarter" idx="14"/>
-          </p:nvPr>
-        </p:nvSpPr>
-        <p:spPr>
-          <a:xfrm>
-            <a:off x="406400" y="7789333"/>
-            <a:ext cx="12192000" cy="863604"/>
-          </a:xfrm>
-          <a:prstGeom prst="rect">
-            <a:avLst/>
-          </a:prstGeom>
-        </p:spPr>
-        <p:txBody>
-          <a:bodyPr>
-            <a:spAutoFit/>
-          </a:bodyPr>
-          <a:lstStyle>
-            <a:lvl1pPr marL="0" indent="0" algn="r">
-              <a:lnSpc>
-                <a:spcPct val="80000"/>
-              </a:lnSpc>
-              <a:spcBef>
-                <a:spcPts val="0"/>
-              </a:spcBef>
-              <a:buClrTx/>
-              <a:buSzTx/>
-              <a:buFontTx/>
-              <a:buNone/>
-              <a:defRPr sz="6000">
-                <a:latin typeface="+mn-lt"/>
-                <a:ea typeface="+mn-ea"/>
-                <a:cs typeface="+mn-cs"/>
-                <a:sym typeface="DIN Condensed"/>
-              </a:defRPr>
-            </a:lvl1pPr>
-          </a:lstStyle>
-          <a:p>
-            <a:pPr/>
-            <a:r>
-              <a:t>Johnny Appleseed</a:t>
-            </a:r>
-          </a:p>
-        </p:txBody>
-      </p:sp>
-      <p:sp>
-        <p:nvSpPr>
-          <p:cNvPr id="124" name="Text"/>
-          <p:cNvSpPr txBox="1"/>
-          <p:nvPr>
-            <p:ph type="body" sz="quarter" idx="15"/>
           </p:nvPr>
         </p:nvSpPr>
         <p:spPr>
@@ -1363,46 +1340,35 @@
           </a:prstGeom>
         </p:spPr>
         <p:txBody>
-          <a:bodyPr anchor="b">
-            <a:spAutoFit/>
-          </a:bodyPr>
-          <a:lstStyle>
-            <a:lvl1pPr marL="0" indent="0" defTabSz="457200">
-              <a:lnSpc>
-                <a:spcPct val="80000"/>
-              </a:lnSpc>
+          <a:bodyPr/>
+          <a:lstStyle/>
+          <a:p>
+            <a:pPr defTabSz="457200">
               <a:spcBef>
                 <a:spcPts val="0"/>
               </a:spcBef>
-              <a:buClrTx/>
-              <a:buSzTx/>
-              <a:buFontTx/>
-              <a:buNone/>
-              <a:defRPr cap="all" spc="120" sz="2400">
-                <a:latin typeface="DIN Alternate"/>
-                <a:ea typeface="DIN Alternate"/>
-                <a:cs typeface="DIN Alternate"/>
-                <a:sym typeface="DIN Alternate"/>
+              <a:defRPr spc="100" sz="2400">
+                <a:solidFill>
+                  <a:srgbClr val="838787"/>
+                </a:solidFill>
               </a:defRPr>
-            </a:lvl1pPr>
-          </a:lstStyle>
-          <a:p>
-            <a:pPr/>
-            <a:r>
-              <a:t>Text</a:t>
-            </a:r>
-          </a:p>
-        </p:txBody>
-      </p:sp>
-      <p:sp>
-        <p:nvSpPr>
-          <p:cNvPr id="125" name="Slide Number"/>
+            </a:pPr>
+          </a:p>
+        </p:txBody>
+      </p:sp>
+      <p:sp>
+        <p:nvSpPr>
+          <p:cNvPr id="129" name="Slide Number"/>
           <p:cNvSpPr txBox="1"/>
           <p:nvPr>
             <p:ph type="sldNum" sz="quarter" idx="2"/>
           </p:nvPr>
         </p:nvSpPr>
         <p:spPr>
+          <a:xfrm>
+            <a:off x="12186622" y="431800"/>
+            <a:ext cx="406898" cy="457200"/>
+          </a:xfrm>
           <a:prstGeom prst="rect">
             <a:avLst/>
           </a:prstGeom>
@@ -1451,10 +1417,10 @@
       </p:grpSpPr>
       <p:sp>
         <p:nvSpPr>
-          <p:cNvPr id="132" name="Type a quote here."/>
+          <p:cNvPr id="136" name="Body Level One…"/>
           <p:cNvSpPr txBox="1"/>
           <p:nvPr>
-            <p:ph type="body" sz="quarter" idx="13"/>
+            <p:ph type="body" sz="quarter" idx="1"/>
           </p:nvPr>
         </p:nvSpPr>
         <p:spPr>
@@ -1467,46 +1433,125 @@
           </a:prstGeom>
         </p:spPr>
         <p:txBody>
-          <a:bodyPr>
-            <a:spAutoFit/>
-          </a:bodyPr>
+          <a:bodyPr anchor="t"/>
           <a:lstStyle>
-            <a:lvl1pPr marL="0" indent="0">
-              <a:lnSpc>
-                <a:spcPct val="80000"/>
-              </a:lnSpc>
+            <a:lvl1pPr>
               <a:spcBef>
                 <a:spcPts val="0"/>
               </a:spcBef>
-              <a:buClrTx/>
-              <a:buSzTx/>
-              <a:buFontTx/>
-              <a:buNone/>
-              <a:defRPr cap="all" sz="9400">
+              <a:defRPr sz="9400">
                 <a:solidFill>
                   <a:srgbClr val="FFFFFF"/>
                 </a:solidFill>
-                <a:latin typeface="+mn-lt"/>
-                <a:ea typeface="+mn-ea"/>
-                <a:cs typeface="+mn-cs"/>
+                <a:latin typeface="DIN Condensed"/>
+                <a:ea typeface="DIN Condensed"/>
+                <a:cs typeface="DIN Condensed"/>
                 <a:sym typeface="DIN Condensed"/>
               </a:defRPr>
             </a:lvl1pPr>
+            <a:lvl2pPr marL="1673411" indent="-1228911">
+              <a:spcBef>
+                <a:spcPts val="0"/>
+              </a:spcBef>
+              <a:buSzPct val="104999"/>
+              <a:buChar char="‣"/>
+              <a:defRPr sz="9400">
+                <a:solidFill>
+                  <a:srgbClr val="FFFFFF"/>
+                </a:solidFill>
+                <a:latin typeface="DIN Condensed"/>
+                <a:ea typeface="DIN Condensed"/>
+                <a:cs typeface="DIN Condensed"/>
+                <a:sym typeface="DIN Condensed"/>
+              </a:defRPr>
+            </a:lvl2pPr>
+            <a:lvl3pPr marL="2117911" indent="-1228911">
+              <a:spcBef>
+                <a:spcPts val="0"/>
+              </a:spcBef>
+              <a:buSzPct val="104999"/>
+              <a:buChar char="‣"/>
+              <a:defRPr sz="9400">
+                <a:solidFill>
+                  <a:srgbClr val="FFFFFF"/>
+                </a:solidFill>
+                <a:latin typeface="DIN Condensed"/>
+                <a:ea typeface="DIN Condensed"/>
+                <a:cs typeface="DIN Condensed"/>
+                <a:sym typeface="DIN Condensed"/>
+              </a:defRPr>
+            </a:lvl3pPr>
+            <a:lvl4pPr marL="2562411" indent="-1228911">
+              <a:spcBef>
+                <a:spcPts val="0"/>
+              </a:spcBef>
+              <a:buSzPct val="104999"/>
+              <a:buChar char="‣"/>
+              <a:defRPr sz="9400">
+                <a:solidFill>
+                  <a:srgbClr val="FFFFFF"/>
+                </a:solidFill>
+                <a:latin typeface="DIN Condensed"/>
+                <a:ea typeface="DIN Condensed"/>
+                <a:cs typeface="DIN Condensed"/>
+                <a:sym typeface="DIN Condensed"/>
+              </a:defRPr>
+            </a:lvl4pPr>
+            <a:lvl5pPr marL="3006911" indent="-1228911">
+              <a:spcBef>
+                <a:spcPts val="0"/>
+              </a:spcBef>
+              <a:buSzPct val="104999"/>
+              <a:buChar char="‣"/>
+              <a:defRPr sz="9400">
+                <a:solidFill>
+                  <a:srgbClr val="FFFFFF"/>
+                </a:solidFill>
+                <a:latin typeface="DIN Condensed"/>
+                <a:ea typeface="DIN Condensed"/>
+                <a:cs typeface="DIN Condensed"/>
+                <a:sym typeface="DIN Condensed"/>
+              </a:defRPr>
+            </a:lvl5pPr>
           </a:lstStyle>
           <a:p>
             <a:pPr/>
             <a:r>
-              <a:t>Type a quote here.</a:t>
-            </a:r>
-          </a:p>
-        </p:txBody>
-      </p:sp>
-      <p:sp>
-        <p:nvSpPr>
-          <p:cNvPr id="133" name="Image"/>
+              <a:t>Body Level One</a:t>
+            </a:r>
+          </a:p>
+          <a:p>
+            <a:pPr lvl="1"/>
+            <a:r>
+              <a:t>Body Level Two</a:t>
+            </a:r>
+          </a:p>
+          <a:p>
+            <a:pPr lvl="2"/>
+            <a:r>
+              <a:t>Body Level Three</a:t>
+            </a:r>
+          </a:p>
+          <a:p>
+            <a:pPr lvl="3"/>
+            <a:r>
+              <a:t>Body Level Four</a:t>
+            </a:r>
+          </a:p>
+          <a:p>
+            <a:pPr lvl="4"/>
+            <a:r>
+              <a:t>Body Level Five</a:t>
+            </a:r>
+          </a:p>
+        </p:txBody>
+      </p:sp>
+      <p:sp>
+        <p:nvSpPr>
+          <p:cNvPr id="137" name="Image"/>
           <p:cNvSpPr/>
           <p:nvPr>
-            <p:ph type="pic" idx="14"/>
+            <p:ph type="pic" idx="13"/>
           </p:nvPr>
         </p:nvSpPr>
         <p:spPr>
@@ -1519,7 +1564,7 @@
           </a:prstGeom>
         </p:spPr>
         <p:txBody>
-          <a:bodyPr lIns="91439" tIns="45719" rIns="91439" bIns="45719">
+          <a:bodyPr lIns="91439" tIns="45719" rIns="91439" bIns="45719" anchor="t">
             <a:noAutofit/>
           </a:bodyPr>
           <a:lstStyle/>
@@ -1530,62 +1575,58 @@
       </p:sp>
       <p:sp>
         <p:nvSpPr>
-          <p:cNvPr id="134" name="Johnny Appleseed"/>
+          <p:cNvPr id="138" name="Johnny Appleseed"/>
           <p:cNvSpPr txBox="1"/>
           <p:nvPr>
-            <p:ph type="body" sz="quarter" idx="15"/>
+            <p:ph type="body" sz="quarter" idx="14"/>
           </p:nvPr>
         </p:nvSpPr>
         <p:spPr>
           <a:xfrm>
             <a:off x="5892800" y="7789333"/>
-            <a:ext cx="6705600" cy="863604"/>
+            <a:ext cx="6705600" cy="863605"/>
           </a:xfrm>
           <a:prstGeom prst="rect">
             <a:avLst/>
           </a:prstGeom>
         </p:spPr>
         <p:txBody>
-          <a:bodyPr anchor="ctr">
-            <a:spAutoFit/>
-          </a:bodyPr>
-          <a:lstStyle>
-            <a:lvl1pPr marL="0" indent="0" defTabSz="457200">
+          <a:bodyPr anchor="ctr"/>
+          <a:lstStyle/>
+          <a:p>
+            <a:pPr defTabSz="457200">
+              <a:lnSpc>
+                <a:spcPct val="100000"/>
+              </a:lnSpc>
               <a:spcBef>
                 <a:spcPts val="0"/>
               </a:spcBef>
-              <a:buClrTx/>
-              <a:buSzTx/>
-              <a:buFontTx/>
-              <a:buNone/>
-              <a:defRPr sz="6000">
+              <a:defRPr cap="none" sz="6000">
                 <a:solidFill>
                   <a:srgbClr val="232323"/>
                 </a:solidFill>
-                <a:latin typeface="+mn-lt"/>
-                <a:ea typeface="+mn-ea"/>
-                <a:cs typeface="+mn-cs"/>
+                <a:latin typeface="DIN Condensed"/>
+                <a:ea typeface="DIN Condensed"/>
+                <a:cs typeface="DIN Condensed"/>
                 <a:sym typeface="DIN Condensed"/>
               </a:defRPr>
-            </a:lvl1pPr>
-          </a:lstStyle>
-          <a:p>
-            <a:pPr/>
-            <a:r>
-              <a:t>Johnny Appleseed</a:t>
-            </a:r>
-          </a:p>
-        </p:txBody>
-      </p:sp>
-      <p:sp>
-        <p:nvSpPr>
-          <p:cNvPr id="135" name="Slide Number"/>
+            </a:pPr>
+          </a:p>
+        </p:txBody>
+      </p:sp>
+      <p:sp>
+        <p:nvSpPr>
+          <p:cNvPr id="139" name="Slide Number"/>
           <p:cNvSpPr txBox="1"/>
           <p:nvPr>
             <p:ph type="sldNum" sz="quarter" idx="2"/>
           </p:nvPr>
         </p:nvSpPr>
         <p:spPr>
+          <a:xfrm>
+            <a:off x="12186622" y="431800"/>
+            <a:ext cx="406898" cy="457200"/>
+          </a:xfrm>
           <a:prstGeom prst="rect">
             <a:avLst/>
           </a:prstGeom>
@@ -1611,6 +1652,2000 @@
 <file path=ppt/slideLayouts/slideLayout14.xml><?xml version="1.0" encoding="utf-8"?>
 <p:sldLayout xmlns:a="http://schemas.openxmlformats.org/drawingml/2006/main" xmlns:r="http://schemas.openxmlformats.org/officeDocument/2006/relationships" xmlns:p="http://schemas.openxmlformats.org/presentationml/2006/main" type="tx" showMasterSp="0" showMasterPhAnim="1">
   <p:cSld name="Photo">
+    <p:spTree>
+      <p:nvGrpSpPr>
+        <p:cNvPr id="1" name=""/>
+        <p:cNvGrpSpPr/>
+        <p:nvPr/>
+      </p:nvGrpSpPr>
+      <p:grpSpPr>
+        <a:xfrm>
+          <a:off x="0" y="0"/>
+          <a:ext cx="0" cy="0"/>
+          <a:chOff x="0" y="0"/>
+          <a:chExt cx="0" cy="0"/>
+        </a:xfrm>
+      </p:grpSpPr>
+      <p:sp>
+        <p:nvSpPr>
+          <p:cNvPr id="146" name="Image"/>
+          <p:cNvSpPr/>
+          <p:nvPr>
+            <p:ph type="pic" idx="13"/>
+          </p:nvPr>
+        </p:nvSpPr>
+        <p:spPr>
+          <a:xfrm>
+            <a:off x="0" y="0"/>
+            <a:ext cx="13004800" cy="9753600"/>
+          </a:xfrm>
+          <a:prstGeom prst="rect">
+            <a:avLst/>
+          </a:prstGeom>
+        </p:spPr>
+        <p:txBody>
+          <a:bodyPr lIns="91439" tIns="45719" rIns="91439" bIns="45719" anchor="t">
+            <a:noAutofit/>
+          </a:bodyPr>
+          <a:lstStyle/>
+          <a:p>
+            <a:pPr/>
+          </a:p>
+        </p:txBody>
+      </p:sp>
+      <p:sp>
+        <p:nvSpPr>
+          <p:cNvPr id="147" name="Slide Number"/>
+          <p:cNvSpPr txBox="1"/>
+          <p:nvPr>
+            <p:ph type="sldNum" sz="quarter" idx="2"/>
+          </p:nvPr>
+        </p:nvSpPr>
+        <p:spPr>
+          <a:xfrm>
+            <a:off x="12186622" y="431800"/>
+            <a:ext cx="406898" cy="457200"/>
+          </a:xfrm>
+          <a:prstGeom prst="rect">
+            <a:avLst/>
+          </a:prstGeom>
+        </p:spPr>
+        <p:txBody>
+          <a:bodyPr/>
+          <a:lstStyle/>
+          <a:p>
+            <a:pPr/>
+            <a:fld id="{86CB4B4D-7CA3-9044-876B-883B54F8677D}" type="slidenum"/>
+          </a:p>
+        </p:txBody>
+      </p:sp>
+    </p:spTree>
+  </p:cSld>
+  <p:clrMapOvr>
+    <a:masterClrMapping/>
+  </p:clrMapOvr>
+  <p:transition xmlns:p14="http://schemas.microsoft.com/office/powerpoint/2010/main" spd="med" advClick="1"/>
+</p:sldLayout>
+</file>
+
+<file path=ppt/slideLayouts/slideLayout15.xml><?xml version="1.0" encoding="utf-8"?>
+<p:sldLayout xmlns:a="http://schemas.openxmlformats.org/drawingml/2006/main" xmlns:r="http://schemas.openxmlformats.org/officeDocument/2006/relationships" xmlns:p="http://schemas.openxmlformats.org/presentationml/2006/main" type="tx" showMasterSp="0" showMasterPhAnim="1">
+  <p:cSld name="Blank">
+    <p:spTree>
+      <p:nvGrpSpPr>
+        <p:cNvPr id="1" name=""/>
+        <p:cNvGrpSpPr/>
+        <p:nvPr/>
+      </p:nvGrpSpPr>
+      <p:grpSpPr>
+        <a:xfrm>
+          <a:off x="0" y="0"/>
+          <a:ext cx="0" cy="0"/>
+          <a:chOff x="0" y="0"/>
+          <a:chExt cx="0" cy="0"/>
+        </a:xfrm>
+      </p:grpSpPr>
+      <p:sp>
+        <p:nvSpPr>
+          <p:cNvPr id="154" name="Slide Number"/>
+          <p:cNvSpPr txBox="1"/>
+          <p:nvPr>
+            <p:ph type="sldNum" sz="quarter" idx="2"/>
+          </p:nvPr>
+        </p:nvSpPr>
+        <p:spPr>
+          <a:xfrm>
+            <a:off x="12186622" y="431800"/>
+            <a:ext cx="406898" cy="457200"/>
+          </a:xfrm>
+          <a:prstGeom prst="rect">
+            <a:avLst/>
+          </a:prstGeom>
+        </p:spPr>
+        <p:txBody>
+          <a:bodyPr/>
+          <a:lstStyle/>
+          <a:p>
+            <a:pPr/>
+            <a:fld id="{86CB4B4D-7CA3-9044-876B-883B54F8677D}" type="slidenum"/>
+          </a:p>
+        </p:txBody>
+      </p:sp>
+    </p:spTree>
+  </p:cSld>
+  <p:clrMapOvr>
+    <a:masterClrMapping/>
+  </p:clrMapOvr>
+  <p:transition xmlns:p14="http://schemas.microsoft.com/office/powerpoint/2010/main" spd="med" advClick="1"/>
+</p:sldLayout>
+</file>
+
+<file path=ppt/slideLayouts/slideLayout16.xml><?xml version="1.0" encoding="utf-8"?>
+<p:sldLayout xmlns:a="http://schemas.openxmlformats.org/drawingml/2006/main" xmlns:r="http://schemas.openxmlformats.org/officeDocument/2006/relationships" xmlns:p="http://schemas.openxmlformats.org/presentationml/2006/main" type="tx" showMasterSp="0" showMasterPhAnim="1">
+  <p:cSld name="Blank Alt">
+    <p:bg>
+      <p:bgPr>
+        <a:solidFill>
+          <a:srgbClr val="FFFFFF"/>
+        </a:solidFill>
+      </p:bgPr>
+    </p:bg>
+    <p:spTree>
+      <p:nvGrpSpPr>
+        <p:cNvPr id="1" name=""/>
+        <p:cNvGrpSpPr/>
+        <p:nvPr/>
+      </p:nvGrpSpPr>
+      <p:grpSpPr>
+        <a:xfrm>
+          <a:off x="0" y="0"/>
+          <a:ext cx="0" cy="0"/>
+          <a:chOff x="0" y="0"/>
+          <a:chExt cx="0" cy="0"/>
+        </a:xfrm>
+      </p:grpSpPr>
+      <p:sp>
+        <p:nvSpPr>
+          <p:cNvPr id="161" name="Slide Number"/>
+          <p:cNvSpPr txBox="1"/>
+          <p:nvPr>
+            <p:ph type="sldNum" sz="quarter" idx="2"/>
+          </p:nvPr>
+        </p:nvSpPr>
+        <p:spPr>
+          <a:xfrm>
+            <a:off x="12186622" y="431800"/>
+            <a:ext cx="406898" cy="457200"/>
+          </a:xfrm>
+          <a:prstGeom prst="rect">
+            <a:avLst/>
+          </a:prstGeom>
+        </p:spPr>
+        <p:txBody>
+          <a:bodyPr/>
+          <a:lstStyle/>
+          <a:p>
+            <a:pPr/>
+            <a:fld id="{86CB4B4D-7CA3-9044-876B-883B54F8677D}" type="slidenum"/>
+          </a:p>
+        </p:txBody>
+      </p:sp>
+    </p:spTree>
+  </p:cSld>
+  <p:clrMapOvr>
+    <a:masterClrMapping/>
+  </p:clrMapOvr>
+  <p:transition xmlns:p14="http://schemas.microsoft.com/office/powerpoint/2010/main" spd="med" advClick="1"/>
+</p:sldLayout>
+</file>
+
+<file path=ppt/slideLayouts/slideLayout2.xml><?xml version="1.0" encoding="utf-8"?>
+<p:sldLayout xmlns:a="http://schemas.openxmlformats.org/drawingml/2006/main" xmlns:r="http://schemas.openxmlformats.org/officeDocument/2006/relationships" xmlns:p="http://schemas.openxmlformats.org/presentationml/2006/main" type="tx" showMasterSp="0" showMasterPhAnim="1">
+  <p:cSld name="Photo - Horizontal">
+    <p:spTree>
+      <p:nvGrpSpPr>
+        <p:cNvPr id="1" name=""/>
+        <p:cNvGrpSpPr/>
+        <p:nvPr/>
+      </p:nvGrpSpPr>
+      <p:grpSpPr>
+        <a:xfrm>
+          <a:off x="0" y="0"/>
+          <a:ext cx="0" cy="0"/>
+          <a:chOff x="0" y="0"/>
+          <a:chExt cx="0" cy="0"/>
+        </a:xfrm>
+      </p:grpSpPr>
+      <p:sp>
+        <p:nvSpPr>
+          <p:cNvPr id="21" name="Image"/>
+          <p:cNvSpPr/>
+          <p:nvPr>
+            <p:ph type="pic" idx="13"/>
+          </p:nvPr>
+        </p:nvSpPr>
+        <p:spPr>
+          <a:xfrm>
+            <a:off x="0" y="0"/>
+            <a:ext cx="13004800" cy="9753600"/>
+          </a:xfrm>
+          <a:prstGeom prst="rect">
+            <a:avLst/>
+          </a:prstGeom>
+        </p:spPr>
+        <p:txBody>
+          <a:bodyPr lIns="91439" tIns="45719" rIns="91439" bIns="45719" anchor="t">
+            <a:noAutofit/>
+          </a:bodyPr>
+          <a:lstStyle/>
+          <a:p>
+            <a:pPr/>
+          </a:p>
+        </p:txBody>
+      </p:sp>
+      <p:sp>
+        <p:nvSpPr>
+          <p:cNvPr id="22" name="Body Level One…"/>
+          <p:cNvSpPr txBox="1"/>
+          <p:nvPr>
+            <p:ph type="body" sz="quarter" idx="1"/>
+          </p:nvPr>
+        </p:nvSpPr>
+        <p:spPr>
+          <a:xfrm>
+            <a:off x="406400" y="6140894"/>
+            <a:ext cx="12192000" cy="264"/>
+          </a:xfrm>
+          <a:prstGeom prst="rect">
+            <a:avLst/>
+          </a:prstGeom>
+          <a:ln w="38100">
+            <a:solidFill>
+              <a:srgbClr val="A6AAA9"/>
+            </a:solidFill>
+          </a:ln>
+        </p:spPr>
+        <p:txBody>
+          <a:bodyPr anchor="ctr"/>
+          <a:lstStyle>
+            <a:lvl1pPr marL="444500" indent="-444500">
+              <a:lnSpc>
+                <a:spcPct val="100000"/>
+              </a:lnSpc>
+              <a:spcBef>
+                <a:spcPts val="2800"/>
+              </a:spcBef>
+              <a:buClr>
+                <a:srgbClr val="39A3D5"/>
+              </a:buClr>
+              <a:buSzPct val="104999"/>
+              <a:buFont typeface="Avenir Next"/>
+              <a:buChar char="‣"/>
+              <a:defRPr cap="none" sz="3400">
+                <a:solidFill>
+                  <a:srgbClr val="838787"/>
+                </a:solidFill>
+                <a:latin typeface="Avenir Next Medium"/>
+                <a:ea typeface="Avenir Next Medium"/>
+                <a:cs typeface="Avenir Next Medium"/>
+                <a:sym typeface="Avenir Next Medium"/>
+              </a:defRPr>
+            </a:lvl1pPr>
+            <a:lvl2pPr marL="889000" indent="-444500">
+              <a:lnSpc>
+                <a:spcPct val="100000"/>
+              </a:lnSpc>
+              <a:spcBef>
+                <a:spcPts val="2800"/>
+              </a:spcBef>
+              <a:buClr>
+                <a:srgbClr val="39A3D5"/>
+              </a:buClr>
+              <a:buSzPct val="104999"/>
+              <a:buFont typeface="Avenir Next"/>
+              <a:buChar char="‣"/>
+              <a:defRPr cap="none" sz="3400">
+                <a:solidFill>
+                  <a:srgbClr val="838787"/>
+                </a:solidFill>
+                <a:latin typeface="Avenir Next Medium"/>
+                <a:ea typeface="Avenir Next Medium"/>
+                <a:cs typeface="Avenir Next Medium"/>
+                <a:sym typeface="Avenir Next Medium"/>
+              </a:defRPr>
+            </a:lvl2pPr>
+            <a:lvl3pPr marL="1333500" indent="-444500">
+              <a:lnSpc>
+                <a:spcPct val="100000"/>
+              </a:lnSpc>
+              <a:spcBef>
+                <a:spcPts val="2800"/>
+              </a:spcBef>
+              <a:buClr>
+                <a:srgbClr val="39A3D5"/>
+              </a:buClr>
+              <a:buSzPct val="104999"/>
+              <a:buFont typeface="Avenir Next"/>
+              <a:buChar char="‣"/>
+              <a:defRPr cap="none" sz="3400">
+                <a:solidFill>
+                  <a:srgbClr val="838787"/>
+                </a:solidFill>
+                <a:latin typeface="Avenir Next Medium"/>
+                <a:ea typeface="Avenir Next Medium"/>
+                <a:cs typeface="Avenir Next Medium"/>
+                <a:sym typeface="Avenir Next Medium"/>
+              </a:defRPr>
+            </a:lvl3pPr>
+            <a:lvl4pPr marL="1778000" indent="-444500">
+              <a:lnSpc>
+                <a:spcPct val="100000"/>
+              </a:lnSpc>
+              <a:spcBef>
+                <a:spcPts val="2800"/>
+              </a:spcBef>
+              <a:buClr>
+                <a:srgbClr val="39A3D5"/>
+              </a:buClr>
+              <a:buSzPct val="104999"/>
+              <a:buFont typeface="Avenir Next"/>
+              <a:buChar char="‣"/>
+              <a:defRPr cap="none" sz="3400">
+                <a:solidFill>
+                  <a:srgbClr val="838787"/>
+                </a:solidFill>
+                <a:latin typeface="Avenir Next Medium"/>
+                <a:ea typeface="Avenir Next Medium"/>
+                <a:cs typeface="Avenir Next Medium"/>
+                <a:sym typeface="Avenir Next Medium"/>
+              </a:defRPr>
+            </a:lvl4pPr>
+            <a:lvl5pPr marL="2222500" indent="-444500">
+              <a:lnSpc>
+                <a:spcPct val="100000"/>
+              </a:lnSpc>
+              <a:spcBef>
+                <a:spcPts val="2800"/>
+              </a:spcBef>
+              <a:buClr>
+                <a:srgbClr val="39A3D5"/>
+              </a:buClr>
+              <a:buSzPct val="104999"/>
+              <a:buFont typeface="Avenir Next"/>
+              <a:buChar char="‣"/>
+              <a:defRPr cap="none" sz="3400">
+                <a:solidFill>
+                  <a:srgbClr val="838787"/>
+                </a:solidFill>
+                <a:latin typeface="Avenir Next Medium"/>
+                <a:ea typeface="Avenir Next Medium"/>
+                <a:cs typeface="Avenir Next Medium"/>
+                <a:sym typeface="Avenir Next Medium"/>
+              </a:defRPr>
+            </a:lvl5pPr>
+          </a:lstStyle>
+          <a:p>
+            <a:pPr/>
+            <a:r>
+              <a:t>Body Level One</a:t>
+            </a:r>
+          </a:p>
+          <a:p>
+            <a:pPr lvl="1"/>
+            <a:r>
+              <a:t>Body Level Two</a:t>
+            </a:r>
+          </a:p>
+          <a:p>
+            <a:pPr lvl="2"/>
+            <a:r>
+              <a:t>Body Level Three</a:t>
+            </a:r>
+          </a:p>
+          <a:p>
+            <a:pPr lvl="3"/>
+            <a:r>
+              <a:t>Body Level Four</a:t>
+            </a:r>
+          </a:p>
+          <a:p>
+            <a:pPr lvl="4"/>
+            <a:r>
+              <a:t>Body Level Five</a:t>
+            </a:r>
+          </a:p>
+        </p:txBody>
+      </p:sp>
+      <p:sp>
+        <p:nvSpPr>
+          <p:cNvPr id="23" name="Title Text"/>
+          <p:cNvSpPr txBox="1"/>
+          <p:nvPr>
+            <p:ph type="title"/>
+          </p:nvPr>
+        </p:nvSpPr>
+        <p:spPr>
+          <a:prstGeom prst="rect">
+            <a:avLst/>
+          </a:prstGeom>
+        </p:spPr>
+        <p:txBody>
+          <a:bodyPr/>
+          <a:lstStyle/>
+          <a:p>
+            <a:pPr/>
+            <a:r>
+              <a:t>Title Text</a:t>
+            </a:r>
+          </a:p>
+        </p:txBody>
+      </p:sp>
+      <p:sp>
+        <p:nvSpPr>
+          <p:cNvPr id="24" name="Body Level One…"/>
+          <p:cNvSpPr txBox="1"/>
+          <p:nvPr>
+            <p:ph type="body" sz="quarter" idx="14"/>
+          </p:nvPr>
+        </p:nvSpPr>
+        <p:spPr>
+          <a:prstGeom prst="rect">
+            <a:avLst/>
+          </a:prstGeom>
+        </p:spPr>
+        <p:txBody>
+          <a:bodyPr/>
+          <a:lstStyle/>
+          <a:p>
+            <a:pPr/>
+          </a:p>
+        </p:txBody>
+      </p:sp>
+      <p:sp>
+        <p:nvSpPr>
+          <p:cNvPr id="25" name="Slide Number"/>
+          <p:cNvSpPr txBox="1"/>
+          <p:nvPr>
+            <p:ph type="sldNum" sz="quarter" idx="2"/>
+          </p:nvPr>
+        </p:nvSpPr>
+        <p:spPr>
+          <a:prstGeom prst="rect">
+            <a:avLst/>
+          </a:prstGeom>
+        </p:spPr>
+        <p:txBody>
+          <a:bodyPr/>
+          <a:lstStyle/>
+          <a:p>
+            <a:pPr/>
+            <a:fld id="{86CB4B4D-7CA3-9044-876B-883B54F8677D}" type="slidenum"/>
+          </a:p>
+        </p:txBody>
+      </p:sp>
+    </p:spTree>
+  </p:cSld>
+  <p:clrMapOvr>
+    <a:masterClrMapping/>
+  </p:clrMapOvr>
+  <p:transition xmlns:p14="http://schemas.microsoft.com/office/powerpoint/2010/main" spd="med" advClick="1"/>
+</p:sldLayout>
+</file>
+
+<file path=ppt/slideLayouts/slideLayout3.xml><?xml version="1.0" encoding="utf-8"?>
+<p:sldLayout xmlns:a="http://schemas.openxmlformats.org/drawingml/2006/main" xmlns:r="http://schemas.openxmlformats.org/officeDocument/2006/relationships" xmlns:p="http://schemas.openxmlformats.org/presentationml/2006/main" type="tx" showMasterSp="1" showMasterPhAnim="1">
+  <p:cSld name="Title &amp; Subtitle Alt">
+    <p:bg>
+      <p:bgPr>
+        <a:solidFill>
+          <a:srgbClr val="FFFFFF"/>
+        </a:solidFill>
+      </p:bgPr>
+    </p:bg>
+    <p:spTree>
+      <p:nvGrpSpPr>
+        <p:cNvPr id="1" name=""/>
+        <p:cNvGrpSpPr/>
+        <p:nvPr/>
+      </p:nvGrpSpPr>
+      <p:grpSpPr>
+        <a:xfrm>
+          <a:off x="0" y="0"/>
+          <a:ext cx="0" cy="0"/>
+          <a:chOff x="0" y="0"/>
+          <a:chExt cx="0" cy="0"/>
+        </a:xfrm>
+      </p:grpSpPr>
+      <p:sp>
+        <p:nvSpPr>
+          <p:cNvPr id="32" name="Title Text"/>
+          <p:cNvSpPr txBox="1"/>
+          <p:nvPr>
+            <p:ph type="title"/>
+          </p:nvPr>
+        </p:nvSpPr>
+        <p:spPr>
+          <a:prstGeom prst="rect">
+            <a:avLst/>
+          </a:prstGeom>
+        </p:spPr>
+        <p:txBody>
+          <a:bodyPr/>
+          <a:lstStyle/>
+          <a:p>
+            <a:pPr/>
+            <a:r>
+              <a:t>Title Text</a:t>
+            </a:r>
+          </a:p>
+        </p:txBody>
+      </p:sp>
+      <p:sp>
+        <p:nvSpPr>
+          <p:cNvPr id="33" name="Body Level One…"/>
+          <p:cNvSpPr txBox="1"/>
+          <p:nvPr>
+            <p:ph type="body" sz="quarter" idx="1"/>
+          </p:nvPr>
+        </p:nvSpPr>
+        <p:spPr>
+          <a:prstGeom prst="rect">
+            <a:avLst/>
+          </a:prstGeom>
+        </p:spPr>
+        <p:txBody>
+          <a:bodyPr/>
+          <a:lstStyle/>
+          <a:p>
+            <a:pPr/>
+            <a:r>
+              <a:t>Body Level One</a:t>
+            </a:r>
+          </a:p>
+          <a:p>
+            <a:pPr lvl="1"/>
+            <a:r>
+              <a:t>Body Level Two</a:t>
+            </a:r>
+          </a:p>
+          <a:p>
+            <a:pPr lvl="2"/>
+            <a:r>
+              <a:t>Body Level Three</a:t>
+            </a:r>
+          </a:p>
+          <a:p>
+            <a:pPr lvl="3"/>
+            <a:r>
+              <a:t>Body Level Four</a:t>
+            </a:r>
+          </a:p>
+          <a:p>
+            <a:pPr lvl="4"/>
+            <a:r>
+              <a:t>Body Level Five</a:t>
+            </a:r>
+          </a:p>
+        </p:txBody>
+      </p:sp>
+      <p:sp>
+        <p:nvSpPr>
+          <p:cNvPr id="34" name="Slide Number"/>
+          <p:cNvSpPr txBox="1"/>
+          <p:nvPr>
+            <p:ph type="sldNum" sz="quarter" idx="2"/>
+          </p:nvPr>
+        </p:nvSpPr>
+        <p:spPr>
+          <a:xfrm>
+            <a:off x="12161861" y="419100"/>
+            <a:ext cx="406897" cy="457200"/>
+          </a:xfrm>
+          <a:prstGeom prst="rect">
+            <a:avLst/>
+          </a:prstGeom>
+        </p:spPr>
+        <p:txBody>
+          <a:bodyPr/>
+          <a:lstStyle/>
+          <a:p>
+            <a:pPr/>
+            <a:fld id="{86CB4B4D-7CA3-9044-876B-883B54F8677D}" type="slidenum"/>
+          </a:p>
+        </p:txBody>
+      </p:sp>
+    </p:spTree>
+  </p:cSld>
+  <p:clrMapOvr>
+    <a:masterClrMapping/>
+  </p:clrMapOvr>
+  <p:transition xmlns:p14="http://schemas.microsoft.com/office/powerpoint/2010/main" spd="med" advClick="1"/>
+</p:sldLayout>
+</file>
+
+<file path=ppt/slideLayouts/slideLayout4.xml><?xml version="1.0" encoding="utf-8"?>
+<p:sldLayout xmlns:a="http://schemas.openxmlformats.org/drawingml/2006/main" xmlns:r="http://schemas.openxmlformats.org/officeDocument/2006/relationships" xmlns:p="http://schemas.openxmlformats.org/presentationml/2006/main" type="tx" showMasterSp="0" showMasterPhAnim="1">
+  <p:cSld name="Title - Center">
+    <p:spTree>
+      <p:nvGrpSpPr>
+        <p:cNvPr id="1" name=""/>
+        <p:cNvGrpSpPr/>
+        <p:nvPr/>
+      </p:nvGrpSpPr>
+      <p:grpSpPr>
+        <a:xfrm>
+          <a:off x="0" y="0"/>
+          <a:ext cx="0" cy="0"/>
+          <a:chOff x="0" y="0"/>
+          <a:chExt cx="0" cy="0"/>
+        </a:xfrm>
+      </p:grpSpPr>
+      <p:sp>
+        <p:nvSpPr>
+          <p:cNvPr id="41" name="Title Text"/>
+          <p:cNvSpPr txBox="1"/>
+          <p:nvPr>
+            <p:ph type="title"/>
+          </p:nvPr>
+        </p:nvSpPr>
+        <p:spPr>
+          <a:xfrm>
+            <a:off x="406400" y="4038600"/>
+            <a:ext cx="12192000" cy="4521200"/>
+          </a:xfrm>
+          <a:prstGeom prst="rect">
+            <a:avLst/>
+          </a:prstGeom>
+        </p:spPr>
+        <p:txBody>
+          <a:bodyPr/>
+          <a:lstStyle/>
+          <a:p>
+            <a:pPr/>
+            <a:r>
+              <a:t>Title Text</a:t>
+            </a:r>
+          </a:p>
+        </p:txBody>
+      </p:sp>
+      <p:sp>
+        <p:nvSpPr>
+          <p:cNvPr id="42" name="Slide Number"/>
+          <p:cNvSpPr txBox="1"/>
+          <p:nvPr>
+            <p:ph type="sldNum" sz="quarter" idx="2"/>
+          </p:nvPr>
+        </p:nvSpPr>
+        <p:spPr>
+          <a:prstGeom prst="rect">
+            <a:avLst/>
+          </a:prstGeom>
+        </p:spPr>
+        <p:txBody>
+          <a:bodyPr/>
+          <a:lstStyle/>
+          <a:p>
+            <a:pPr/>
+            <a:fld id="{86CB4B4D-7CA3-9044-876B-883B54F8677D}" type="slidenum"/>
+          </a:p>
+        </p:txBody>
+      </p:sp>
+    </p:spTree>
+  </p:cSld>
+  <p:clrMapOvr>
+    <a:masterClrMapping/>
+  </p:clrMapOvr>
+  <p:transition xmlns:p14="http://schemas.microsoft.com/office/powerpoint/2010/main" spd="med" advClick="1"/>
+</p:sldLayout>
+</file>
+
+<file path=ppt/slideLayouts/slideLayout5.xml><?xml version="1.0" encoding="utf-8"?>
+<p:sldLayout xmlns:a="http://schemas.openxmlformats.org/drawingml/2006/main" xmlns:r="http://schemas.openxmlformats.org/officeDocument/2006/relationships" xmlns:p="http://schemas.openxmlformats.org/presentationml/2006/main" type="tx" showMasterSp="0" showMasterPhAnim="1">
+  <p:cSld name="Photo - Vertical">
+    <p:spTree>
+      <p:nvGrpSpPr>
+        <p:cNvPr id="1" name=""/>
+        <p:cNvGrpSpPr/>
+        <p:nvPr/>
+      </p:nvGrpSpPr>
+      <p:grpSpPr>
+        <a:xfrm>
+          <a:off x="0" y="0"/>
+          <a:ext cx="0" cy="0"/>
+          <a:chOff x="0" y="0"/>
+          <a:chExt cx="0" cy="0"/>
+        </a:xfrm>
+      </p:grpSpPr>
+      <p:sp>
+        <p:nvSpPr>
+          <p:cNvPr id="49" name="Line"/>
+          <p:cNvSpPr/>
+          <p:nvPr/>
+        </p:nvSpPr>
+        <p:spPr>
+          <a:xfrm flipV="1">
+            <a:off x="5892800" y="6141011"/>
+            <a:ext cx="6705601" cy="146"/>
+          </a:xfrm>
+          <a:prstGeom prst="line">
+            <a:avLst/>
+          </a:prstGeom>
+          <a:ln w="38100">
+            <a:solidFill>
+              <a:srgbClr val="A6AAA9"/>
+            </a:solidFill>
+            <a:miter lim="400000"/>
+          </a:ln>
+        </p:spPr>
+        <p:txBody>
+          <a:bodyPr lIns="45718" tIns="45718" rIns="45718" bIns="45718"/>
+          <a:lstStyle/>
+          <a:p>
+            <a:pPr>
+              <a:defRPr>
+                <a:solidFill>
+                  <a:srgbClr val="838787"/>
+                </a:solidFill>
+              </a:defRPr>
+            </a:pPr>
+          </a:p>
+        </p:txBody>
+      </p:sp>
+      <p:sp>
+        <p:nvSpPr>
+          <p:cNvPr id="50" name="Image"/>
+          <p:cNvSpPr/>
+          <p:nvPr>
+            <p:ph type="pic" idx="13"/>
+          </p:nvPr>
+        </p:nvSpPr>
+        <p:spPr>
+          <a:xfrm>
+            <a:off x="0" y="0"/>
+            <a:ext cx="5486400" cy="9753600"/>
+          </a:xfrm>
+          <a:prstGeom prst="rect">
+            <a:avLst/>
+          </a:prstGeom>
+        </p:spPr>
+        <p:txBody>
+          <a:bodyPr lIns="91439" tIns="45719" rIns="91439" bIns="45719" anchor="t">
+            <a:noAutofit/>
+          </a:bodyPr>
+          <a:lstStyle/>
+          <a:p>
+            <a:pPr/>
+          </a:p>
+        </p:txBody>
+      </p:sp>
+      <p:sp>
+        <p:nvSpPr>
+          <p:cNvPr id="51" name="Title Text"/>
+          <p:cNvSpPr txBox="1"/>
+          <p:nvPr>
+            <p:ph type="title"/>
+          </p:nvPr>
+        </p:nvSpPr>
+        <p:spPr>
+          <a:xfrm>
+            <a:off x="5892800" y="6426200"/>
+            <a:ext cx="6705600" cy="2705100"/>
+          </a:xfrm>
+          <a:prstGeom prst="rect">
+            <a:avLst/>
+          </a:prstGeom>
+        </p:spPr>
+        <p:txBody>
+          <a:bodyPr/>
+          <a:lstStyle/>
+          <a:p>
+            <a:pPr/>
+            <a:r>
+              <a:t>Title Text</a:t>
+            </a:r>
+          </a:p>
+        </p:txBody>
+      </p:sp>
+      <p:sp>
+        <p:nvSpPr>
+          <p:cNvPr id="52" name="Body Level One…"/>
+          <p:cNvSpPr txBox="1"/>
+          <p:nvPr>
+            <p:ph type="body" sz="quarter" idx="1"/>
+          </p:nvPr>
+        </p:nvSpPr>
+        <p:spPr>
+          <a:xfrm>
+            <a:off x="5892800" y="4267200"/>
+            <a:ext cx="6705600" cy="1803400"/>
+          </a:xfrm>
+          <a:prstGeom prst="rect">
+            <a:avLst/>
+          </a:prstGeom>
+        </p:spPr>
+        <p:txBody>
+          <a:bodyPr/>
+          <a:lstStyle/>
+          <a:p>
+            <a:pPr/>
+            <a:r>
+              <a:t>Body Level One</a:t>
+            </a:r>
+          </a:p>
+          <a:p>
+            <a:pPr lvl="1"/>
+            <a:r>
+              <a:t>Body Level Two</a:t>
+            </a:r>
+          </a:p>
+          <a:p>
+            <a:pPr lvl="2"/>
+            <a:r>
+              <a:t>Body Level Three</a:t>
+            </a:r>
+          </a:p>
+          <a:p>
+            <a:pPr lvl="3"/>
+            <a:r>
+              <a:t>Body Level Four</a:t>
+            </a:r>
+          </a:p>
+          <a:p>
+            <a:pPr lvl="4"/>
+            <a:r>
+              <a:t>Body Level Five</a:t>
+            </a:r>
+          </a:p>
+        </p:txBody>
+      </p:sp>
+      <p:sp>
+        <p:nvSpPr>
+          <p:cNvPr id="53" name="Slide Number"/>
+          <p:cNvSpPr txBox="1"/>
+          <p:nvPr>
+            <p:ph type="sldNum" sz="quarter" idx="2"/>
+          </p:nvPr>
+        </p:nvSpPr>
+        <p:spPr>
+          <a:prstGeom prst="rect">
+            <a:avLst/>
+          </a:prstGeom>
+        </p:spPr>
+        <p:txBody>
+          <a:bodyPr/>
+          <a:lstStyle/>
+          <a:p>
+            <a:pPr/>
+            <a:fld id="{86CB4B4D-7CA3-9044-876B-883B54F8677D}" type="slidenum"/>
+          </a:p>
+        </p:txBody>
+      </p:sp>
+    </p:spTree>
+  </p:cSld>
+  <p:clrMapOvr>
+    <a:masterClrMapping/>
+  </p:clrMapOvr>
+  <p:transition xmlns:p14="http://schemas.microsoft.com/office/powerpoint/2010/main" spd="med" advClick="1"/>
+</p:sldLayout>
+</file>
+
+<file path=ppt/slideLayouts/slideLayout6.xml><?xml version="1.0" encoding="utf-8"?>
+<p:sldLayout xmlns:a="http://schemas.openxmlformats.org/drawingml/2006/main" xmlns:r="http://schemas.openxmlformats.org/officeDocument/2006/relationships" xmlns:p="http://schemas.openxmlformats.org/presentationml/2006/main" type="tx" showMasterSp="0" showMasterPhAnim="1">
+  <p:cSld name="Title - Top">
+    <p:bg>
+      <p:bgPr>
+        <a:solidFill>
+          <a:srgbClr val="FFFFFF"/>
+        </a:solidFill>
+      </p:bgPr>
+    </p:bg>
+    <p:spTree>
+      <p:nvGrpSpPr>
+        <p:cNvPr id="1" name=""/>
+        <p:cNvGrpSpPr/>
+        <p:nvPr/>
+      </p:nvGrpSpPr>
+      <p:grpSpPr>
+        <a:xfrm>
+          <a:off x="0" y="0"/>
+          <a:ext cx="0" cy="0"/>
+          <a:chOff x="0" y="0"/>
+          <a:chExt cx="0" cy="0"/>
+        </a:xfrm>
+      </p:grpSpPr>
+      <p:sp>
+        <p:nvSpPr>
+          <p:cNvPr id="60" name="Line"/>
+          <p:cNvSpPr/>
+          <p:nvPr/>
+        </p:nvSpPr>
+        <p:spPr>
+          <a:xfrm flipV="1">
+            <a:off x="406400" y="993160"/>
+            <a:ext cx="12192001" cy="264"/>
+          </a:xfrm>
+          <a:prstGeom prst="line">
+            <a:avLst/>
+          </a:prstGeom>
+          <a:ln w="25400">
+            <a:solidFill>
+              <a:srgbClr val="A6AAA9"/>
+            </a:solidFill>
+            <a:miter lim="400000"/>
+          </a:ln>
+        </p:spPr>
+        <p:txBody>
+          <a:bodyPr lIns="45718" tIns="45718" rIns="45718" bIns="45718"/>
+          <a:lstStyle/>
+          <a:p>
+            <a:pPr>
+              <a:defRPr>
+                <a:solidFill>
+                  <a:srgbClr val="838787"/>
+                </a:solidFill>
+              </a:defRPr>
+            </a:pPr>
+          </a:p>
+        </p:txBody>
+      </p:sp>
+      <p:sp>
+        <p:nvSpPr>
+          <p:cNvPr id="61" name="Body Level One…"/>
+          <p:cNvSpPr txBox="1"/>
+          <p:nvPr>
+            <p:ph type="body" sz="quarter" idx="1"/>
+          </p:nvPr>
+        </p:nvSpPr>
+        <p:spPr>
+          <a:xfrm>
+            <a:off x="406400" y="457200"/>
+            <a:ext cx="11176000" cy="457200"/>
+          </a:xfrm>
+          <a:prstGeom prst="rect">
+            <a:avLst/>
+          </a:prstGeom>
+        </p:spPr>
+        <p:txBody>
+          <a:bodyPr/>
+          <a:lstStyle>
+            <a:lvl1pPr defTabSz="457200">
+              <a:spcBef>
+                <a:spcPts val="0"/>
+              </a:spcBef>
+              <a:defRPr spc="120" sz="2400">
+                <a:solidFill>
+                  <a:srgbClr val="838787"/>
+                </a:solidFill>
+              </a:defRPr>
+            </a:lvl1pPr>
+            <a:lvl2pPr marL="758264" indent="-313764" defTabSz="457200">
+              <a:spcBef>
+                <a:spcPts val="0"/>
+              </a:spcBef>
+              <a:buSzPct val="104999"/>
+              <a:buChar char="‣"/>
+              <a:defRPr spc="120" sz="2400">
+                <a:solidFill>
+                  <a:srgbClr val="838787"/>
+                </a:solidFill>
+              </a:defRPr>
+            </a:lvl2pPr>
+            <a:lvl3pPr marL="1202764" indent="-313764" defTabSz="457200">
+              <a:spcBef>
+                <a:spcPts val="0"/>
+              </a:spcBef>
+              <a:buSzPct val="104999"/>
+              <a:buChar char="‣"/>
+              <a:defRPr spc="120" sz="2400">
+                <a:solidFill>
+                  <a:srgbClr val="838787"/>
+                </a:solidFill>
+              </a:defRPr>
+            </a:lvl3pPr>
+            <a:lvl4pPr marL="1647264" indent="-313764" defTabSz="457200">
+              <a:spcBef>
+                <a:spcPts val="0"/>
+              </a:spcBef>
+              <a:buSzPct val="104999"/>
+              <a:buChar char="‣"/>
+              <a:defRPr spc="120" sz="2400">
+                <a:solidFill>
+                  <a:srgbClr val="838787"/>
+                </a:solidFill>
+              </a:defRPr>
+            </a:lvl4pPr>
+            <a:lvl5pPr marL="2091764" indent="-313764" defTabSz="457200">
+              <a:spcBef>
+                <a:spcPts val="0"/>
+              </a:spcBef>
+              <a:buSzPct val="104999"/>
+              <a:buChar char="‣"/>
+              <a:defRPr spc="120" sz="2400">
+                <a:solidFill>
+                  <a:srgbClr val="838787"/>
+                </a:solidFill>
+              </a:defRPr>
+            </a:lvl5pPr>
+          </a:lstStyle>
+          <a:p>
+            <a:pPr/>
+            <a:r>
+              <a:t>Body Level One</a:t>
+            </a:r>
+          </a:p>
+          <a:p>
+            <a:pPr lvl="1"/>
+            <a:r>
+              <a:t>Body Level Two</a:t>
+            </a:r>
+          </a:p>
+          <a:p>
+            <a:pPr lvl="2"/>
+            <a:r>
+              <a:t>Body Level Three</a:t>
+            </a:r>
+          </a:p>
+          <a:p>
+            <a:pPr lvl="3"/>
+            <a:r>
+              <a:t>Body Level Four</a:t>
+            </a:r>
+          </a:p>
+          <a:p>
+            <a:pPr lvl="4"/>
+            <a:r>
+              <a:t>Body Level Five</a:t>
+            </a:r>
+          </a:p>
+        </p:txBody>
+      </p:sp>
+      <p:sp>
+        <p:nvSpPr>
+          <p:cNvPr id="62" name="Title Text"/>
+          <p:cNvSpPr txBox="1"/>
+          <p:nvPr>
+            <p:ph type="title"/>
+          </p:nvPr>
+        </p:nvSpPr>
+        <p:spPr>
+          <a:xfrm>
+            <a:off x="406400" y="1536700"/>
+            <a:ext cx="12192000" cy="723900"/>
+          </a:xfrm>
+          <a:prstGeom prst="rect">
+            <a:avLst/>
+          </a:prstGeom>
+        </p:spPr>
+        <p:txBody>
+          <a:bodyPr/>
+          <a:lstStyle>
+            <a:lvl1pPr>
+              <a:spcBef>
+                <a:spcPts val="2800"/>
+              </a:spcBef>
+              <a:defRPr sz="6000"/>
+            </a:lvl1pPr>
+          </a:lstStyle>
+          <a:p>
+            <a:pPr/>
+            <a:r>
+              <a:t>Title Text</a:t>
+            </a:r>
+          </a:p>
+        </p:txBody>
+      </p:sp>
+      <p:sp>
+        <p:nvSpPr>
+          <p:cNvPr id="63" name="Slide Number"/>
+          <p:cNvSpPr txBox="1"/>
+          <p:nvPr>
+            <p:ph type="sldNum" sz="quarter" idx="2"/>
+          </p:nvPr>
+        </p:nvSpPr>
+        <p:spPr>
+          <a:xfrm>
+            <a:off x="12186622" y="431800"/>
+            <a:ext cx="406898" cy="457200"/>
+          </a:xfrm>
+          <a:prstGeom prst="rect">
+            <a:avLst/>
+          </a:prstGeom>
+        </p:spPr>
+        <p:txBody>
+          <a:bodyPr/>
+          <a:lstStyle/>
+          <a:p>
+            <a:pPr/>
+            <a:fld id="{86CB4B4D-7CA3-9044-876B-883B54F8677D}" type="slidenum"/>
+          </a:p>
+        </p:txBody>
+      </p:sp>
+    </p:spTree>
+  </p:cSld>
+  <p:clrMapOvr>
+    <a:masterClrMapping/>
+  </p:clrMapOvr>
+  <p:transition xmlns:p14="http://schemas.microsoft.com/office/powerpoint/2010/main" spd="med" advClick="1"/>
+</p:sldLayout>
+</file>
+
+<file path=ppt/slideLayouts/slideLayout7.xml><?xml version="1.0" encoding="utf-8"?>
+<p:sldLayout xmlns:a="http://schemas.openxmlformats.org/drawingml/2006/main" xmlns:r="http://schemas.openxmlformats.org/officeDocument/2006/relationships" xmlns:p="http://schemas.openxmlformats.org/presentationml/2006/main" type="tx" showMasterSp="0" showMasterPhAnim="1">
+  <p:cSld name="Title &amp; Bullets">
+    <p:spTree>
+      <p:nvGrpSpPr>
+        <p:cNvPr id="1" name=""/>
+        <p:cNvGrpSpPr/>
+        <p:nvPr/>
+      </p:nvGrpSpPr>
+      <p:grpSpPr>
+        <a:xfrm>
+          <a:off x="0" y="0"/>
+          <a:ext cx="0" cy="0"/>
+          <a:chOff x="0" y="0"/>
+          <a:chExt cx="0" cy="0"/>
+        </a:xfrm>
+      </p:grpSpPr>
+      <p:sp>
+        <p:nvSpPr>
+          <p:cNvPr id="70" name="Line"/>
+          <p:cNvSpPr/>
+          <p:nvPr/>
+        </p:nvSpPr>
+        <p:spPr>
+          <a:xfrm flipV="1">
+            <a:off x="406400" y="993160"/>
+            <a:ext cx="12192001" cy="264"/>
+          </a:xfrm>
+          <a:prstGeom prst="line">
+            <a:avLst/>
+          </a:prstGeom>
+          <a:ln w="25400">
+            <a:solidFill>
+              <a:srgbClr val="A6AAA9"/>
+            </a:solidFill>
+            <a:miter lim="400000"/>
+          </a:ln>
+        </p:spPr>
+        <p:txBody>
+          <a:bodyPr lIns="45718" tIns="45718" rIns="45718" bIns="45718"/>
+          <a:lstStyle/>
+          <a:p>
+            <a:pPr>
+              <a:defRPr>
+                <a:solidFill>
+                  <a:srgbClr val="838787"/>
+                </a:solidFill>
+              </a:defRPr>
+            </a:pPr>
+          </a:p>
+        </p:txBody>
+      </p:sp>
+      <p:sp>
+        <p:nvSpPr>
+          <p:cNvPr id="71" name="Body Level One…"/>
+          <p:cNvSpPr txBox="1"/>
+          <p:nvPr>
+            <p:ph type="body" sz="quarter" idx="1"/>
+          </p:nvPr>
+        </p:nvSpPr>
+        <p:spPr>
+          <a:xfrm>
+            <a:off x="406400" y="457200"/>
+            <a:ext cx="11176000" cy="457200"/>
+          </a:xfrm>
+          <a:prstGeom prst="rect">
+            <a:avLst/>
+          </a:prstGeom>
+        </p:spPr>
+        <p:txBody>
+          <a:bodyPr/>
+          <a:lstStyle>
+            <a:lvl1pPr defTabSz="457200">
+              <a:spcBef>
+                <a:spcPts val="0"/>
+              </a:spcBef>
+              <a:defRPr spc="120" sz="2400">
+                <a:solidFill>
+                  <a:srgbClr val="838787"/>
+                </a:solidFill>
+              </a:defRPr>
+            </a:lvl1pPr>
+            <a:lvl2pPr marL="758264" indent="-313764" defTabSz="457200">
+              <a:spcBef>
+                <a:spcPts val="0"/>
+              </a:spcBef>
+              <a:buSzPct val="104999"/>
+              <a:buChar char="‣"/>
+              <a:defRPr spc="120" sz="2400">
+                <a:solidFill>
+                  <a:srgbClr val="838787"/>
+                </a:solidFill>
+              </a:defRPr>
+            </a:lvl2pPr>
+            <a:lvl3pPr marL="1202764" indent="-313764" defTabSz="457200">
+              <a:spcBef>
+                <a:spcPts val="0"/>
+              </a:spcBef>
+              <a:buSzPct val="104999"/>
+              <a:buChar char="‣"/>
+              <a:defRPr spc="120" sz="2400">
+                <a:solidFill>
+                  <a:srgbClr val="838787"/>
+                </a:solidFill>
+              </a:defRPr>
+            </a:lvl3pPr>
+            <a:lvl4pPr marL="1647264" indent="-313764" defTabSz="457200">
+              <a:spcBef>
+                <a:spcPts val="0"/>
+              </a:spcBef>
+              <a:buSzPct val="104999"/>
+              <a:buChar char="‣"/>
+              <a:defRPr spc="120" sz="2400">
+                <a:solidFill>
+                  <a:srgbClr val="838787"/>
+                </a:solidFill>
+              </a:defRPr>
+            </a:lvl4pPr>
+            <a:lvl5pPr marL="2091764" indent="-313764" defTabSz="457200">
+              <a:spcBef>
+                <a:spcPts val="0"/>
+              </a:spcBef>
+              <a:buSzPct val="104999"/>
+              <a:buChar char="‣"/>
+              <a:defRPr spc="120" sz="2400">
+                <a:solidFill>
+                  <a:srgbClr val="838787"/>
+                </a:solidFill>
+              </a:defRPr>
+            </a:lvl5pPr>
+          </a:lstStyle>
+          <a:p>
+            <a:pPr/>
+            <a:r>
+              <a:t>Body Level One</a:t>
+            </a:r>
+          </a:p>
+          <a:p>
+            <a:pPr lvl="1"/>
+            <a:r>
+              <a:t>Body Level Two</a:t>
+            </a:r>
+          </a:p>
+          <a:p>
+            <a:pPr lvl="2"/>
+            <a:r>
+              <a:t>Body Level Three</a:t>
+            </a:r>
+          </a:p>
+          <a:p>
+            <a:pPr lvl="3"/>
+            <a:r>
+              <a:t>Body Level Four</a:t>
+            </a:r>
+          </a:p>
+          <a:p>
+            <a:pPr lvl="4"/>
+            <a:r>
+              <a:t>Body Level Five</a:t>
+            </a:r>
+          </a:p>
+        </p:txBody>
+      </p:sp>
+      <p:sp>
+        <p:nvSpPr>
+          <p:cNvPr id="72" name="Title Text"/>
+          <p:cNvSpPr txBox="1"/>
+          <p:nvPr>
+            <p:ph type="title"/>
+          </p:nvPr>
+        </p:nvSpPr>
+        <p:spPr>
+          <a:xfrm>
+            <a:off x="406400" y="1536700"/>
+            <a:ext cx="12192000" cy="723900"/>
+          </a:xfrm>
+          <a:prstGeom prst="rect">
+            <a:avLst/>
+          </a:prstGeom>
+        </p:spPr>
+        <p:txBody>
+          <a:bodyPr/>
+          <a:lstStyle>
+            <a:lvl1pPr>
+              <a:spcBef>
+                <a:spcPts val="2800"/>
+              </a:spcBef>
+              <a:defRPr sz="6000"/>
+            </a:lvl1pPr>
+          </a:lstStyle>
+          <a:p>
+            <a:pPr/>
+            <a:r>
+              <a:t>Title Text</a:t>
+            </a:r>
+          </a:p>
+        </p:txBody>
+      </p:sp>
+      <p:sp>
+        <p:nvSpPr>
+          <p:cNvPr id="73" name="Body Level One…"/>
+          <p:cNvSpPr txBox="1"/>
+          <p:nvPr>
+            <p:ph type="body" idx="13"/>
+          </p:nvPr>
+        </p:nvSpPr>
+        <p:spPr>
+          <a:xfrm>
+            <a:off x="406400" y="2743200"/>
+            <a:ext cx="12192000" cy="6108700"/>
+          </a:xfrm>
+          <a:prstGeom prst="rect">
+            <a:avLst/>
+          </a:prstGeom>
+        </p:spPr>
+        <p:txBody>
+          <a:bodyPr anchor="t"/>
+          <a:lstStyle/>
+          <a:p>
+            <a:pPr marL="444500" indent="-444500">
+              <a:lnSpc>
+                <a:spcPct val="100000"/>
+              </a:lnSpc>
+              <a:spcBef>
+                <a:spcPts val="2800"/>
+              </a:spcBef>
+              <a:buClr>
+                <a:schemeClr val="accent1"/>
+              </a:buClr>
+              <a:buSzPct val="104999"/>
+              <a:buFont typeface="Avenir Next"/>
+              <a:buChar char="▸"/>
+              <a:defRPr cap="none" sz="3400">
+                <a:solidFill>
+                  <a:srgbClr val="838787"/>
+                </a:solidFill>
+                <a:latin typeface="Avenir Next Medium"/>
+                <a:ea typeface="Avenir Next Medium"/>
+                <a:cs typeface="Avenir Next Medium"/>
+                <a:sym typeface="Avenir Next Medium"/>
+              </a:defRPr>
+            </a:pPr>
+          </a:p>
+        </p:txBody>
+      </p:sp>
+      <p:sp>
+        <p:nvSpPr>
+          <p:cNvPr id="74" name="Slide Number"/>
+          <p:cNvSpPr txBox="1"/>
+          <p:nvPr>
+            <p:ph type="sldNum" sz="quarter" idx="2"/>
+          </p:nvPr>
+        </p:nvSpPr>
+        <p:spPr>
+          <a:xfrm>
+            <a:off x="12186622" y="431800"/>
+            <a:ext cx="406898" cy="457200"/>
+          </a:xfrm>
+          <a:prstGeom prst="rect">
+            <a:avLst/>
+          </a:prstGeom>
+        </p:spPr>
+        <p:txBody>
+          <a:bodyPr/>
+          <a:lstStyle/>
+          <a:p>
+            <a:pPr/>
+            <a:fld id="{86CB4B4D-7CA3-9044-876B-883B54F8677D}" type="slidenum"/>
+          </a:p>
+        </p:txBody>
+      </p:sp>
+    </p:spTree>
+  </p:cSld>
+  <p:clrMapOvr>
+    <a:masterClrMapping/>
+  </p:clrMapOvr>
+  <p:transition xmlns:p14="http://schemas.microsoft.com/office/powerpoint/2010/main" spd="med" advClick="1"/>
+</p:sldLayout>
+</file>
+
+<file path=ppt/slideLayouts/slideLayout8.xml><?xml version="1.0" encoding="utf-8"?>
+<p:sldLayout xmlns:a="http://schemas.openxmlformats.org/drawingml/2006/main" xmlns:r="http://schemas.openxmlformats.org/officeDocument/2006/relationships" xmlns:p="http://schemas.openxmlformats.org/presentationml/2006/main" type="tx" showMasterSp="0" showMasterPhAnim="1">
+  <p:cSld name="Title &amp; Bullets Alt">
+    <p:bg>
+      <p:bgPr>
+        <a:solidFill>
+          <a:srgbClr val="FFFFFF"/>
+        </a:solidFill>
+      </p:bgPr>
+    </p:bg>
+    <p:spTree>
+      <p:nvGrpSpPr>
+        <p:cNvPr id="1" name=""/>
+        <p:cNvGrpSpPr/>
+        <p:nvPr/>
+      </p:nvGrpSpPr>
+      <p:grpSpPr>
+        <a:xfrm>
+          <a:off x="0" y="0"/>
+          <a:ext cx="0" cy="0"/>
+          <a:chOff x="0" y="0"/>
+          <a:chExt cx="0" cy="0"/>
+        </a:xfrm>
+      </p:grpSpPr>
+      <p:sp>
+        <p:nvSpPr>
+          <p:cNvPr id="81" name="Line"/>
+          <p:cNvSpPr/>
+          <p:nvPr/>
+        </p:nvSpPr>
+        <p:spPr>
+          <a:xfrm flipV="1">
+            <a:off x="406400" y="993160"/>
+            <a:ext cx="12192001" cy="264"/>
+          </a:xfrm>
+          <a:prstGeom prst="line">
+            <a:avLst/>
+          </a:prstGeom>
+          <a:ln w="25400">
+            <a:solidFill>
+              <a:srgbClr val="A6AAA9"/>
+            </a:solidFill>
+            <a:miter lim="400000"/>
+          </a:ln>
+        </p:spPr>
+        <p:txBody>
+          <a:bodyPr lIns="45718" tIns="45718" rIns="45718" bIns="45718"/>
+          <a:lstStyle/>
+          <a:p>
+            <a:pPr>
+              <a:defRPr>
+                <a:solidFill>
+                  <a:srgbClr val="838787"/>
+                </a:solidFill>
+              </a:defRPr>
+            </a:pPr>
+          </a:p>
+        </p:txBody>
+      </p:sp>
+      <p:sp>
+        <p:nvSpPr>
+          <p:cNvPr id="82" name="Body Level One…"/>
+          <p:cNvSpPr txBox="1"/>
+          <p:nvPr>
+            <p:ph type="body" sz="quarter" idx="1"/>
+          </p:nvPr>
+        </p:nvSpPr>
+        <p:spPr>
+          <a:xfrm>
+            <a:off x="406400" y="457200"/>
+            <a:ext cx="11176000" cy="457200"/>
+          </a:xfrm>
+          <a:prstGeom prst="rect">
+            <a:avLst/>
+          </a:prstGeom>
+        </p:spPr>
+        <p:txBody>
+          <a:bodyPr/>
+          <a:lstStyle>
+            <a:lvl1pPr defTabSz="457200">
+              <a:spcBef>
+                <a:spcPts val="0"/>
+              </a:spcBef>
+              <a:defRPr spc="120" sz="2400">
+                <a:solidFill>
+                  <a:srgbClr val="838787"/>
+                </a:solidFill>
+              </a:defRPr>
+            </a:lvl1pPr>
+            <a:lvl2pPr marL="758264" indent="-313764" defTabSz="457200">
+              <a:spcBef>
+                <a:spcPts val="0"/>
+              </a:spcBef>
+              <a:buSzPct val="104999"/>
+              <a:buChar char="‣"/>
+              <a:defRPr spc="120" sz="2400">
+                <a:solidFill>
+                  <a:srgbClr val="838787"/>
+                </a:solidFill>
+              </a:defRPr>
+            </a:lvl2pPr>
+            <a:lvl3pPr marL="1202764" indent="-313764" defTabSz="457200">
+              <a:spcBef>
+                <a:spcPts val="0"/>
+              </a:spcBef>
+              <a:buSzPct val="104999"/>
+              <a:buChar char="‣"/>
+              <a:defRPr spc="120" sz="2400">
+                <a:solidFill>
+                  <a:srgbClr val="838787"/>
+                </a:solidFill>
+              </a:defRPr>
+            </a:lvl3pPr>
+            <a:lvl4pPr marL="1647264" indent="-313764" defTabSz="457200">
+              <a:spcBef>
+                <a:spcPts val="0"/>
+              </a:spcBef>
+              <a:buSzPct val="104999"/>
+              <a:buChar char="‣"/>
+              <a:defRPr spc="120" sz="2400">
+                <a:solidFill>
+                  <a:srgbClr val="838787"/>
+                </a:solidFill>
+              </a:defRPr>
+            </a:lvl4pPr>
+            <a:lvl5pPr marL="2091764" indent="-313764" defTabSz="457200">
+              <a:spcBef>
+                <a:spcPts val="0"/>
+              </a:spcBef>
+              <a:buSzPct val="104999"/>
+              <a:buChar char="‣"/>
+              <a:defRPr spc="120" sz="2400">
+                <a:solidFill>
+                  <a:srgbClr val="838787"/>
+                </a:solidFill>
+              </a:defRPr>
+            </a:lvl5pPr>
+          </a:lstStyle>
+          <a:p>
+            <a:pPr/>
+            <a:r>
+              <a:t>Body Level One</a:t>
+            </a:r>
+          </a:p>
+          <a:p>
+            <a:pPr lvl="1"/>
+            <a:r>
+              <a:t>Body Level Two</a:t>
+            </a:r>
+          </a:p>
+          <a:p>
+            <a:pPr lvl="2"/>
+            <a:r>
+              <a:t>Body Level Three</a:t>
+            </a:r>
+          </a:p>
+          <a:p>
+            <a:pPr lvl="3"/>
+            <a:r>
+              <a:t>Body Level Four</a:t>
+            </a:r>
+          </a:p>
+          <a:p>
+            <a:pPr lvl="4"/>
+            <a:r>
+              <a:t>Body Level Five</a:t>
+            </a:r>
+          </a:p>
+        </p:txBody>
+      </p:sp>
+      <p:sp>
+        <p:nvSpPr>
+          <p:cNvPr id="83" name="Title Text"/>
+          <p:cNvSpPr txBox="1"/>
+          <p:nvPr>
+            <p:ph type="title"/>
+          </p:nvPr>
+        </p:nvSpPr>
+        <p:spPr>
+          <a:xfrm>
+            <a:off x="406400" y="1536700"/>
+            <a:ext cx="12192000" cy="723900"/>
+          </a:xfrm>
+          <a:prstGeom prst="rect">
+            <a:avLst/>
+          </a:prstGeom>
+        </p:spPr>
+        <p:txBody>
+          <a:bodyPr/>
+          <a:lstStyle>
+            <a:lvl1pPr>
+              <a:spcBef>
+                <a:spcPts val="2800"/>
+              </a:spcBef>
+              <a:defRPr sz="6000"/>
+            </a:lvl1pPr>
+          </a:lstStyle>
+          <a:p>
+            <a:pPr/>
+            <a:r>
+              <a:t>Title Text</a:t>
+            </a:r>
+          </a:p>
+        </p:txBody>
+      </p:sp>
+      <p:sp>
+        <p:nvSpPr>
+          <p:cNvPr id="84" name="Body Level One…"/>
+          <p:cNvSpPr txBox="1"/>
+          <p:nvPr>
+            <p:ph type="body" idx="13"/>
+          </p:nvPr>
+        </p:nvSpPr>
+        <p:spPr>
+          <a:xfrm>
+            <a:off x="406400" y="2743200"/>
+            <a:ext cx="12192000" cy="6108700"/>
+          </a:xfrm>
+          <a:prstGeom prst="rect">
+            <a:avLst/>
+          </a:prstGeom>
+        </p:spPr>
+        <p:txBody>
+          <a:bodyPr anchor="t"/>
+          <a:lstStyle/>
+          <a:p>
+            <a:pPr marL="444500" indent="-444500">
+              <a:lnSpc>
+                <a:spcPct val="100000"/>
+              </a:lnSpc>
+              <a:spcBef>
+                <a:spcPts val="2800"/>
+              </a:spcBef>
+              <a:buClr>
+                <a:schemeClr val="accent1"/>
+              </a:buClr>
+              <a:buSzPct val="104999"/>
+              <a:buFont typeface="Avenir Next"/>
+              <a:buChar char="▸"/>
+              <a:defRPr cap="none" sz="3400">
+                <a:solidFill>
+                  <a:srgbClr val="838787"/>
+                </a:solidFill>
+                <a:latin typeface="Avenir Next Medium"/>
+                <a:ea typeface="Avenir Next Medium"/>
+                <a:cs typeface="Avenir Next Medium"/>
+                <a:sym typeface="Avenir Next Medium"/>
+              </a:defRPr>
+            </a:pPr>
+          </a:p>
+        </p:txBody>
+      </p:sp>
+      <p:sp>
+        <p:nvSpPr>
+          <p:cNvPr id="85" name="Slide Number"/>
+          <p:cNvSpPr txBox="1"/>
+          <p:nvPr>
+            <p:ph type="sldNum" sz="quarter" idx="2"/>
+          </p:nvPr>
+        </p:nvSpPr>
+        <p:spPr>
+          <a:xfrm>
+            <a:off x="12186622" y="431800"/>
+            <a:ext cx="406898" cy="457200"/>
+          </a:xfrm>
+          <a:prstGeom prst="rect">
+            <a:avLst/>
+          </a:prstGeom>
+        </p:spPr>
+        <p:txBody>
+          <a:bodyPr/>
+          <a:lstStyle/>
+          <a:p>
+            <a:pPr/>
+            <a:fld id="{86CB4B4D-7CA3-9044-876B-883B54F8677D}" type="slidenum"/>
+          </a:p>
+        </p:txBody>
+      </p:sp>
+    </p:spTree>
+  </p:cSld>
+  <p:clrMapOvr>
+    <a:masterClrMapping/>
+  </p:clrMapOvr>
+  <p:transition xmlns:p14="http://schemas.microsoft.com/office/powerpoint/2010/main" spd="med" advClick="1"/>
+</p:sldLayout>
+</file>
+
+<file path=ppt/slideLayouts/slideLayout9.xml><?xml version="1.0" encoding="utf-8"?>
+<p:sldLayout xmlns:a="http://schemas.openxmlformats.org/drawingml/2006/main" xmlns:r="http://schemas.openxmlformats.org/officeDocument/2006/relationships" xmlns:p="http://schemas.openxmlformats.org/presentationml/2006/main" type="tx" showMasterSp="0" showMasterPhAnim="1">
+  <p:cSld name="Title, Bullets &amp; Photo">
+    <p:spTree>
+      <p:nvGrpSpPr>
+        <p:cNvPr id="1" name=""/>
+        <p:cNvGrpSpPr/>
+        <p:nvPr/>
+      </p:nvGrpSpPr>
+      <p:grpSpPr>
+        <a:xfrm>
+          <a:off x="0" y="0"/>
+          <a:ext cx="0" cy="0"/>
+          <a:chOff x="0" y="0"/>
+          <a:chExt cx="0" cy="0"/>
+        </a:xfrm>
+      </p:grpSpPr>
+      <p:sp>
+        <p:nvSpPr>
+          <p:cNvPr id="92" name="Line"/>
+          <p:cNvSpPr/>
+          <p:nvPr/>
+        </p:nvSpPr>
+        <p:spPr>
+          <a:xfrm flipV="1">
+            <a:off x="406400" y="993160"/>
+            <a:ext cx="12192001" cy="264"/>
+          </a:xfrm>
+          <a:prstGeom prst="line">
+            <a:avLst/>
+          </a:prstGeom>
+          <a:ln w="25400">
+            <a:solidFill>
+              <a:srgbClr val="A6AAA9"/>
+            </a:solidFill>
+            <a:miter lim="400000"/>
+          </a:ln>
+        </p:spPr>
+        <p:txBody>
+          <a:bodyPr lIns="45718" tIns="45718" rIns="45718" bIns="45718"/>
+          <a:lstStyle/>
+          <a:p>
+            <a:pPr>
+              <a:defRPr>
+                <a:solidFill>
+                  <a:srgbClr val="838787"/>
+                </a:solidFill>
+              </a:defRPr>
+            </a:pPr>
+          </a:p>
+        </p:txBody>
+      </p:sp>
+      <p:sp>
+        <p:nvSpPr>
+          <p:cNvPr id="93" name="Body Level One…"/>
+          <p:cNvSpPr txBox="1"/>
+          <p:nvPr>
+            <p:ph type="body" sz="quarter" idx="1"/>
+          </p:nvPr>
+        </p:nvSpPr>
+        <p:spPr>
+          <a:xfrm>
+            <a:off x="406400" y="457200"/>
+            <a:ext cx="11176000" cy="457200"/>
+          </a:xfrm>
+          <a:prstGeom prst="rect">
+            <a:avLst/>
+          </a:prstGeom>
+        </p:spPr>
+        <p:txBody>
+          <a:bodyPr/>
+          <a:lstStyle>
+            <a:lvl1pPr defTabSz="457200">
+              <a:spcBef>
+                <a:spcPts val="0"/>
+              </a:spcBef>
+              <a:defRPr spc="120" sz="2400">
+                <a:solidFill>
+                  <a:srgbClr val="838787"/>
+                </a:solidFill>
+              </a:defRPr>
+            </a:lvl1pPr>
+            <a:lvl2pPr marL="758264" indent="-313764" defTabSz="457200">
+              <a:spcBef>
+                <a:spcPts val="0"/>
+              </a:spcBef>
+              <a:buSzPct val="104999"/>
+              <a:buChar char="‣"/>
+              <a:defRPr spc="120" sz="2400">
+                <a:solidFill>
+                  <a:srgbClr val="838787"/>
+                </a:solidFill>
+              </a:defRPr>
+            </a:lvl2pPr>
+            <a:lvl3pPr marL="1202764" indent="-313764" defTabSz="457200">
+              <a:spcBef>
+                <a:spcPts val="0"/>
+              </a:spcBef>
+              <a:buSzPct val="104999"/>
+              <a:buChar char="‣"/>
+              <a:defRPr spc="120" sz="2400">
+                <a:solidFill>
+                  <a:srgbClr val="838787"/>
+                </a:solidFill>
+              </a:defRPr>
+            </a:lvl3pPr>
+            <a:lvl4pPr marL="1647264" indent="-313764" defTabSz="457200">
+              <a:spcBef>
+                <a:spcPts val="0"/>
+              </a:spcBef>
+              <a:buSzPct val="104999"/>
+              <a:buChar char="‣"/>
+              <a:defRPr spc="120" sz="2400">
+                <a:solidFill>
+                  <a:srgbClr val="838787"/>
+                </a:solidFill>
+              </a:defRPr>
+            </a:lvl4pPr>
+            <a:lvl5pPr marL="2091764" indent="-313764" defTabSz="457200">
+              <a:spcBef>
+                <a:spcPts val="0"/>
+              </a:spcBef>
+              <a:buSzPct val="104999"/>
+              <a:buChar char="‣"/>
+              <a:defRPr spc="120" sz="2400">
+                <a:solidFill>
+                  <a:srgbClr val="838787"/>
+                </a:solidFill>
+              </a:defRPr>
+            </a:lvl5pPr>
+          </a:lstStyle>
+          <a:p>
+            <a:pPr/>
+            <a:r>
+              <a:t>Body Level One</a:t>
+            </a:r>
+          </a:p>
+          <a:p>
+            <a:pPr lvl="1"/>
+            <a:r>
+              <a:t>Body Level Two</a:t>
+            </a:r>
+          </a:p>
+          <a:p>
+            <a:pPr lvl="2"/>
+            <a:r>
+              <a:t>Body Level Three</a:t>
+            </a:r>
+          </a:p>
+          <a:p>
+            <a:pPr lvl="3"/>
+            <a:r>
+              <a:t>Body Level Four</a:t>
+            </a:r>
+          </a:p>
+          <a:p>
+            <a:pPr lvl="4"/>
+            <a:r>
+              <a:t>Body Level Five</a:t>
+            </a:r>
+          </a:p>
+        </p:txBody>
+      </p:sp>
+      <p:sp>
+        <p:nvSpPr>
+          <p:cNvPr id="94" name="Image"/>
+          <p:cNvSpPr/>
+          <p:nvPr>
+            <p:ph type="pic" sz="half" idx="13"/>
+          </p:nvPr>
+        </p:nvSpPr>
+        <p:spPr>
+          <a:xfrm>
+            <a:off x="7112000" y="1536700"/>
+            <a:ext cx="5486400" cy="7797800"/>
+          </a:xfrm>
+          <a:prstGeom prst="rect">
+            <a:avLst/>
+          </a:prstGeom>
+        </p:spPr>
+        <p:txBody>
+          <a:bodyPr lIns="91439" tIns="45719" rIns="91439" bIns="45719" anchor="t">
+            <a:noAutofit/>
+          </a:bodyPr>
+          <a:lstStyle/>
+          <a:p>
+            <a:pPr/>
+          </a:p>
+        </p:txBody>
+      </p:sp>
+      <p:sp>
+        <p:nvSpPr>
+          <p:cNvPr id="95" name="Title Text"/>
+          <p:cNvSpPr txBox="1"/>
+          <p:nvPr>
+            <p:ph type="title"/>
+          </p:nvPr>
+        </p:nvSpPr>
+        <p:spPr>
+          <a:xfrm>
+            <a:off x="406400" y="1536700"/>
+            <a:ext cx="6299200" cy="723900"/>
+          </a:xfrm>
+          <a:prstGeom prst="rect">
+            <a:avLst/>
+          </a:prstGeom>
+        </p:spPr>
+        <p:txBody>
+          <a:bodyPr/>
+          <a:lstStyle>
+            <a:lvl1pPr>
+              <a:spcBef>
+                <a:spcPts val="2800"/>
+              </a:spcBef>
+              <a:defRPr sz="6000"/>
+            </a:lvl1pPr>
+          </a:lstStyle>
+          <a:p>
+            <a:pPr/>
+            <a:r>
+              <a:t>Title Text</a:t>
+            </a:r>
+          </a:p>
+        </p:txBody>
+      </p:sp>
+      <p:sp>
+        <p:nvSpPr>
+          <p:cNvPr id="96" name="Body Level One…"/>
+          <p:cNvSpPr txBox="1"/>
+          <p:nvPr>
+            <p:ph type="body" sz="half" idx="14"/>
+          </p:nvPr>
+        </p:nvSpPr>
+        <p:spPr>
+          <a:xfrm>
+            <a:off x="406400" y="2743200"/>
+            <a:ext cx="6299200" cy="6108700"/>
+          </a:xfrm>
+          <a:prstGeom prst="rect">
+            <a:avLst/>
+          </a:prstGeom>
+        </p:spPr>
+        <p:txBody>
+          <a:bodyPr anchor="t"/>
+          <a:lstStyle/>
+          <a:p>
+            <a:pPr marL="444500" indent="-444500">
+              <a:lnSpc>
+                <a:spcPct val="100000"/>
+              </a:lnSpc>
+              <a:spcBef>
+                <a:spcPts val="2800"/>
+              </a:spcBef>
+              <a:buClr>
+                <a:schemeClr val="accent1"/>
+              </a:buClr>
+              <a:buSzPct val="104999"/>
+              <a:buFont typeface="Avenir Next"/>
+              <a:buChar char="▸"/>
+              <a:defRPr cap="none" sz="2800">
+                <a:solidFill>
+                  <a:srgbClr val="838787"/>
+                </a:solidFill>
+                <a:latin typeface="Avenir Next Medium"/>
+                <a:ea typeface="Avenir Next Medium"/>
+                <a:cs typeface="Avenir Next Medium"/>
+                <a:sym typeface="Avenir Next Medium"/>
+              </a:defRPr>
+            </a:pPr>
+          </a:p>
+        </p:txBody>
+      </p:sp>
+      <p:sp>
+        <p:nvSpPr>
+          <p:cNvPr id="97" name="Slide Number"/>
+          <p:cNvSpPr txBox="1"/>
+          <p:nvPr>
+            <p:ph type="sldNum" sz="quarter" idx="2"/>
+          </p:nvPr>
+        </p:nvSpPr>
+        <p:spPr>
+          <a:xfrm>
+            <a:off x="12186622" y="431800"/>
+            <a:ext cx="406898" cy="457200"/>
+          </a:xfrm>
+          <a:prstGeom prst="rect">
+            <a:avLst/>
+          </a:prstGeom>
+        </p:spPr>
+        <p:txBody>
+          <a:bodyPr/>
+          <a:lstStyle/>
+          <a:p>
+            <a:pPr/>
+            <a:fld id="{86CB4B4D-7CA3-9044-876B-883B54F8677D}" type="slidenum"/>
+          </a:p>
+        </p:txBody>
+      </p:sp>
+    </p:spTree>
+  </p:cSld>
+  <p:clrMapOvr>
+    <a:masterClrMapping/>
+  </p:clrMapOvr>
+  <p:transition xmlns:p14="http://schemas.microsoft.com/office/powerpoint/2010/main" spd="med" advClick="1"/>
+</p:sldLayout>
+</file>
+
+<file path=ppt/slideMasters/slideMaster1.xml><?xml version="1.0" encoding="utf-8"?>
+<p:sldMaster xmlns:a="http://schemas.openxmlformats.org/drawingml/2006/main" xmlns:r="http://schemas.openxmlformats.org/officeDocument/2006/relationships" xmlns:p="http://schemas.openxmlformats.org/presentationml/2006/main">
+  <p:cSld>
     <p:bg>
       <p:bgPr>
         <a:solidFill>
@@ -1634,520 +3669,14 @@
       </p:grpSpPr>
       <p:sp>
         <p:nvSpPr>
-          <p:cNvPr id="142" name="Image"/>
+          <p:cNvPr id="2" name="Line"/>
           <p:cNvSpPr/>
-          <p:nvPr>
-            <p:ph type="pic" idx="13"/>
-          </p:nvPr>
-        </p:nvSpPr>
-        <p:spPr>
-          <a:xfrm>
-            <a:off x="0" y="0"/>
-            <a:ext cx="13004800" cy="9753600"/>
-          </a:xfrm>
-          <a:prstGeom prst="rect">
-            <a:avLst/>
-          </a:prstGeom>
-        </p:spPr>
-        <p:txBody>
-          <a:bodyPr lIns="91439" tIns="45719" rIns="91439" bIns="45719">
-            <a:noAutofit/>
-          </a:bodyPr>
-          <a:lstStyle/>
-          <a:p>
-            <a:pPr/>
-          </a:p>
-        </p:txBody>
-      </p:sp>
-      <p:sp>
-        <p:nvSpPr>
-          <p:cNvPr id="143" name="Slide Number"/>
-          <p:cNvSpPr txBox="1"/>
-          <p:nvPr>
-            <p:ph type="sldNum" sz="quarter" idx="2"/>
-          </p:nvPr>
-        </p:nvSpPr>
-        <p:spPr>
-          <a:prstGeom prst="rect">
-            <a:avLst/>
-          </a:prstGeom>
-        </p:spPr>
-        <p:txBody>
-          <a:bodyPr/>
-          <a:lstStyle/>
-          <a:p>
-            <a:pPr/>
-            <a:fld id="{86CB4B4D-7CA3-9044-876B-883B54F8677D}" type="slidenum"/>
-          </a:p>
-        </p:txBody>
-      </p:sp>
-    </p:spTree>
-  </p:cSld>
-  <p:clrMapOvr>
-    <a:masterClrMapping/>
-  </p:clrMapOvr>
-  <p:transition xmlns:p14="http://schemas.microsoft.com/office/powerpoint/2010/main" spd="med" advClick="1"/>
-</p:sldLayout>
-</file>
-
-<file path=ppt/slideLayouts/slideLayout15.xml><?xml version="1.0" encoding="utf-8"?>
-<p:sldLayout xmlns:a="http://schemas.openxmlformats.org/drawingml/2006/main" xmlns:r="http://schemas.openxmlformats.org/officeDocument/2006/relationships" xmlns:p="http://schemas.openxmlformats.org/presentationml/2006/main" type="tx" showMasterSp="0" showMasterPhAnim="1">
-  <p:cSld name="Blank">
-    <p:bg>
-      <p:bgPr>
-        <a:solidFill>
-          <a:srgbClr val="222222"/>
-        </a:solidFill>
-      </p:bgPr>
-    </p:bg>
-    <p:spTree>
-      <p:nvGrpSpPr>
-        <p:cNvPr id="1" name=""/>
-        <p:cNvGrpSpPr/>
-        <p:nvPr/>
-      </p:nvGrpSpPr>
-      <p:grpSpPr>
-        <a:xfrm>
-          <a:off x="0" y="0"/>
-          <a:ext cx="0" cy="0"/>
-          <a:chOff x="0" y="0"/>
-          <a:chExt cx="0" cy="0"/>
-        </a:xfrm>
-      </p:grpSpPr>
-      <p:sp>
-        <p:nvSpPr>
-          <p:cNvPr id="150" name="Slide Number"/>
-          <p:cNvSpPr txBox="1"/>
-          <p:nvPr>
-            <p:ph type="sldNum" sz="quarter" idx="2"/>
-          </p:nvPr>
-        </p:nvSpPr>
-        <p:spPr>
-          <a:prstGeom prst="rect">
-            <a:avLst/>
-          </a:prstGeom>
-        </p:spPr>
-        <p:txBody>
-          <a:bodyPr/>
-          <a:lstStyle/>
-          <a:p>
-            <a:pPr/>
-            <a:fld id="{86CB4B4D-7CA3-9044-876B-883B54F8677D}" type="slidenum"/>
-          </a:p>
-        </p:txBody>
-      </p:sp>
-    </p:spTree>
-  </p:cSld>
-  <p:clrMapOvr>
-    <a:masterClrMapping/>
-  </p:clrMapOvr>
-  <p:transition xmlns:p14="http://schemas.microsoft.com/office/powerpoint/2010/main" spd="med" advClick="1"/>
-</p:sldLayout>
-</file>
-
-<file path=ppt/slideLayouts/slideLayout16.xml><?xml version="1.0" encoding="utf-8"?>
-<p:sldLayout xmlns:a="http://schemas.openxmlformats.org/drawingml/2006/main" xmlns:r="http://schemas.openxmlformats.org/officeDocument/2006/relationships" xmlns:p="http://schemas.openxmlformats.org/presentationml/2006/main" type="tx" showMasterSp="0" showMasterPhAnim="1">
-  <p:cSld name="Blank Alt">
-    <p:spTree>
-      <p:nvGrpSpPr>
-        <p:cNvPr id="1" name=""/>
-        <p:cNvGrpSpPr/>
-        <p:nvPr/>
-      </p:nvGrpSpPr>
-      <p:grpSpPr>
-        <a:xfrm>
-          <a:off x="0" y="0"/>
-          <a:ext cx="0" cy="0"/>
-          <a:chOff x="0" y="0"/>
-          <a:chExt cx="0" cy="0"/>
-        </a:xfrm>
-      </p:grpSpPr>
-      <p:sp>
-        <p:nvSpPr>
-          <p:cNvPr id="157" name="Slide Number"/>
-          <p:cNvSpPr txBox="1"/>
-          <p:nvPr>
-            <p:ph type="sldNum" sz="quarter" idx="2"/>
-          </p:nvPr>
-        </p:nvSpPr>
-        <p:spPr>
-          <a:prstGeom prst="rect">
-            <a:avLst/>
-          </a:prstGeom>
-        </p:spPr>
-        <p:txBody>
-          <a:bodyPr/>
-          <a:lstStyle/>
-          <a:p>
-            <a:pPr/>
-            <a:fld id="{86CB4B4D-7CA3-9044-876B-883B54F8677D}" type="slidenum"/>
-          </a:p>
-        </p:txBody>
-      </p:sp>
-    </p:spTree>
-  </p:cSld>
-  <p:clrMapOvr>
-    <a:masterClrMapping/>
-  </p:clrMapOvr>
-  <p:transition xmlns:p14="http://schemas.microsoft.com/office/powerpoint/2010/main" spd="med" advClick="1"/>
-</p:sldLayout>
-</file>
-
-<file path=ppt/slideLayouts/slideLayout2.xml><?xml version="1.0" encoding="utf-8"?>
-<p:sldLayout xmlns:a="http://schemas.openxmlformats.org/drawingml/2006/main" xmlns:r="http://schemas.openxmlformats.org/officeDocument/2006/relationships" xmlns:p="http://schemas.openxmlformats.org/presentationml/2006/main" type="tx" showMasterSp="0" showMasterPhAnim="1">
-  <p:cSld name="Photo - Horizontal">
-    <p:bg>
-      <p:bgPr>
-        <a:solidFill>
-          <a:srgbClr val="222222"/>
-        </a:solidFill>
-      </p:bgPr>
-    </p:bg>
-    <p:spTree>
-      <p:nvGrpSpPr>
-        <p:cNvPr id="1" name=""/>
-        <p:cNvGrpSpPr/>
-        <p:nvPr/>
-      </p:nvGrpSpPr>
-      <p:grpSpPr>
-        <a:xfrm>
-          <a:off x="0" y="0"/>
-          <a:ext cx="0" cy="0"/>
-          <a:chOff x="0" y="0"/>
-          <a:chExt cx="0" cy="0"/>
-        </a:xfrm>
-      </p:grpSpPr>
-      <p:sp>
-        <p:nvSpPr>
-          <p:cNvPr id="22" name="Image"/>
-          <p:cNvSpPr/>
-          <p:nvPr>
-            <p:ph type="pic" idx="13"/>
-          </p:nvPr>
-        </p:nvSpPr>
-        <p:spPr>
-          <a:xfrm>
-            <a:off x="0" y="0"/>
-            <a:ext cx="13004800" cy="9753600"/>
-          </a:xfrm>
-          <a:prstGeom prst="rect">
-            <a:avLst/>
-          </a:prstGeom>
-        </p:spPr>
-        <p:txBody>
-          <a:bodyPr lIns="91439" tIns="45719" rIns="91439" bIns="45719">
-            <a:noAutofit/>
-          </a:bodyPr>
-          <a:lstStyle/>
-          <a:p>
-            <a:pPr/>
-          </a:p>
-        </p:txBody>
-      </p:sp>
-      <p:sp>
-        <p:nvSpPr>
-          <p:cNvPr id="23" name="Line"/>
-          <p:cNvSpPr/>
-          <p:nvPr>
-            <p:ph type="body" sz="quarter" idx="14"/>
-          </p:nvPr>
+          <p:nvPr/>
         </p:nvSpPr>
         <p:spPr>
           <a:xfrm flipV="1">
             <a:off x="406400" y="6140894"/>
-            <a:ext cx="12192000" cy="263"/>
-          </a:xfrm>
-          <a:prstGeom prst="line">
-            <a:avLst/>
-          </a:prstGeom>
-          <a:ln w="38100">
-            <a:solidFill>
-              <a:srgbClr val="A6AAA9"/>
-            </a:solidFill>
-          </a:ln>
-        </p:spPr>
-        <p:txBody>
-          <a:bodyPr anchor="ctr">
-            <a:noAutofit/>
-          </a:bodyPr>
-          <a:lstStyle/>
-          <a:p>
-            <a:pPr marL="0" indent="0" defTabSz="457200">
-              <a:spcBef>
-                <a:spcPts val="0"/>
-              </a:spcBef>
-              <a:buClrTx/>
-              <a:buSzTx/>
-              <a:buFontTx/>
-              <a:buNone/>
-              <a:defRPr sz="1200">
-                <a:solidFill>
-                  <a:srgbClr val="000000"/>
-                </a:solidFill>
-                <a:latin typeface="Helvetica"/>
-                <a:ea typeface="Helvetica"/>
-                <a:cs typeface="Helvetica"/>
-                <a:sym typeface="Helvetica"/>
-              </a:defRPr>
-            </a:pPr>
-          </a:p>
-        </p:txBody>
-      </p:sp>
-      <p:sp>
-        <p:nvSpPr>
-          <p:cNvPr id="24" name="Title Text"/>
-          <p:cNvSpPr txBox="1"/>
-          <p:nvPr>
-            <p:ph type="title"/>
-          </p:nvPr>
-        </p:nvSpPr>
-        <p:spPr>
-          <a:xfrm>
-            <a:off x="406400" y="6426200"/>
-            <a:ext cx="12192000" cy="2705100"/>
-          </a:xfrm>
-          <a:prstGeom prst="rect">
-            <a:avLst/>
-          </a:prstGeom>
-        </p:spPr>
-        <p:txBody>
-          <a:bodyPr/>
-          <a:lstStyle>
-            <a:lvl1pPr>
-              <a:spcBef>
-                <a:spcPts val="0"/>
-              </a:spcBef>
-              <a:defRPr sz="17000"/>
-            </a:lvl1pPr>
-          </a:lstStyle>
-          <a:p>
-            <a:pPr/>
-            <a:r>
-              <a:t>Title Text</a:t>
-            </a:r>
-          </a:p>
-        </p:txBody>
-      </p:sp>
-      <p:sp>
-        <p:nvSpPr>
-          <p:cNvPr id="25" name="Body Level One…"/>
-          <p:cNvSpPr txBox="1"/>
-          <p:nvPr>
-            <p:ph type="body" sz="quarter" idx="1"/>
-          </p:nvPr>
-        </p:nvSpPr>
-        <p:spPr>
-          <a:xfrm>
-            <a:off x="406400" y="4267200"/>
-            <a:ext cx="12192000" cy="1803400"/>
-          </a:xfrm>
-          <a:prstGeom prst="rect">
-            <a:avLst/>
-          </a:prstGeom>
-        </p:spPr>
-        <p:txBody>
-          <a:bodyPr anchor="b"/>
-          <a:lstStyle>
-            <a:lvl1pPr marL="0" indent="0">
-              <a:lnSpc>
-                <a:spcPct val="80000"/>
-              </a:lnSpc>
-              <a:spcBef>
-                <a:spcPts val="2300"/>
-              </a:spcBef>
-              <a:buClrTx/>
-              <a:buSzTx/>
-              <a:buFontTx/>
-              <a:buNone/>
-              <a:defRPr cap="all" sz="5400">
-                <a:solidFill>
-                  <a:srgbClr val="A6AAA9"/>
-                </a:solidFill>
-                <a:latin typeface="DIN Alternate"/>
-                <a:ea typeface="DIN Alternate"/>
-                <a:cs typeface="DIN Alternate"/>
-                <a:sym typeface="DIN Alternate"/>
-              </a:defRPr>
-            </a:lvl1pPr>
-            <a:lvl2pPr marL="0" indent="228600">
-              <a:lnSpc>
-                <a:spcPct val="80000"/>
-              </a:lnSpc>
-              <a:spcBef>
-                <a:spcPts val="2300"/>
-              </a:spcBef>
-              <a:buClrTx/>
-              <a:buSzTx/>
-              <a:buFontTx/>
-              <a:buNone/>
-              <a:defRPr cap="all" sz="5400">
-                <a:solidFill>
-                  <a:srgbClr val="A6AAA9"/>
-                </a:solidFill>
-                <a:latin typeface="DIN Alternate"/>
-                <a:ea typeface="DIN Alternate"/>
-                <a:cs typeface="DIN Alternate"/>
-                <a:sym typeface="DIN Alternate"/>
-              </a:defRPr>
-            </a:lvl2pPr>
-            <a:lvl3pPr marL="0" indent="457200">
-              <a:lnSpc>
-                <a:spcPct val="80000"/>
-              </a:lnSpc>
-              <a:spcBef>
-                <a:spcPts val="2300"/>
-              </a:spcBef>
-              <a:buClrTx/>
-              <a:buSzTx/>
-              <a:buFontTx/>
-              <a:buNone/>
-              <a:defRPr cap="all" sz="5400">
-                <a:solidFill>
-                  <a:srgbClr val="A6AAA9"/>
-                </a:solidFill>
-                <a:latin typeface="DIN Alternate"/>
-                <a:ea typeface="DIN Alternate"/>
-                <a:cs typeface="DIN Alternate"/>
-                <a:sym typeface="DIN Alternate"/>
-              </a:defRPr>
-            </a:lvl3pPr>
-            <a:lvl4pPr marL="0" indent="685800">
-              <a:lnSpc>
-                <a:spcPct val="80000"/>
-              </a:lnSpc>
-              <a:spcBef>
-                <a:spcPts val="2300"/>
-              </a:spcBef>
-              <a:buClrTx/>
-              <a:buSzTx/>
-              <a:buFontTx/>
-              <a:buNone/>
-              <a:defRPr cap="all" sz="5400">
-                <a:solidFill>
-                  <a:srgbClr val="A6AAA9"/>
-                </a:solidFill>
-                <a:latin typeface="DIN Alternate"/>
-                <a:ea typeface="DIN Alternate"/>
-                <a:cs typeface="DIN Alternate"/>
-                <a:sym typeface="DIN Alternate"/>
-              </a:defRPr>
-            </a:lvl4pPr>
-            <a:lvl5pPr marL="0" indent="914400">
-              <a:lnSpc>
-                <a:spcPct val="80000"/>
-              </a:lnSpc>
-              <a:spcBef>
-                <a:spcPts val="2300"/>
-              </a:spcBef>
-              <a:buClrTx/>
-              <a:buSzTx/>
-              <a:buFontTx/>
-              <a:buNone/>
-              <a:defRPr cap="all" sz="5400">
-                <a:solidFill>
-                  <a:srgbClr val="A6AAA9"/>
-                </a:solidFill>
-                <a:latin typeface="DIN Alternate"/>
-                <a:ea typeface="DIN Alternate"/>
-                <a:cs typeface="DIN Alternate"/>
-                <a:sym typeface="DIN Alternate"/>
-              </a:defRPr>
-            </a:lvl5pPr>
-          </a:lstStyle>
-          <a:p>
-            <a:pPr/>
-            <a:r>
-              <a:t>Body Level One</a:t>
-            </a:r>
-          </a:p>
-          <a:p>
-            <a:pPr lvl="1"/>
-            <a:r>
-              <a:t>Body Level Two</a:t>
-            </a:r>
-          </a:p>
-          <a:p>
-            <a:pPr lvl="2"/>
-            <a:r>
-              <a:t>Body Level Three</a:t>
-            </a:r>
-          </a:p>
-          <a:p>
-            <a:pPr lvl="3"/>
-            <a:r>
-              <a:t>Body Level Four</a:t>
-            </a:r>
-          </a:p>
-          <a:p>
-            <a:pPr lvl="4"/>
-            <a:r>
-              <a:t>Body Level Five</a:t>
-            </a:r>
-          </a:p>
-        </p:txBody>
-      </p:sp>
-      <p:sp>
-        <p:nvSpPr>
-          <p:cNvPr id="26" name="Slide Number"/>
-          <p:cNvSpPr txBox="1"/>
-          <p:nvPr>
-            <p:ph type="sldNum" sz="quarter" idx="2"/>
-          </p:nvPr>
-        </p:nvSpPr>
-        <p:spPr>
-          <a:xfrm>
-            <a:off x="12194440" y="431800"/>
-            <a:ext cx="406898" cy="457200"/>
-          </a:xfrm>
-          <a:prstGeom prst="rect">
-            <a:avLst/>
-          </a:prstGeom>
-        </p:spPr>
-        <p:txBody>
-          <a:bodyPr/>
-          <a:lstStyle/>
-          <a:p>
-            <a:pPr/>
-            <a:fld id="{86CB4B4D-7CA3-9044-876B-883B54F8677D}" type="slidenum"/>
-          </a:p>
-        </p:txBody>
-      </p:sp>
-    </p:spTree>
-  </p:cSld>
-  <p:clrMapOvr>
-    <a:masterClrMapping/>
-  </p:clrMapOvr>
-  <p:transition xmlns:p14="http://schemas.microsoft.com/office/powerpoint/2010/main" spd="med" advClick="1"/>
-</p:sldLayout>
-</file>
-
-<file path=ppt/slideLayouts/slideLayout3.xml><?xml version="1.0" encoding="utf-8"?>
-<p:sldLayout xmlns:a="http://schemas.openxmlformats.org/drawingml/2006/main" xmlns:r="http://schemas.openxmlformats.org/officeDocument/2006/relationships" xmlns:p="http://schemas.openxmlformats.org/presentationml/2006/main" type="tx" showMasterSp="0" showMasterPhAnim="1">
-  <p:cSld name="Title &amp; Subtitle Alt">
-    <p:spTree>
-      <p:nvGrpSpPr>
-        <p:cNvPr id="1" name=""/>
-        <p:cNvGrpSpPr/>
-        <p:nvPr/>
-      </p:nvGrpSpPr>
-      <p:grpSpPr>
-        <a:xfrm>
-          <a:off x="0" y="0"/>
-          <a:ext cx="0" cy="0"/>
-          <a:chOff x="0" y="0"/>
-          <a:chExt cx="0" cy="0"/>
-        </a:xfrm>
-      </p:grpSpPr>
-      <p:sp>
-        <p:nvSpPr>
-          <p:cNvPr id="33" name="Line"/>
-          <p:cNvSpPr/>
-          <p:nvPr/>
-        </p:nvSpPr>
-        <p:spPr>
-          <a:xfrm flipV="1">
-            <a:off x="406400" y="6140894"/>
-            <a:ext cx="12192000" cy="263"/>
+            <a:ext cx="12192001" cy="264"/>
           </a:xfrm>
           <a:prstGeom prst="line">
             <a:avLst/>
@@ -2160,1505 +3689,14 @@
           </a:ln>
         </p:spPr>
         <p:txBody>
-          <a:bodyPr lIns="50800" tIns="50800" rIns="50800" bIns="50800" anchor="ctr"/>
+          <a:bodyPr lIns="45718" tIns="45718" rIns="45718" bIns="45718"/>
           <a:lstStyle/>
           <a:p>
-            <a:pPr defTabSz="457200">
-              <a:spcBef>
-                <a:spcPts val="0"/>
-              </a:spcBef>
-              <a:defRPr sz="1200">
+            <a:pPr>
+              <a:defRPr>
                 <a:solidFill>
-                  <a:srgbClr val="000000"/>
+                  <a:srgbClr val="838787"/>
                 </a:solidFill>
-                <a:latin typeface="Helvetica"/>
-                <a:ea typeface="Helvetica"/>
-                <a:cs typeface="Helvetica"/>
-                <a:sym typeface="Helvetica"/>
-              </a:defRPr>
-            </a:pPr>
-          </a:p>
-        </p:txBody>
-      </p:sp>
-      <p:sp>
-        <p:nvSpPr>
-          <p:cNvPr id="34" name="Title Text"/>
-          <p:cNvSpPr txBox="1"/>
-          <p:nvPr>
-            <p:ph type="title"/>
-          </p:nvPr>
-        </p:nvSpPr>
-        <p:spPr>
-          <a:xfrm>
-            <a:off x="406400" y="6426200"/>
-            <a:ext cx="12192000" cy="2705100"/>
-          </a:xfrm>
-          <a:prstGeom prst="rect">
-            <a:avLst/>
-          </a:prstGeom>
-        </p:spPr>
-        <p:txBody>
-          <a:bodyPr/>
-          <a:lstStyle>
-            <a:lvl1pPr>
-              <a:spcBef>
-                <a:spcPts val="0"/>
-              </a:spcBef>
-              <a:defRPr sz="17000"/>
-            </a:lvl1pPr>
-          </a:lstStyle>
-          <a:p>
-            <a:pPr/>
-            <a:r>
-              <a:t>Title Text</a:t>
-            </a:r>
-          </a:p>
-        </p:txBody>
-      </p:sp>
-      <p:sp>
-        <p:nvSpPr>
-          <p:cNvPr id="35" name="Body Level One…"/>
-          <p:cNvSpPr txBox="1"/>
-          <p:nvPr>
-            <p:ph type="body" sz="quarter" idx="1"/>
-          </p:nvPr>
-        </p:nvSpPr>
-        <p:spPr>
-          <a:xfrm>
-            <a:off x="406400" y="4267200"/>
-            <a:ext cx="12192000" cy="1803400"/>
-          </a:xfrm>
-          <a:prstGeom prst="rect">
-            <a:avLst/>
-          </a:prstGeom>
-        </p:spPr>
-        <p:txBody>
-          <a:bodyPr anchor="b"/>
-          <a:lstStyle>
-            <a:lvl1pPr marL="0" indent="0">
-              <a:lnSpc>
-                <a:spcPct val="80000"/>
-              </a:lnSpc>
-              <a:spcBef>
-                <a:spcPts val="2300"/>
-              </a:spcBef>
-              <a:buClrTx/>
-              <a:buSzTx/>
-              <a:buFontTx/>
-              <a:buNone/>
-              <a:defRPr cap="all" sz="5400">
-                <a:solidFill>
-                  <a:srgbClr val="A6AAA9"/>
-                </a:solidFill>
-                <a:latin typeface="DIN Alternate"/>
-                <a:ea typeface="DIN Alternate"/>
-                <a:cs typeface="DIN Alternate"/>
-                <a:sym typeface="DIN Alternate"/>
-              </a:defRPr>
-            </a:lvl1pPr>
-            <a:lvl2pPr marL="0" indent="228600">
-              <a:lnSpc>
-                <a:spcPct val="80000"/>
-              </a:lnSpc>
-              <a:spcBef>
-                <a:spcPts val="2300"/>
-              </a:spcBef>
-              <a:buClrTx/>
-              <a:buSzTx/>
-              <a:buFontTx/>
-              <a:buNone/>
-              <a:defRPr cap="all" sz="5400">
-                <a:solidFill>
-                  <a:srgbClr val="A6AAA9"/>
-                </a:solidFill>
-                <a:latin typeface="DIN Alternate"/>
-                <a:ea typeface="DIN Alternate"/>
-                <a:cs typeface="DIN Alternate"/>
-                <a:sym typeface="DIN Alternate"/>
-              </a:defRPr>
-            </a:lvl2pPr>
-            <a:lvl3pPr marL="0" indent="457200">
-              <a:lnSpc>
-                <a:spcPct val="80000"/>
-              </a:lnSpc>
-              <a:spcBef>
-                <a:spcPts val="2300"/>
-              </a:spcBef>
-              <a:buClrTx/>
-              <a:buSzTx/>
-              <a:buFontTx/>
-              <a:buNone/>
-              <a:defRPr cap="all" sz="5400">
-                <a:solidFill>
-                  <a:srgbClr val="A6AAA9"/>
-                </a:solidFill>
-                <a:latin typeface="DIN Alternate"/>
-                <a:ea typeface="DIN Alternate"/>
-                <a:cs typeface="DIN Alternate"/>
-                <a:sym typeface="DIN Alternate"/>
-              </a:defRPr>
-            </a:lvl3pPr>
-            <a:lvl4pPr marL="0" indent="685800">
-              <a:lnSpc>
-                <a:spcPct val="80000"/>
-              </a:lnSpc>
-              <a:spcBef>
-                <a:spcPts val="2300"/>
-              </a:spcBef>
-              <a:buClrTx/>
-              <a:buSzTx/>
-              <a:buFontTx/>
-              <a:buNone/>
-              <a:defRPr cap="all" sz="5400">
-                <a:solidFill>
-                  <a:srgbClr val="A6AAA9"/>
-                </a:solidFill>
-                <a:latin typeface="DIN Alternate"/>
-                <a:ea typeface="DIN Alternate"/>
-                <a:cs typeface="DIN Alternate"/>
-                <a:sym typeface="DIN Alternate"/>
-              </a:defRPr>
-            </a:lvl4pPr>
-            <a:lvl5pPr marL="0" indent="914400">
-              <a:lnSpc>
-                <a:spcPct val="80000"/>
-              </a:lnSpc>
-              <a:spcBef>
-                <a:spcPts val="2300"/>
-              </a:spcBef>
-              <a:buClrTx/>
-              <a:buSzTx/>
-              <a:buFontTx/>
-              <a:buNone/>
-              <a:defRPr cap="all" sz="5400">
-                <a:solidFill>
-                  <a:srgbClr val="A6AAA9"/>
-                </a:solidFill>
-                <a:latin typeface="DIN Alternate"/>
-                <a:ea typeface="DIN Alternate"/>
-                <a:cs typeface="DIN Alternate"/>
-                <a:sym typeface="DIN Alternate"/>
-              </a:defRPr>
-            </a:lvl5pPr>
-          </a:lstStyle>
-          <a:p>
-            <a:pPr/>
-            <a:r>
-              <a:t>Body Level One</a:t>
-            </a:r>
-          </a:p>
-          <a:p>
-            <a:pPr lvl="1"/>
-            <a:r>
-              <a:t>Body Level Two</a:t>
-            </a:r>
-          </a:p>
-          <a:p>
-            <a:pPr lvl="2"/>
-            <a:r>
-              <a:t>Body Level Three</a:t>
-            </a:r>
-          </a:p>
-          <a:p>
-            <a:pPr lvl="3"/>
-            <a:r>
-              <a:t>Body Level Four</a:t>
-            </a:r>
-          </a:p>
-          <a:p>
-            <a:pPr lvl="4"/>
-            <a:r>
-              <a:t>Body Level Five</a:t>
-            </a:r>
-          </a:p>
-        </p:txBody>
-      </p:sp>
-      <p:sp>
-        <p:nvSpPr>
-          <p:cNvPr id="36" name="Slide Number"/>
-          <p:cNvSpPr txBox="1"/>
-          <p:nvPr>
-            <p:ph type="sldNum" sz="quarter" idx="2"/>
-          </p:nvPr>
-        </p:nvSpPr>
-        <p:spPr>
-          <a:xfrm>
-            <a:off x="12161859" y="419100"/>
-            <a:ext cx="406898" cy="457200"/>
-          </a:xfrm>
-          <a:prstGeom prst="rect">
-            <a:avLst/>
-          </a:prstGeom>
-        </p:spPr>
-        <p:txBody>
-          <a:bodyPr/>
-          <a:lstStyle/>
-          <a:p>
-            <a:pPr/>
-            <a:fld id="{86CB4B4D-7CA3-9044-876B-883B54F8677D}" type="slidenum"/>
-          </a:p>
-        </p:txBody>
-      </p:sp>
-    </p:spTree>
-  </p:cSld>
-  <p:clrMapOvr>
-    <a:masterClrMapping/>
-  </p:clrMapOvr>
-  <p:transition xmlns:p14="http://schemas.microsoft.com/office/powerpoint/2010/main" spd="med" advClick="1"/>
-</p:sldLayout>
-</file>
-
-<file path=ppt/slideLayouts/slideLayout4.xml><?xml version="1.0" encoding="utf-8"?>
-<p:sldLayout xmlns:a="http://schemas.openxmlformats.org/drawingml/2006/main" xmlns:r="http://schemas.openxmlformats.org/officeDocument/2006/relationships" xmlns:p="http://schemas.openxmlformats.org/presentationml/2006/main" type="tx" showMasterSp="0" showMasterPhAnim="1">
-  <p:cSld name="Title - Center">
-    <p:bg>
-      <p:bgPr>
-        <a:solidFill>
-          <a:srgbClr val="222222"/>
-        </a:solidFill>
-      </p:bgPr>
-    </p:bg>
-    <p:spTree>
-      <p:nvGrpSpPr>
-        <p:cNvPr id="1" name=""/>
-        <p:cNvGrpSpPr/>
-        <p:nvPr/>
-      </p:nvGrpSpPr>
-      <p:grpSpPr>
-        <a:xfrm>
-          <a:off x="0" y="0"/>
-          <a:ext cx="0" cy="0"/>
-          <a:chOff x="0" y="0"/>
-          <a:chExt cx="0" cy="0"/>
-        </a:xfrm>
-      </p:grpSpPr>
-      <p:sp>
-        <p:nvSpPr>
-          <p:cNvPr id="43" name="Title Text"/>
-          <p:cNvSpPr txBox="1"/>
-          <p:nvPr>
-            <p:ph type="title"/>
-          </p:nvPr>
-        </p:nvSpPr>
-        <p:spPr>
-          <a:xfrm>
-            <a:off x="406400" y="4038600"/>
-            <a:ext cx="12192000" cy="4521200"/>
-          </a:xfrm>
-          <a:prstGeom prst="rect">
-            <a:avLst/>
-          </a:prstGeom>
-        </p:spPr>
-        <p:txBody>
-          <a:bodyPr/>
-          <a:lstStyle>
-            <a:lvl1pPr>
-              <a:spcBef>
-                <a:spcPts val="0"/>
-              </a:spcBef>
-              <a:defRPr sz="17000"/>
-            </a:lvl1pPr>
-          </a:lstStyle>
-          <a:p>
-            <a:pPr/>
-            <a:r>
-              <a:t>Title Text</a:t>
-            </a:r>
-          </a:p>
-        </p:txBody>
-      </p:sp>
-      <p:sp>
-        <p:nvSpPr>
-          <p:cNvPr id="44" name="Slide Number"/>
-          <p:cNvSpPr txBox="1"/>
-          <p:nvPr>
-            <p:ph type="sldNum" sz="quarter" idx="2"/>
-          </p:nvPr>
-        </p:nvSpPr>
-        <p:spPr>
-          <a:xfrm>
-            <a:off x="12194440" y="431800"/>
-            <a:ext cx="406898" cy="457200"/>
-          </a:xfrm>
-          <a:prstGeom prst="rect">
-            <a:avLst/>
-          </a:prstGeom>
-        </p:spPr>
-        <p:txBody>
-          <a:bodyPr/>
-          <a:lstStyle/>
-          <a:p>
-            <a:pPr/>
-            <a:fld id="{86CB4B4D-7CA3-9044-876B-883B54F8677D}" type="slidenum"/>
-          </a:p>
-        </p:txBody>
-      </p:sp>
-    </p:spTree>
-  </p:cSld>
-  <p:clrMapOvr>
-    <a:masterClrMapping/>
-  </p:clrMapOvr>
-  <p:transition xmlns:p14="http://schemas.microsoft.com/office/powerpoint/2010/main" spd="med" advClick="1"/>
-</p:sldLayout>
-</file>
-
-<file path=ppt/slideLayouts/slideLayout5.xml><?xml version="1.0" encoding="utf-8"?>
-<p:sldLayout xmlns:a="http://schemas.openxmlformats.org/drawingml/2006/main" xmlns:r="http://schemas.openxmlformats.org/officeDocument/2006/relationships" xmlns:p="http://schemas.openxmlformats.org/presentationml/2006/main" type="tx" showMasterSp="0" showMasterPhAnim="1">
-  <p:cSld name="Photo - Vertical">
-    <p:bg>
-      <p:bgPr>
-        <a:solidFill>
-          <a:srgbClr val="222222"/>
-        </a:solidFill>
-      </p:bgPr>
-    </p:bg>
-    <p:spTree>
-      <p:nvGrpSpPr>
-        <p:cNvPr id="1" name=""/>
-        <p:cNvGrpSpPr/>
-        <p:nvPr/>
-      </p:nvGrpSpPr>
-      <p:grpSpPr>
-        <a:xfrm>
-          <a:off x="0" y="0"/>
-          <a:ext cx="0" cy="0"/>
-          <a:chOff x="0" y="0"/>
-          <a:chExt cx="0" cy="0"/>
-        </a:xfrm>
-      </p:grpSpPr>
-      <p:sp>
-        <p:nvSpPr>
-          <p:cNvPr id="51" name="Line"/>
-          <p:cNvSpPr/>
-          <p:nvPr/>
-        </p:nvSpPr>
-        <p:spPr>
-          <a:xfrm flipV="1">
-            <a:off x="5892800" y="6141012"/>
-            <a:ext cx="6705600" cy="145"/>
-          </a:xfrm>
-          <a:prstGeom prst="line">
-            <a:avLst/>
-          </a:prstGeom>
-          <a:ln w="38100">
-            <a:solidFill>
-              <a:srgbClr val="A6AAA9"/>
-            </a:solidFill>
-            <a:miter lim="400000"/>
-          </a:ln>
-        </p:spPr>
-        <p:txBody>
-          <a:bodyPr lIns="50800" tIns="50800" rIns="50800" bIns="50800" anchor="ctr"/>
-          <a:lstStyle/>
-          <a:p>
-            <a:pPr defTabSz="457200">
-              <a:spcBef>
-                <a:spcPts val="0"/>
-              </a:spcBef>
-              <a:defRPr sz="1200">
-                <a:solidFill>
-                  <a:srgbClr val="000000"/>
-                </a:solidFill>
-                <a:latin typeface="Helvetica"/>
-                <a:ea typeface="Helvetica"/>
-                <a:cs typeface="Helvetica"/>
-                <a:sym typeface="Helvetica"/>
-              </a:defRPr>
-            </a:pPr>
-          </a:p>
-        </p:txBody>
-      </p:sp>
-      <p:sp>
-        <p:nvSpPr>
-          <p:cNvPr id="52" name="Image"/>
-          <p:cNvSpPr/>
-          <p:nvPr>
-            <p:ph type="pic" idx="13"/>
-          </p:nvPr>
-        </p:nvSpPr>
-        <p:spPr>
-          <a:xfrm>
-            <a:off x="0" y="0"/>
-            <a:ext cx="5486400" cy="9753600"/>
-          </a:xfrm>
-          <a:prstGeom prst="rect">
-            <a:avLst/>
-          </a:prstGeom>
-        </p:spPr>
-        <p:txBody>
-          <a:bodyPr lIns="91439" tIns="45719" rIns="91439" bIns="45719">
-            <a:noAutofit/>
-          </a:bodyPr>
-          <a:lstStyle/>
-          <a:p>
-            <a:pPr/>
-          </a:p>
-        </p:txBody>
-      </p:sp>
-      <p:sp>
-        <p:nvSpPr>
-          <p:cNvPr id="53" name="Title Text"/>
-          <p:cNvSpPr txBox="1"/>
-          <p:nvPr>
-            <p:ph type="title"/>
-          </p:nvPr>
-        </p:nvSpPr>
-        <p:spPr>
-          <a:xfrm>
-            <a:off x="5892800" y="6426200"/>
-            <a:ext cx="6705600" cy="2705100"/>
-          </a:xfrm>
-          <a:prstGeom prst="rect">
-            <a:avLst/>
-          </a:prstGeom>
-        </p:spPr>
-        <p:txBody>
-          <a:bodyPr/>
-          <a:lstStyle>
-            <a:lvl1pPr>
-              <a:spcBef>
-                <a:spcPts val="0"/>
-              </a:spcBef>
-              <a:defRPr sz="17000"/>
-            </a:lvl1pPr>
-          </a:lstStyle>
-          <a:p>
-            <a:pPr/>
-            <a:r>
-              <a:t>Title Text</a:t>
-            </a:r>
-          </a:p>
-        </p:txBody>
-      </p:sp>
-      <p:sp>
-        <p:nvSpPr>
-          <p:cNvPr id="54" name="Body Level One…"/>
-          <p:cNvSpPr txBox="1"/>
-          <p:nvPr>
-            <p:ph type="body" sz="quarter" idx="1"/>
-          </p:nvPr>
-        </p:nvSpPr>
-        <p:spPr>
-          <a:xfrm>
-            <a:off x="5892800" y="4267200"/>
-            <a:ext cx="6705600" cy="1803400"/>
-          </a:xfrm>
-          <a:prstGeom prst="rect">
-            <a:avLst/>
-          </a:prstGeom>
-        </p:spPr>
-        <p:txBody>
-          <a:bodyPr anchor="b"/>
-          <a:lstStyle>
-            <a:lvl1pPr marL="0" indent="0">
-              <a:lnSpc>
-                <a:spcPct val="80000"/>
-              </a:lnSpc>
-              <a:spcBef>
-                <a:spcPts val="2300"/>
-              </a:spcBef>
-              <a:buClrTx/>
-              <a:buSzTx/>
-              <a:buFontTx/>
-              <a:buNone/>
-              <a:defRPr cap="all" sz="5400">
-                <a:solidFill>
-                  <a:srgbClr val="A6AAA9"/>
-                </a:solidFill>
-                <a:latin typeface="DIN Alternate"/>
-                <a:ea typeface="DIN Alternate"/>
-                <a:cs typeface="DIN Alternate"/>
-                <a:sym typeface="DIN Alternate"/>
-              </a:defRPr>
-            </a:lvl1pPr>
-            <a:lvl2pPr marL="0" indent="228600">
-              <a:lnSpc>
-                <a:spcPct val="80000"/>
-              </a:lnSpc>
-              <a:spcBef>
-                <a:spcPts val="2300"/>
-              </a:spcBef>
-              <a:buClrTx/>
-              <a:buSzTx/>
-              <a:buFontTx/>
-              <a:buNone/>
-              <a:defRPr cap="all" sz="5400">
-                <a:solidFill>
-                  <a:srgbClr val="A6AAA9"/>
-                </a:solidFill>
-                <a:latin typeface="DIN Alternate"/>
-                <a:ea typeface="DIN Alternate"/>
-                <a:cs typeface="DIN Alternate"/>
-                <a:sym typeface="DIN Alternate"/>
-              </a:defRPr>
-            </a:lvl2pPr>
-            <a:lvl3pPr marL="0" indent="457200">
-              <a:lnSpc>
-                <a:spcPct val="80000"/>
-              </a:lnSpc>
-              <a:spcBef>
-                <a:spcPts val="2300"/>
-              </a:spcBef>
-              <a:buClrTx/>
-              <a:buSzTx/>
-              <a:buFontTx/>
-              <a:buNone/>
-              <a:defRPr cap="all" sz="5400">
-                <a:solidFill>
-                  <a:srgbClr val="A6AAA9"/>
-                </a:solidFill>
-                <a:latin typeface="DIN Alternate"/>
-                <a:ea typeface="DIN Alternate"/>
-                <a:cs typeface="DIN Alternate"/>
-                <a:sym typeface="DIN Alternate"/>
-              </a:defRPr>
-            </a:lvl3pPr>
-            <a:lvl4pPr marL="0" indent="685800">
-              <a:lnSpc>
-                <a:spcPct val="80000"/>
-              </a:lnSpc>
-              <a:spcBef>
-                <a:spcPts val="2300"/>
-              </a:spcBef>
-              <a:buClrTx/>
-              <a:buSzTx/>
-              <a:buFontTx/>
-              <a:buNone/>
-              <a:defRPr cap="all" sz="5400">
-                <a:solidFill>
-                  <a:srgbClr val="A6AAA9"/>
-                </a:solidFill>
-                <a:latin typeface="DIN Alternate"/>
-                <a:ea typeface="DIN Alternate"/>
-                <a:cs typeface="DIN Alternate"/>
-                <a:sym typeface="DIN Alternate"/>
-              </a:defRPr>
-            </a:lvl4pPr>
-            <a:lvl5pPr marL="0" indent="914400">
-              <a:lnSpc>
-                <a:spcPct val="80000"/>
-              </a:lnSpc>
-              <a:spcBef>
-                <a:spcPts val="2300"/>
-              </a:spcBef>
-              <a:buClrTx/>
-              <a:buSzTx/>
-              <a:buFontTx/>
-              <a:buNone/>
-              <a:defRPr cap="all" sz="5400">
-                <a:solidFill>
-                  <a:srgbClr val="A6AAA9"/>
-                </a:solidFill>
-                <a:latin typeface="DIN Alternate"/>
-                <a:ea typeface="DIN Alternate"/>
-                <a:cs typeface="DIN Alternate"/>
-                <a:sym typeface="DIN Alternate"/>
-              </a:defRPr>
-            </a:lvl5pPr>
-          </a:lstStyle>
-          <a:p>
-            <a:pPr/>
-            <a:r>
-              <a:t>Body Level One</a:t>
-            </a:r>
-          </a:p>
-          <a:p>
-            <a:pPr lvl="1"/>
-            <a:r>
-              <a:t>Body Level Two</a:t>
-            </a:r>
-          </a:p>
-          <a:p>
-            <a:pPr lvl="2"/>
-            <a:r>
-              <a:t>Body Level Three</a:t>
-            </a:r>
-          </a:p>
-          <a:p>
-            <a:pPr lvl="3"/>
-            <a:r>
-              <a:t>Body Level Four</a:t>
-            </a:r>
-          </a:p>
-          <a:p>
-            <a:pPr lvl="4"/>
-            <a:r>
-              <a:t>Body Level Five</a:t>
-            </a:r>
-          </a:p>
-        </p:txBody>
-      </p:sp>
-      <p:sp>
-        <p:nvSpPr>
-          <p:cNvPr id="55" name="Slide Number"/>
-          <p:cNvSpPr txBox="1"/>
-          <p:nvPr>
-            <p:ph type="sldNum" sz="quarter" idx="2"/>
-          </p:nvPr>
-        </p:nvSpPr>
-        <p:spPr>
-          <a:xfrm>
-            <a:off x="12194440" y="431800"/>
-            <a:ext cx="406898" cy="457200"/>
-          </a:xfrm>
-          <a:prstGeom prst="rect">
-            <a:avLst/>
-          </a:prstGeom>
-        </p:spPr>
-        <p:txBody>
-          <a:bodyPr/>
-          <a:lstStyle/>
-          <a:p>
-            <a:pPr/>
-            <a:fld id="{86CB4B4D-7CA3-9044-876B-883B54F8677D}" type="slidenum"/>
-          </a:p>
-        </p:txBody>
-      </p:sp>
-    </p:spTree>
-  </p:cSld>
-  <p:clrMapOvr>
-    <a:masterClrMapping/>
-  </p:clrMapOvr>
-  <p:transition xmlns:p14="http://schemas.microsoft.com/office/powerpoint/2010/main" spd="med" advClick="1"/>
-</p:sldLayout>
-</file>
-
-<file path=ppt/slideLayouts/slideLayout6.xml><?xml version="1.0" encoding="utf-8"?>
-<p:sldLayout xmlns:a="http://schemas.openxmlformats.org/drawingml/2006/main" xmlns:r="http://schemas.openxmlformats.org/officeDocument/2006/relationships" xmlns:p="http://schemas.openxmlformats.org/presentationml/2006/main" type="tx" showMasterSp="1" showMasterPhAnim="1">
-  <p:cSld name="Title - Top">
-    <p:spTree>
-      <p:nvGrpSpPr>
-        <p:cNvPr id="1" name=""/>
-        <p:cNvGrpSpPr/>
-        <p:nvPr/>
-      </p:nvGrpSpPr>
-      <p:grpSpPr>
-        <a:xfrm>
-          <a:off x="0" y="0"/>
-          <a:ext cx="0" cy="0"/>
-          <a:chOff x="0" y="0"/>
-          <a:chExt cx="0" cy="0"/>
-        </a:xfrm>
-      </p:grpSpPr>
-      <p:sp>
-        <p:nvSpPr>
-          <p:cNvPr id="62" name="Text"/>
-          <p:cNvSpPr txBox="1"/>
-          <p:nvPr>
-            <p:ph type="body" sz="quarter" idx="13"/>
-          </p:nvPr>
-        </p:nvSpPr>
-        <p:spPr>
-          <a:xfrm>
-            <a:off x="406400" y="457200"/>
-            <a:ext cx="11176000" cy="457200"/>
-          </a:xfrm>
-          <a:prstGeom prst="rect">
-            <a:avLst/>
-          </a:prstGeom>
-        </p:spPr>
-        <p:txBody>
-          <a:bodyPr anchor="b">
-            <a:spAutoFit/>
-          </a:bodyPr>
-          <a:lstStyle>
-            <a:lvl1pPr marL="0" indent="0" defTabSz="457200">
-              <a:lnSpc>
-                <a:spcPct val="80000"/>
-              </a:lnSpc>
-              <a:spcBef>
-                <a:spcPts val="0"/>
-              </a:spcBef>
-              <a:buClrTx/>
-              <a:buSzTx/>
-              <a:buFontTx/>
-              <a:buNone/>
-              <a:defRPr cap="all" spc="120" sz="2400">
-                <a:latin typeface="DIN Alternate"/>
-                <a:ea typeface="DIN Alternate"/>
-                <a:cs typeface="DIN Alternate"/>
-                <a:sym typeface="DIN Alternate"/>
-              </a:defRPr>
-            </a:lvl1pPr>
-          </a:lstStyle>
-          <a:p>
-            <a:pPr/>
-            <a:r>
-              <a:t>Text</a:t>
-            </a:r>
-          </a:p>
-        </p:txBody>
-      </p:sp>
-      <p:sp>
-        <p:nvSpPr>
-          <p:cNvPr id="63" name="Title Text"/>
-          <p:cNvSpPr txBox="1"/>
-          <p:nvPr>
-            <p:ph type="title"/>
-          </p:nvPr>
-        </p:nvSpPr>
-        <p:spPr>
-          <a:prstGeom prst="rect">
-            <a:avLst/>
-          </a:prstGeom>
-        </p:spPr>
-        <p:txBody>
-          <a:bodyPr/>
-          <a:lstStyle/>
-          <a:p>
-            <a:pPr/>
-            <a:r>
-              <a:t>Title Text</a:t>
-            </a:r>
-          </a:p>
-        </p:txBody>
-      </p:sp>
-      <p:sp>
-        <p:nvSpPr>
-          <p:cNvPr id="64" name="Slide Number"/>
-          <p:cNvSpPr txBox="1"/>
-          <p:nvPr>
-            <p:ph type="sldNum" sz="quarter" idx="2"/>
-          </p:nvPr>
-        </p:nvSpPr>
-        <p:spPr>
-          <a:prstGeom prst="rect">
-            <a:avLst/>
-          </a:prstGeom>
-        </p:spPr>
-        <p:txBody>
-          <a:bodyPr/>
-          <a:lstStyle/>
-          <a:p>
-            <a:pPr/>
-            <a:fld id="{86CB4B4D-7CA3-9044-876B-883B54F8677D}" type="slidenum"/>
-          </a:p>
-        </p:txBody>
-      </p:sp>
-    </p:spTree>
-  </p:cSld>
-  <p:clrMapOvr>
-    <a:masterClrMapping/>
-  </p:clrMapOvr>
-  <p:transition xmlns:p14="http://schemas.microsoft.com/office/powerpoint/2010/main" spd="med" advClick="1"/>
-</p:sldLayout>
-</file>
-
-<file path=ppt/slideLayouts/slideLayout7.xml><?xml version="1.0" encoding="utf-8"?>
-<p:sldLayout xmlns:a="http://schemas.openxmlformats.org/drawingml/2006/main" xmlns:r="http://schemas.openxmlformats.org/officeDocument/2006/relationships" xmlns:p="http://schemas.openxmlformats.org/presentationml/2006/main" type="tx" showMasterSp="1" showMasterPhAnim="1">
-  <p:cSld name="Title &amp; Bullets">
-    <p:bg>
-      <p:bgPr>
-        <a:solidFill>
-          <a:srgbClr val="222222"/>
-        </a:solidFill>
-      </p:bgPr>
-    </p:bg>
-    <p:spTree>
-      <p:nvGrpSpPr>
-        <p:cNvPr id="1" name=""/>
-        <p:cNvGrpSpPr/>
-        <p:nvPr/>
-      </p:nvGrpSpPr>
-      <p:grpSpPr>
-        <a:xfrm>
-          <a:off x="0" y="0"/>
-          <a:ext cx="0" cy="0"/>
-          <a:chOff x="0" y="0"/>
-          <a:chExt cx="0" cy="0"/>
-        </a:xfrm>
-      </p:grpSpPr>
-      <p:sp>
-        <p:nvSpPr>
-          <p:cNvPr id="71" name="Text"/>
-          <p:cNvSpPr txBox="1"/>
-          <p:nvPr>
-            <p:ph type="body" sz="quarter" idx="13"/>
-          </p:nvPr>
-        </p:nvSpPr>
-        <p:spPr>
-          <a:xfrm>
-            <a:off x="406400" y="457200"/>
-            <a:ext cx="11176000" cy="457200"/>
-          </a:xfrm>
-          <a:prstGeom prst="rect">
-            <a:avLst/>
-          </a:prstGeom>
-        </p:spPr>
-        <p:txBody>
-          <a:bodyPr anchor="b">
-            <a:spAutoFit/>
-          </a:bodyPr>
-          <a:lstStyle>
-            <a:lvl1pPr marL="0" indent="0" defTabSz="457200">
-              <a:lnSpc>
-                <a:spcPct val="80000"/>
-              </a:lnSpc>
-              <a:spcBef>
-                <a:spcPts val="0"/>
-              </a:spcBef>
-              <a:buClrTx/>
-              <a:buSzTx/>
-              <a:buFontTx/>
-              <a:buNone/>
-              <a:defRPr cap="all" spc="120" sz="2400">
-                <a:latin typeface="DIN Alternate"/>
-                <a:ea typeface="DIN Alternate"/>
-                <a:cs typeface="DIN Alternate"/>
-                <a:sym typeface="DIN Alternate"/>
-              </a:defRPr>
-            </a:lvl1pPr>
-          </a:lstStyle>
-          <a:p>
-            <a:pPr/>
-            <a:r>
-              <a:t>Text</a:t>
-            </a:r>
-          </a:p>
-        </p:txBody>
-      </p:sp>
-      <p:sp>
-        <p:nvSpPr>
-          <p:cNvPr id="72" name="Title Text"/>
-          <p:cNvSpPr txBox="1"/>
-          <p:nvPr>
-            <p:ph type="title"/>
-          </p:nvPr>
-        </p:nvSpPr>
-        <p:spPr>
-          <a:prstGeom prst="rect">
-            <a:avLst/>
-          </a:prstGeom>
-        </p:spPr>
-        <p:txBody>
-          <a:bodyPr/>
-          <a:lstStyle/>
-          <a:p>
-            <a:pPr/>
-            <a:r>
-              <a:t>Title Text</a:t>
-            </a:r>
-          </a:p>
-        </p:txBody>
-      </p:sp>
-      <p:sp>
-        <p:nvSpPr>
-          <p:cNvPr id="73" name="Body Level One…"/>
-          <p:cNvSpPr txBox="1"/>
-          <p:nvPr>
-            <p:ph type="body" idx="1"/>
-          </p:nvPr>
-        </p:nvSpPr>
-        <p:spPr>
-          <a:prstGeom prst="rect">
-            <a:avLst/>
-          </a:prstGeom>
-        </p:spPr>
-        <p:txBody>
-          <a:bodyPr/>
-          <a:lstStyle>
-            <a:lvl1pPr>
-              <a:buClr>
-                <a:schemeClr val="accent1"/>
-              </a:buClr>
-              <a:buChar char="▸"/>
-            </a:lvl1pPr>
-            <a:lvl2pPr>
-              <a:buClr>
-                <a:schemeClr val="accent1"/>
-              </a:buClr>
-              <a:buChar char="▸"/>
-            </a:lvl2pPr>
-            <a:lvl3pPr>
-              <a:buClr>
-                <a:schemeClr val="accent1"/>
-              </a:buClr>
-              <a:buChar char="▸"/>
-            </a:lvl3pPr>
-            <a:lvl4pPr>
-              <a:buClr>
-                <a:schemeClr val="accent1"/>
-              </a:buClr>
-              <a:buChar char="▸"/>
-            </a:lvl4pPr>
-            <a:lvl5pPr>
-              <a:buClr>
-                <a:schemeClr val="accent1"/>
-              </a:buClr>
-              <a:buChar char="▸"/>
-            </a:lvl5pPr>
-          </a:lstStyle>
-          <a:p>
-            <a:pPr/>
-            <a:r>
-              <a:t>Body Level One</a:t>
-            </a:r>
-          </a:p>
-          <a:p>
-            <a:pPr lvl="1"/>
-            <a:r>
-              <a:t>Body Level Two</a:t>
-            </a:r>
-          </a:p>
-          <a:p>
-            <a:pPr lvl="2"/>
-            <a:r>
-              <a:t>Body Level Three</a:t>
-            </a:r>
-          </a:p>
-          <a:p>
-            <a:pPr lvl="3"/>
-            <a:r>
-              <a:t>Body Level Four</a:t>
-            </a:r>
-          </a:p>
-          <a:p>
-            <a:pPr lvl="4"/>
-            <a:r>
-              <a:t>Body Level Five</a:t>
-            </a:r>
-          </a:p>
-        </p:txBody>
-      </p:sp>
-      <p:sp>
-        <p:nvSpPr>
-          <p:cNvPr id="74" name="Slide Number"/>
-          <p:cNvSpPr txBox="1"/>
-          <p:nvPr>
-            <p:ph type="sldNum" sz="quarter" idx="2"/>
-          </p:nvPr>
-        </p:nvSpPr>
-        <p:spPr>
-          <a:prstGeom prst="rect">
-            <a:avLst/>
-          </a:prstGeom>
-        </p:spPr>
-        <p:txBody>
-          <a:bodyPr/>
-          <a:lstStyle/>
-          <a:p>
-            <a:pPr/>
-            <a:fld id="{86CB4B4D-7CA3-9044-876B-883B54F8677D}" type="slidenum"/>
-          </a:p>
-        </p:txBody>
-      </p:sp>
-    </p:spTree>
-  </p:cSld>
-  <p:clrMapOvr>
-    <a:masterClrMapping/>
-  </p:clrMapOvr>
-  <p:transition xmlns:p14="http://schemas.microsoft.com/office/powerpoint/2010/main" spd="med" advClick="1"/>
-</p:sldLayout>
-</file>
-
-<file path=ppt/slideLayouts/slideLayout8.xml><?xml version="1.0" encoding="utf-8"?>
-<p:sldLayout xmlns:a="http://schemas.openxmlformats.org/drawingml/2006/main" xmlns:r="http://schemas.openxmlformats.org/officeDocument/2006/relationships" xmlns:p="http://schemas.openxmlformats.org/presentationml/2006/main" type="tx" showMasterSp="1" showMasterPhAnim="1">
-  <p:cSld name="Title &amp; Bullets Alt">
-    <p:spTree>
-      <p:nvGrpSpPr>
-        <p:cNvPr id="1" name=""/>
-        <p:cNvGrpSpPr/>
-        <p:nvPr/>
-      </p:nvGrpSpPr>
-      <p:grpSpPr>
-        <a:xfrm>
-          <a:off x="0" y="0"/>
-          <a:ext cx="0" cy="0"/>
-          <a:chOff x="0" y="0"/>
-          <a:chExt cx="0" cy="0"/>
-        </a:xfrm>
-      </p:grpSpPr>
-      <p:sp>
-        <p:nvSpPr>
-          <p:cNvPr id="81" name="Text"/>
-          <p:cNvSpPr txBox="1"/>
-          <p:nvPr>
-            <p:ph type="body" sz="quarter" idx="13"/>
-          </p:nvPr>
-        </p:nvSpPr>
-        <p:spPr>
-          <a:xfrm>
-            <a:off x="406400" y="457200"/>
-            <a:ext cx="11176000" cy="457200"/>
-          </a:xfrm>
-          <a:prstGeom prst="rect">
-            <a:avLst/>
-          </a:prstGeom>
-        </p:spPr>
-        <p:txBody>
-          <a:bodyPr anchor="b">
-            <a:spAutoFit/>
-          </a:bodyPr>
-          <a:lstStyle>
-            <a:lvl1pPr marL="0" indent="0" defTabSz="457200">
-              <a:lnSpc>
-                <a:spcPct val="80000"/>
-              </a:lnSpc>
-              <a:spcBef>
-                <a:spcPts val="0"/>
-              </a:spcBef>
-              <a:buClrTx/>
-              <a:buSzTx/>
-              <a:buFontTx/>
-              <a:buNone/>
-              <a:defRPr cap="all" spc="120" sz="2400">
-                <a:latin typeface="DIN Alternate"/>
-                <a:ea typeface="DIN Alternate"/>
-                <a:cs typeface="DIN Alternate"/>
-                <a:sym typeface="DIN Alternate"/>
-              </a:defRPr>
-            </a:lvl1pPr>
-          </a:lstStyle>
-          <a:p>
-            <a:pPr/>
-            <a:r>
-              <a:t>Text</a:t>
-            </a:r>
-          </a:p>
-        </p:txBody>
-      </p:sp>
-      <p:sp>
-        <p:nvSpPr>
-          <p:cNvPr id="82" name="Title Text"/>
-          <p:cNvSpPr txBox="1"/>
-          <p:nvPr>
-            <p:ph type="title"/>
-          </p:nvPr>
-        </p:nvSpPr>
-        <p:spPr>
-          <a:prstGeom prst="rect">
-            <a:avLst/>
-          </a:prstGeom>
-        </p:spPr>
-        <p:txBody>
-          <a:bodyPr/>
-          <a:lstStyle/>
-          <a:p>
-            <a:pPr/>
-            <a:r>
-              <a:t>Title Text</a:t>
-            </a:r>
-          </a:p>
-        </p:txBody>
-      </p:sp>
-      <p:sp>
-        <p:nvSpPr>
-          <p:cNvPr id="83" name="Body Level One…"/>
-          <p:cNvSpPr txBox="1"/>
-          <p:nvPr>
-            <p:ph type="body" idx="1"/>
-          </p:nvPr>
-        </p:nvSpPr>
-        <p:spPr>
-          <a:prstGeom prst="rect">
-            <a:avLst/>
-          </a:prstGeom>
-        </p:spPr>
-        <p:txBody>
-          <a:bodyPr/>
-          <a:lstStyle>
-            <a:lvl1pPr>
-              <a:buClr>
-                <a:schemeClr val="accent1"/>
-              </a:buClr>
-              <a:buChar char="▸"/>
-            </a:lvl1pPr>
-            <a:lvl2pPr>
-              <a:buClr>
-                <a:schemeClr val="accent1"/>
-              </a:buClr>
-              <a:buChar char="▸"/>
-            </a:lvl2pPr>
-            <a:lvl3pPr>
-              <a:buClr>
-                <a:schemeClr val="accent1"/>
-              </a:buClr>
-              <a:buChar char="▸"/>
-            </a:lvl3pPr>
-            <a:lvl4pPr>
-              <a:buClr>
-                <a:schemeClr val="accent1"/>
-              </a:buClr>
-              <a:buChar char="▸"/>
-            </a:lvl4pPr>
-            <a:lvl5pPr>
-              <a:buClr>
-                <a:schemeClr val="accent1"/>
-              </a:buClr>
-              <a:buChar char="▸"/>
-            </a:lvl5pPr>
-          </a:lstStyle>
-          <a:p>
-            <a:pPr/>
-            <a:r>
-              <a:t>Body Level One</a:t>
-            </a:r>
-          </a:p>
-          <a:p>
-            <a:pPr lvl="1"/>
-            <a:r>
-              <a:t>Body Level Two</a:t>
-            </a:r>
-          </a:p>
-          <a:p>
-            <a:pPr lvl="2"/>
-            <a:r>
-              <a:t>Body Level Three</a:t>
-            </a:r>
-          </a:p>
-          <a:p>
-            <a:pPr lvl="3"/>
-            <a:r>
-              <a:t>Body Level Four</a:t>
-            </a:r>
-          </a:p>
-          <a:p>
-            <a:pPr lvl="4"/>
-            <a:r>
-              <a:t>Body Level Five</a:t>
-            </a:r>
-          </a:p>
-        </p:txBody>
-      </p:sp>
-      <p:sp>
-        <p:nvSpPr>
-          <p:cNvPr id="84" name="Slide Number"/>
-          <p:cNvSpPr txBox="1"/>
-          <p:nvPr>
-            <p:ph type="sldNum" sz="quarter" idx="2"/>
-          </p:nvPr>
-        </p:nvSpPr>
-        <p:spPr>
-          <a:prstGeom prst="rect">
-            <a:avLst/>
-          </a:prstGeom>
-        </p:spPr>
-        <p:txBody>
-          <a:bodyPr/>
-          <a:lstStyle/>
-          <a:p>
-            <a:pPr/>
-            <a:fld id="{86CB4B4D-7CA3-9044-876B-883B54F8677D}" type="slidenum"/>
-          </a:p>
-        </p:txBody>
-      </p:sp>
-    </p:spTree>
-  </p:cSld>
-  <p:clrMapOvr>
-    <a:masterClrMapping/>
-  </p:clrMapOvr>
-  <p:transition xmlns:p14="http://schemas.microsoft.com/office/powerpoint/2010/main" spd="med" advClick="1"/>
-</p:sldLayout>
-</file>
-
-<file path=ppt/slideLayouts/slideLayout9.xml><?xml version="1.0" encoding="utf-8"?>
-<p:sldLayout xmlns:a="http://schemas.openxmlformats.org/drawingml/2006/main" xmlns:r="http://schemas.openxmlformats.org/officeDocument/2006/relationships" xmlns:p="http://schemas.openxmlformats.org/presentationml/2006/main" type="tx" showMasterSp="1" showMasterPhAnim="1">
-  <p:cSld name="Title, Bullets &amp; Photo">
-    <p:bg>
-      <p:bgPr>
-        <a:solidFill>
-          <a:srgbClr val="222222"/>
-        </a:solidFill>
-      </p:bgPr>
-    </p:bg>
-    <p:spTree>
-      <p:nvGrpSpPr>
-        <p:cNvPr id="1" name=""/>
-        <p:cNvGrpSpPr/>
-        <p:nvPr/>
-      </p:nvGrpSpPr>
-      <p:grpSpPr>
-        <a:xfrm>
-          <a:off x="0" y="0"/>
-          <a:ext cx="0" cy="0"/>
-          <a:chOff x="0" y="0"/>
-          <a:chExt cx="0" cy="0"/>
-        </a:xfrm>
-      </p:grpSpPr>
-      <p:sp>
-        <p:nvSpPr>
-          <p:cNvPr id="91" name="Text"/>
-          <p:cNvSpPr txBox="1"/>
-          <p:nvPr>
-            <p:ph type="body" sz="quarter" idx="13"/>
-          </p:nvPr>
-        </p:nvSpPr>
-        <p:spPr>
-          <a:xfrm>
-            <a:off x="406400" y="457200"/>
-            <a:ext cx="11176000" cy="457200"/>
-          </a:xfrm>
-          <a:prstGeom prst="rect">
-            <a:avLst/>
-          </a:prstGeom>
-        </p:spPr>
-        <p:txBody>
-          <a:bodyPr anchor="b">
-            <a:spAutoFit/>
-          </a:bodyPr>
-          <a:lstStyle>
-            <a:lvl1pPr marL="0" indent="0" defTabSz="457200">
-              <a:lnSpc>
-                <a:spcPct val="80000"/>
-              </a:lnSpc>
-              <a:spcBef>
-                <a:spcPts val="0"/>
-              </a:spcBef>
-              <a:buClrTx/>
-              <a:buSzTx/>
-              <a:buFontTx/>
-              <a:buNone/>
-              <a:defRPr cap="all" spc="120" sz="2400">
-                <a:latin typeface="DIN Alternate"/>
-                <a:ea typeface="DIN Alternate"/>
-                <a:cs typeface="DIN Alternate"/>
-                <a:sym typeface="DIN Alternate"/>
-              </a:defRPr>
-            </a:lvl1pPr>
-          </a:lstStyle>
-          <a:p>
-            <a:pPr/>
-            <a:r>
-              <a:t>Text</a:t>
-            </a:r>
-          </a:p>
-        </p:txBody>
-      </p:sp>
-      <p:sp>
-        <p:nvSpPr>
-          <p:cNvPr id="92" name="Image"/>
-          <p:cNvSpPr/>
-          <p:nvPr>
-            <p:ph type="pic" sz="half" idx="14"/>
-          </p:nvPr>
-        </p:nvSpPr>
-        <p:spPr>
-          <a:xfrm>
-            <a:off x="7112000" y="1536700"/>
-            <a:ext cx="5486400" cy="7797800"/>
-          </a:xfrm>
-          <a:prstGeom prst="rect">
-            <a:avLst/>
-          </a:prstGeom>
-        </p:spPr>
-        <p:txBody>
-          <a:bodyPr lIns="91439" tIns="45719" rIns="91439" bIns="45719">
-            <a:noAutofit/>
-          </a:bodyPr>
-          <a:lstStyle/>
-          <a:p>
-            <a:pPr/>
-          </a:p>
-        </p:txBody>
-      </p:sp>
-      <p:sp>
-        <p:nvSpPr>
-          <p:cNvPr id="93" name="Title Text"/>
-          <p:cNvSpPr txBox="1"/>
-          <p:nvPr>
-            <p:ph type="title"/>
-          </p:nvPr>
-        </p:nvSpPr>
-        <p:spPr>
-          <a:xfrm>
-            <a:off x="406400" y="1536700"/>
-            <a:ext cx="6299200" cy="723900"/>
-          </a:xfrm>
-          <a:prstGeom prst="rect">
-            <a:avLst/>
-          </a:prstGeom>
-        </p:spPr>
-        <p:txBody>
-          <a:bodyPr/>
-          <a:lstStyle/>
-          <a:p>
-            <a:pPr/>
-            <a:r>
-              <a:t>Title Text</a:t>
-            </a:r>
-          </a:p>
-        </p:txBody>
-      </p:sp>
-      <p:sp>
-        <p:nvSpPr>
-          <p:cNvPr id="94" name="Body Level One…"/>
-          <p:cNvSpPr txBox="1"/>
-          <p:nvPr>
-            <p:ph type="body" sz="half" idx="1"/>
-          </p:nvPr>
-        </p:nvSpPr>
-        <p:spPr>
-          <a:xfrm>
-            <a:off x="406400" y="2743200"/>
-            <a:ext cx="6299200" cy="6108700"/>
-          </a:xfrm>
-          <a:prstGeom prst="rect">
-            <a:avLst/>
-          </a:prstGeom>
-        </p:spPr>
-        <p:txBody>
-          <a:bodyPr/>
-          <a:lstStyle>
-            <a:lvl1pPr>
-              <a:buClr>
-                <a:schemeClr val="accent1"/>
-              </a:buClr>
-              <a:buChar char="▸"/>
-              <a:defRPr sz="2800"/>
-            </a:lvl1pPr>
-            <a:lvl2pPr>
-              <a:buClr>
-                <a:schemeClr val="accent1"/>
-              </a:buClr>
-              <a:buChar char="▸"/>
-              <a:defRPr sz="2800"/>
-            </a:lvl2pPr>
-            <a:lvl3pPr>
-              <a:buClr>
-                <a:schemeClr val="accent1"/>
-              </a:buClr>
-              <a:buChar char="▸"/>
-              <a:defRPr sz="2800"/>
-            </a:lvl3pPr>
-            <a:lvl4pPr>
-              <a:buClr>
-                <a:schemeClr val="accent1"/>
-              </a:buClr>
-              <a:buChar char="▸"/>
-              <a:defRPr sz="2800"/>
-            </a:lvl4pPr>
-            <a:lvl5pPr>
-              <a:buClr>
-                <a:schemeClr val="accent1"/>
-              </a:buClr>
-              <a:buChar char="▸"/>
-              <a:defRPr sz="2800"/>
-            </a:lvl5pPr>
-          </a:lstStyle>
-          <a:p>
-            <a:pPr/>
-            <a:r>
-              <a:t>Body Level One</a:t>
-            </a:r>
-          </a:p>
-          <a:p>
-            <a:pPr lvl="1"/>
-            <a:r>
-              <a:t>Body Level Two</a:t>
-            </a:r>
-          </a:p>
-          <a:p>
-            <a:pPr lvl="2"/>
-            <a:r>
-              <a:t>Body Level Three</a:t>
-            </a:r>
-          </a:p>
-          <a:p>
-            <a:pPr lvl="3"/>
-            <a:r>
-              <a:t>Body Level Four</a:t>
-            </a:r>
-          </a:p>
-          <a:p>
-            <a:pPr lvl="4"/>
-            <a:r>
-              <a:t>Body Level Five</a:t>
-            </a:r>
-          </a:p>
-        </p:txBody>
-      </p:sp>
-      <p:sp>
-        <p:nvSpPr>
-          <p:cNvPr id="95" name="Slide Number"/>
-          <p:cNvSpPr txBox="1"/>
-          <p:nvPr>
-            <p:ph type="sldNum" sz="quarter" idx="2"/>
-          </p:nvPr>
-        </p:nvSpPr>
-        <p:spPr>
-          <a:prstGeom prst="rect">
-            <a:avLst/>
-          </a:prstGeom>
-        </p:spPr>
-        <p:txBody>
-          <a:bodyPr/>
-          <a:lstStyle/>
-          <a:p>
-            <a:pPr/>
-            <a:fld id="{86CB4B4D-7CA3-9044-876B-883B54F8677D}" type="slidenum"/>
-          </a:p>
-        </p:txBody>
-      </p:sp>
-    </p:spTree>
-  </p:cSld>
-  <p:clrMapOvr>
-    <a:masterClrMapping/>
-  </p:clrMapOvr>
-  <p:transition xmlns:p14="http://schemas.microsoft.com/office/powerpoint/2010/main" spd="med" advClick="1"/>
-</p:sldLayout>
-</file>
-
-<file path=ppt/slideMasters/slideMaster1.xml><?xml version="1.0" encoding="utf-8"?>
-<p:sldMaster xmlns:a="http://schemas.openxmlformats.org/drawingml/2006/main" xmlns:r="http://schemas.openxmlformats.org/officeDocument/2006/relationships" xmlns:p="http://schemas.openxmlformats.org/presentationml/2006/main">
-  <p:cSld>
-    <p:bg>
-      <p:bgPr>
-        <a:solidFill>
-          <a:srgbClr val="FFFFFF"/>
-        </a:solidFill>
-      </p:bgPr>
-    </p:bg>
-    <p:spTree>
-      <p:nvGrpSpPr>
-        <p:cNvPr id="1" name=""/>
-        <p:cNvGrpSpPr/>
-        <p:nvPr/>
-      </p:nvGrpSpPr>
-      <p:grpSpPr>
-        <a:xfrm>
-          <a:off x="0" y="0"/>
-          <a:ext cx="0" cy="0"/>
-          <a:chOff x="0" y="0"/>
-          <a:chExt cx="0" cy="0"/>
-        </a:xfrm>
-      </p:grpSpPr>
-      <p:sp>
-        <p:nvSpPr>
-          <p:cNvPr id="2" name="Line"/>
-          <p:cNvSpPr/>
-          <p:nvPr/>
-        </p:nvSpPr>
-        <p:spPr>
-          <a:xfrm flipV="1">
-            <a:off x="406400" y="993160"/>
-            <a:ext cx="12192000" cy="263"/>
-          </a:xfrm>
-          <a:prstGeom prst="line">
-            <a:avLst/>
-          </a:prstGeom>
-          <a:ln w="25400">
-            <a:solidFill>
-              <a:srgbClr val="A6AAA9"/>
-            </a:solidFill>
-            <a:miter lim="400000"/>
-          </a:ln>
-        </p:spPr>
-        <p:txBody>
-          <a:bodyPr lIns="50800" tIns="50800" rIns="50800" bIns="50800" anchor="ctr"/>
-          <a:lstStyle/>
-          <a:p>
-            <a:pPr defTabSz="457200">
-              <a:spcBef>
-                <a:spcPts val="0"/>
-              </a:spcBef>
-              <a:defRPr sz="1200">
-                <a:solidFill>
-                  <a:srgbClr val="000000"/>
-                </a:solidFill>
-                <a:latin typeface="Helvetica"/>
-                <a:ea typeface="Helvetica"/>
-                <a:cs typeface="Helvetica"/>
-                <a:sym typeface="Helvetica"/>
               </a:defRPr>
             </a:pPr>
           </a:p>
@@ -3674,8 +3712,8 @@
         </p:nvSpPr>
         <p:spPr>
           <a:xfrm>
-            <a:off x="406400" y="1536700"/>
-            <a:ext cx="12192000" cy="723900"/>
+            <a:off x="406400" y="6426200"/>
+            <a:ext cx="12192000" cy="2705100"/>
           </a:xfrm>
           <a:prstGeom prst="rect">
             <a:avLst/>
@@ -3712,8 +3750,8 @@
         </p:nvSpPr>
         <p:spPr>
           <a:xfrm>
-            <a:off x="406400" y="2743200"/>
-            <a:ext cx="12192000" cy="6108700"/>
+            <a:off x="406400" y="4267200"/>
+            <a:ext cx="12192000" cy="1803400"/>
           </a:xfrm>
           <a:prstGeom prst="rect">
             <a:avLst/>
@@ -3728,7 +3766,7 @@
           </a:extLst>
         </p:spPr>
         <p:txBody>
-          <a:bodyPr lIns="50800" tIns="50800" rIns="50800" bIns="50800">
+          <a:bodyPr lIns="50800" tIns="50800" rIns="50800" bIns="50800" anchor="b">
             <a:normAutofit fontScale="100000" lnSpcReduction="0"/>
           </a:bodyPr>
           <a:lstStyle/>
@@ -3774,7 +3812,7 @@
         </p:nvSpPr>
         <p:spPr>
           <a:xfrm>
-            <a:off x="12186622" y="431800"/>
+            <a:off x="12194442" y="431800"/>
             <a:ext cx="406897" cy="457200"/>
           </a:xfrm>
           <a:prstGeom prst="rect">
@@ -3797,6 +3835,9 @@
                 <a:spcPts val="0"/>
               </a:spcBef>
               <a:defRPr sz="2400">
+                <a:solidFill>
+                  <a:srgbClr val="838787"/>
+                </a:solidFill>
                 <a:latin typeface="DIN Alternate"/>
                 <a:ea typeface="DIN Alternate"/>
                 <a:cs typeface="DIN Alternate"/>
@@ -3812,7 +3853,7 @@
       </p:sp>
     </p:spTree>
   </p:cSld>
-  <p:clrMap bg1="dk1" tx1="lt1" bg2="dk2" tx2="lt2" accent1="accent1" accent2="accent2" accent3="accent3" accent4="accent4" accent5="accent5" accent6="accent6" hlink="hlink" folHlink="folHlink"/>
+  <p:clrMap bg1="lt1" tx1="dk1" bg2="lt2" tx2="dk2" accent1="accent1" accent2="accent2" accent3="accent3" accent4="accent4" accent5="accent5" accent6="accent6" hlink="hlink" folHlink="folHlink"/>
   <p:sldLayoutIdLst>
     <p:sldLayoutId id="2147483649" r:id="rId2"/>
     <p:sldLayoutId id="2147483650" r:id="rId3"/>
@@ -3839,7 +3880,7 @@
           <a:spcPct val="80000"/>
         </a:lnSpc>
         <a:spcBef>
-          <a:spcPts val="2800"/>
+          <a:spcPts val="0"/>
         </a:spcBef>
         <a:spcAft>
           <a:spcPts val="0"/>
@@ -3849,7 +3890,7 @@
         <a:buFontTx/>
         <a:buNone/>
         <a:tabLst/>
-        <a:defRPr b="0" baseline="0" cap="all" i="0" spc="0" strike="noStrike" sz="6000" u="none">
+        <a:defRPr b="0" baseline="0" cap="all" i="0" spc="0" strike="noStrike" sz="17000" u="none">
           <a:ln>
             <a:noFill/>
           </a:ln>
@@ -3857,18 +3898,18 @@
             <a:schemeClr val="accent1"/>
           </a:solidFill>
           <a:uFillTx/>
-          <a:latin typeface="+mn-lt"/>
-          <a:ea typeface="+mn-ea"/>
-          <a:cs typeface="+mn-cs"/>
+          <a:latin typeface="DIN Condensed"/>
+          <a:ea typeface="DIN Condensed"/>
+          <a:cs typeface="DIN Condensed"/>
           <a:sym typeface="DIN Condensed"/>
         </a:defRPr>
       </a:lvl1pPr>
-      <a:lvl2pPr marL="0" marR="0" indent="228600" algn="l" defTabSz="584200" rtl="0" latinLnBrk="0">
+      <a:lvl2pPr marL="0" marR="0" indent="0" algn="l" defTabSz="584200" rtl="0" latinLnBrk="0">
         <a:lnSpc>
           <a:spcPct val="80000"/>
         </a:lnSpc>
         <a:spcBef>
-          <a:spcPts val="2800"/>
+          <a:spcPts val="0"/>
         </a:spcBef>
         <a:spcAft>
           <a:spcPts val="0"/>
@@ -3878,7 +3919,7 @@
         <a:buFontTx/>
         <a:buNone/>
         <a:tabLst/>
-        <a:defRPr b="0" baseline="0" cap="all" i="0" spc="0" strike="noStrike" sz="6000" u="none">
+        <a:defRPr b="0" baseline="0" cap="all" i="0" spc="0" strike="noStrike" sz="17000" u="none">
           <a:ln>
             <a:noFill/>
           </a:ln>
@@ -3886,18 +3927,18 @@
             <a:schemeClr val="accent1"/>
           </a:solidFill>
           <a:uFillTx/>
-          <a:latin typeface="+mn-lt"/>
-          <a:ea typeface="+mn-ea"/>
-          <a:cs typeface="+mn-cs"/>
+          <a:latin typeface="DIN Condensed"/>
+          <a:ea typeface="DIN Condensed"/>
+          <a:cs typeface="DIN Condensed"/>
           <a:sym typeface="DIN Condensed"/>
         </a:defRPr>
       </a:lvl2pPr>
-      <a:lvl3pPr marL="0" marR="0" indent="457200" algn="l" defTabSz="584200" rtl="0" latinLnBrk="0">
+      <a:lvl3pPr marL="0" marR="0" indent="0" algn="l" defTabSz="584200" rtl="0" latinLnBrk="0">
         <a:lnSpc>
           <a:spcPct val="80000"/>
         </a:lnSpc>
         <a:spcBef>
-          <a:spcPts val="2800"/>
+          <a:spcPts val="0"/>
         </a:spcBef>
         <a:spcAft>
           <a:spcPts val="0"/>
@@ -3907,7 +3948,7 @@
         <a:buFontTx/>
         <a:buNone/>
         <a:tabLst/>
-        <a:defRPr b="0" baseline="0" cap="all" i="0" spc="0" strike="noStrike" sz="6000" u="none">
+        <a:defRPr b="0" baseline="0" cap="all" i="0" spc="0" strike="noStrike" sz="17000" u="none">
           <a:ln>
             <a:noFill/>
           </a:ln>
@@ -3915,18 +3956,18 @@
             <a:schemeClr val="accent1"/>
           </a:solidFill>
           <a:uFillTx/>
-          <a:latin typeface="+mn-lt"/>
-          <a:ea typeface="+mn-ea"/>
-          <a:cs typeface="+mn-cs"/>
+          <a:latin typeface="DIN Condensed"/>
+          <a:ea typeface="DIN Condensed"/>
+          <a:cs typeface="DIN Condensed"/>
           <a:sym typeface="DIN Condensed"/>
         </a:defRPr>
       </a:lvl3pPr>
-      <a:lvl4pPr marL="0" marR="0" indent="685800" algn="l" defTabSz="584200" rtl="0" latinLnBrk="0">
+      <a:lvl4pPr marL="0" marR="0" indent="0" algn="l" defTabSz="584200" rtl="0" latinLnBrk="0">
         <a:lnSpc>
           <a:spcPct val="80000"/>
         </a:lnSpc>
         <a:spcBef>
-          <a:spcPts val="2800"/>
+          <a:spcPts val="0"/>
         </a:spcBef>
         <a:spcAft>
           <a:spcPts val="0"/>
@@ -3936,7 +3977,7 @@
         <a:buFontTx/>
         <a:buNone/>
         <a:tabLst/>
-        <a:defRPr b="0" baseline="0" cap="all" i="0" spc="0" strike="noStrike" sz="6000" u="none">
+        <a:defRPr b="0" baseline="0" cap="all" i="0" spc="0" strike="noStrike" sz="17000" u="none">
           <a:ln>
             <a:noFill/>
           </a:ln>
@@ -3944,18 +3985,18 @@
             <a:schemeClr val="accent1"/>
           </a:solidFill>
           <a:uFillTx/>
-          <a:latin typeface="+mn-lt"/>
-          <a:ea typeface="+mn-ea"/>
-          <a:cs typeface="+mn-cs"/>
+          <a:latin typeface="DIN Condensed"/>
+          <a:ea typeface="DIN Condensed"/>
+          <a:cs typeface="DIN Condensed"/>
           <a:sym typeface="DIN Condensed"/>
         </a:defRPr>
       </a:lvl4pPr>
-      <a:lvl5pPr marL="0" marR="0" indent="914400" algn="l" defTabSz="584200" rtl="0" latinLnBrk="0">
+      <a:lvl5pPr marL="0" marR="0" indent="0" algn="l" defTabSz="584200" rtl="0" latinLnBrk="0">
         <a:lnSpc>
           <a:spcPct val="80000"/>
         </a:lnSpc>
         <a:spcBef>
-          <a:spcPts val="2800"/>
+          <a:spcPts val="0"/>
         </a:spcBef>
         <a:spcAft>
           <a:spcPts val="0"/>
@@ -3965,7 +4006,7 @@
         <a:buFontTx/>
         <a:buNone/>
         <a:tabLst/>
-        <a:defRPr b="0" baseline="0" cap="all" i="0" spc="0" strike="noStrike" sz="6000" u="none">
+        <a:defRPr b="0" baseline="0" cap="all" i="0" spc="0" strike="noStrike" sz="17000" u="none">
           <a:ln>
             <a:noFill/>
           </a:ln>
@@ -3973,18 +4014,18 @@
             <a:schemeClr val="accent1"/>
           </a:solidFill>
           <a:uFillTx/>
-          <a:latin typeface="+mn-lt"/>
-          <a:ea typeface="+mn-ea"/>
-          <a:cs typeface="+mn-cs"/>
+          <a:latin typeface="DIN Condensed"/>
+          <a:ea typeface="DIN Condensed"/>
+          <a:cs typeface="DIN Condensed"/>
           <a:sym typeface="DIN Condensed"/>
         </a:defRPr>
       </a:lvl5pPr>
-      <a:lvl6pPr marL="0" marR="0" indent="1143000" algn="l" defTabSz="584200" rtl="0" latinLnBrk="0">
+      <a:lvl6pPr marL="0" marR="0" indent="0" algn="l" defTabSz="584200" rtl="0" latinLnBrk="0">
         <a:lnSpc>
           <a:spcPct val="80000"/>
         </a:lnSpc>
         <a:spcBef>
-          <a:spcPts val="2800"/>
+          <a:spcPts val="0"/>
         </a:spcBef>
         <a:spcAft>
           <a:spcPts val="0"/>
@@ -3994,7 +4035,7 @@
         <a:buFontTx/>
         <a:buNone/>
         <a:tabLst/>
-        <a:defRPr b="0" baseline="0" cap="all" i="0" spc="0" strike="noStrike" sz="6000" u="none">
+        <a:defRPr b="0" baseline="0" cap="all" i="0" spc="0" strike="noStrike" sz="17000" u="none">
           <a:ln>
             <a:noFill/>
           </a:ln>
@@ -4002,18 +4043,18 @@
             <a:schemeClr val="accent1"/>
           </a:solidFill>
           <a:uFillTx/>
-          <a:latin typeface="+mn-lt"/>
-          <a:ea typeface="+mn-ea"/>
-          <a:cs typeface="+mn-cs"/>
+          <a:latin typeface="DIN Condensed"/>
+          <a:ea typeface="DIN Condensed"/>
+          <a:cs typeface="DIN Condensed"/>
           <a:sym typeface="DIN Condensed"/>
         </a:defRPr>
       </a:lvl6pPr>
-      <a:lvl7pPr marL="0" marR="0" indent="1371600" algn="l" defTabSz="584200" rtl="0" latinLnBrk="0">
+      <a:lvl7pPr marL="0" marR="0" indent="0" algn="l" defTabSz="584200" rtl="0" latinLnBrk="0">
         <a:lnSpc>
           <a:spcPct val="80000"/>
         </a:lnSpc>
         <a:spcBef>
-          <a:spcPts val="2800"/>
+          <a:spcPts val="0"/>
         </a:spcBef>
         <a:spcAft>
           <a:spcPts val="0"/>
@@ -4023,7 +4064,7 @@
         <a:buFontTx/>
         <a:buNone/>
         <a:tabLst/>
-        <a:defRPr b="0" baseline="0" cap="all" i="0" spc="0" strike="noStrike" sz="6000" u="none">
+        <a:defRPr b="0" baseline="0" cap="all" i="0" spc="0" strike="noStrike" sz="17000" u="none">
           <a:ln>
             <a:noFill/>
           </a:ln>
@@ -4031,18 +4072,18 @@
             <a:schemeClr val="accent1"/>
           </a:solidFill>
           <a:uFillTx/>
-          <a:latin typeface="+mn-lt"/>
-          <a:ea typeface="+mn-ea"/>
-          <a:cs typeface="+mn-cs"/>
+          <a:latin typeface="DIN Condensed"/>
+          <a:ea typeface="DIN Condensed"/>
+          <a:cs typeface="DIN Condensed"/>
           <a:sym typeface="DIN Condensed"/>
         </a:defRPr>
       </a:lvl7pPr>
-      <a:lvl8pPr marL="0" marR="0" indent="1600200" algn="l" defTabSz="584200" rtl="0" latinLnBrk="0">
+      <a:lvl8pPr marL="0" marR="0" indent="0" algn="l" defTabSz="584200" rtl="0" latinLnBrk="0">
         <a:lnSpc>
           <a:spcPct val="80000"/>
         </a:lnSpc>
         <a:spcBef>
-          <a:spcPts val="2800"/>
+          <a:spcPts val="0"/>
         </a:spcBef>
         <a:spcAft>
           <a:spcPts val="0"/>
@@ -4052,7 +4093,7 @@
         <a:buFontTx/>
         <a:buNone/>
         <a:tabLst/>
-        <a:defRPr b="0" baseline="0" cap="all" i="0" spc="0" strike="noStrike" sz="6000" u="none">
+        <a:defRPr b="0" baseline="0" cap="all" i="0" spc="0" strike="noStrike" sz="17000" u="none">
           <a:ln>
             <a:noFill/>
           </a:ln>
@@ -4060,18 +4101,18 @@
             <a:schemeClr val="accent1"/>
           </a:solidFill>
           <a:uFillTx/>
-          <a:latin typeface="+mn-lt"/>
-          <a:ea typeface="+mn-ea"/>
-          <a:cs typeface="+mn-cs"/>
+          <a:latin typeface="DIN Condensed"/>
+          <a:ea typeface="DIN Condensed"/>
+          <a:cs typeface="DIN Condensed"/>
           <a:sym typeface="DIN Condensed"/>
         </a:defRPr>
       </a:lvl8pPr>
-      <a:lvl9pPr marL="0" marR="0" indent="1828800" algn="l" defTabSz="584200" rtl="0" latinLnBrk="0">
+      <a:lvl9pPr marL="0" marR="0" indent="0" algn="l" defTabSz="584200" rtl="0" latinLnBrk="0">
         <a:lnSpc>
           <a:spcPct val="80000"/>
         </a:lnSpc>
         <a:spcBef>
-          <a:spcPts val="2800"/>
+          <a:spcPts val="0"/>
         </a:spcBef>
         <a:spcAft>
           <a:spcPts val="0"/>
@@ -4081,7 +4122,7 @@
         <a:buFontTx/>
         <a:buNone/>
         <a:tabLst/>
-        <a:defRPr b="0" baseline="0" cap="all" i="0" spc="0" strike="noStrike" sz="6000" u="none">
+        <a:defRPr b="0" baseline="0" cap="all" i="0" spc="0" strike="noStrike" sz="17000" u="none">
           <a:ln>
             <a:noFill/>
           </a:ln>
@@ -4089,314 +4130,278 @@
             <a:schemeClr val="accent1"/>
           </a:solidFill>
           <a:uFillTx/>
-          <a:latin typeface="+mn-lt"/>
-          <a:ea typeface="+mn-ea"/>
-          <a:cs typeface="+mn-cs"/>
+          <a:latin typeface="DIN Condensed"/>
+          <a:ea typeface="DIN Condensed"/>
+          <a:cs typeface="DIN Condensed"/>
           <a:sym typeface="DIN Condensed"/>
         </a:defRPr>
       </a:lvl9pPr>
     </p:titleStyle>
     <p:bodyStyle>
-      <a:lvl1pPr marL="444500" marR="0" indent="-444500" algn="l" defTabSz="584200" latinLnBrk="0">
+      <a:lvl1pPr marL="0" marR="0" indent="0" algn="l" defTabSz="584200" rtl="0" latinLnBrk="0">
         <a:lnSpc>
-          <a:spcPct val="100000"/>
+          <a:spcPct val="80000"/>
         </a:lnSpc>
         <a:spcBef>
-          <a:spcPts val="2800"/>
+          <a:spcPts val="2300"/>
         </a:spcBef>
         <a:spcAft>
           <a:spcPts val="0"/>
         </a:spcAft>
-        <a:buClr>
-          <a:schemeClr val="accent1">
-            <a:satOff val="-4060"/>
-          </a:schemeClr>
-        </a:buClr>
-        <a:buSzPct val="104999"/>
-        <a:buFont typeface="Avenir Next"/>
-        <a:buChar char="‣"/>
+        <a:buClrTx/>
+        <a:buSzTx/>
+        <a:buFontTx/>
+        <a:buNone/>
         <a:tabLst/>
-        <a:defRPr b="0" baseline="0" cap="none" i="0" spc="0" strike="noStrike" sz="3400" u="none">
+        <a:defRPr b="0" baseline="0" cap="all" i="0" spc="0" strike="noStrike" sz="5400" u="none">
           <a:ln>
             <a:noFill/>
           </a:ln>
           <a:solidFill>
-            <a:srgbClr val="838787"/>
+            <a:srgbClr val="A6AAA9"/>
           </a:solidFill>
           <a:uFillTx/>
-          <a:latin typeface="Avenir Next Medium"/>
-          <a:ea typeface="Avenir Next Medium"/>
-          <a:cs typeface="Avenir Next Medium"/>
-          <a:sym typeface="Avenir Next Medium"/>
+          <a:latin typeface="DIN Alternate"/>
+          <a:ea typeface="DIN Alternate"/>
+          <a:cs typeface="DIN Alternate"/>
+          <a:sym typeface="DIN Alternate"/>
         </a:defRPr>
       </a:lvl1pPr>
-      <a:lvl2pPr marL="889000" marR="0" indent="-444500" algn="l" defTabSz="584200" latinLnBrk="0">
+      <a:lvl2pPr marL="0" marR="0" indent="0" algn="l" defTabSz="584200" rtl="0" latinLnBrk="0">
         <a:lnSpc>
-          <a:spcPct val="100000"/>
+          <a:spcPct val="80000"/>
         </a:lnSpc>
         <a:spcBef>
-          <a:spcPts val="2800"/>
+          <a:spcPts val="2300"/>
         </a:spcBef>
         <a:spcAft>
           <a:spcPts val="0"/>
         </a:spcAft>
-        <a:buClr>
-          <a:schemeClr val="accent1">
-            <a:satOff val="-4060"/>
-          </a:schemeClr>
-        </a:buClr>
-        <a:buSzPct val="104999"/>
-        <a:buFont typeface="Avenir Next"/>
-        <a:buChar char="‣"/>
+        <a:buClrTx/>
+        <a:buSzTx/>
+        <a:buFontTx/>
+        <a:buNone/>
         <a:tabLst/>
-        <a:defRPr b="0" baseline="0" cap="none" i="0" spc="0" strike="noStrike" sz="3400" u="none">
+        <a:defRPr b="0" baseline="0" cap="all" i="0" spc="0" strike="noStrike" sz="5400" u="none">
           <a:ln>
             <a:noFill/>
           </a:ln>
           <a:solidFill>
-            <a:srgbClr val="838787"/>
+            <a:srgbClr val="A6AAA9"/>
           </a:solidFill>
           <a:uFillTx/>
-          <a:latin typeface="Avenir Next Medium"/>
-          <a:ea typeface="Avenir Next Medium"/>
-          <a:cs typeface="Avenir Next Medium"/>
-          <a:sym typeface="Avenir Next Medium"/>
+          <a:latin typeface="DIN Alternate"/>
+          <a:ea typeface="DIN Alternate"/>
+          <a:cs typeface="DIN Alternate"/>
+          <a:sym typeface="DIN Alternate"/>
         </a:defRPr>
       </a:lvl2pPr>
-      <a:lvl3pPr marL="1333500" marR="0" indent="-444500" algn="l" defTabSz="584200" latinLnBrk="0">
+      <a:lvl3pPr marL="0" marR="0" indent="0" algn="l" defTabSz="584200" rtl="0" latinLnBrk="0">
         <a:lnSpc>
-          <a:spcPct val="100000"/>
+          <a:spcPct val="80000"/>
         </a:lnSpc>
         <a:spcBef>
-          <a:spcPts val="2800"/>
+          <a:spcPts val="2300"/>
         </a:spcBef>
         <a:spcAft>
           <a:spcPts val="0"/>
         </a:spcAft>
-        <a:buClr>
-          <a:schemeClr val="accent1">
-            <a:satOff val="-4060"/>
-          </a:schemeClr>
-        </a:buClr>
-        <a:buSzPct val="104999"/>
-        <a:buFont typeface="Avenir Next"/>
-        <a:buChar char="‣"/>
+        <a:buClrTx/>
+        <a:buSzTx/>
+        <a:buFontTx/>
+        <a:buNone/>
         <a:tabLst/>
-        <a:defRPr b="0" baseline="0" cap="none" i="0" spc="0" strike="noStrike" sz="3400" u="none">
+        <a:defRPr b="0" baseline="0" cap="all" i="0" spc="0" strike="noStrike" sz="5400" u="none">
           <a:ln>
             <a:noFill/>
           </a:ln>
           <a:solidFill>
-            <a:srgbClr val="838787"/>
+            <a:srgbClr val="A6AAA9"/>
           </a:solidFill>
           <a:uFillTx/>
-          <a:latin typeface="Avenir Next Medium"/>
-          <a:ea typeface="Avenir Next Medium"/>
-          <a:cs typeface="Avenir Next Medium"/>
-          <a:sym typeface="Avenir Next Medium"/>
+          <a:latin typeface="DIN Alternate"/>
+          <a:ea typeface="DIN Alternate"/>
+          <a:cs typeface="DIN Alternate"/>
+          <a:sym typeface="DIN Alternate"/>
         </a:defRPr>
       </a:lvl3pPr>
-      <a:lvl4pPr marL="1778000" marR="0" indent="-444500" algn="l" defTabSz="584200" latinLnBrk="0">
+      <a:lvl4pPr marL="0" marR="0" indent="0" algn="l" defTabSz="584200" rtl="0" latinLnBrk="0">
         <a:lnSpc>
-          <a:spcPct val="100000"/>
+          <a:spcPct val="80000"/>
         </a:lnSpc>
         <a:spcBef>
-          <a:spcPts val="2800"/>
+          <a:spcPts val="2300"/>
         </a:spcBef>
         <a:spcAft>
           <a:spcPts val="0"/>
         </a:spcAft>
-        <a:buClr>
-          <a:schemeClr val="accent1">
-            <a:satOff val="-4060"/>
-          </a:schemeClr>
-        </a:buClr>
-        <a:buSzPct val="104999"/>
-        <a:buFont typeface="Avenir Next"/>
-        <a:buChar char="‣"/>
+        <a:buClrTx/>
+        <a:buSzTx/>
+        <a:buFontTx/>
+        <a:buNone/>
         <a:tabLst/>
-        <a:defRPr b="0" baseline="0" cap="none" i="0" spc="0" strike="noStrike" sz="3400" u="none">
+        <a:defRPr b="0" baseline="0" cap="all" i="0" spc="0" strike="noStrike" sz="5400" u="none">
           <a:ln>
             <a:noFill/>
           </a:ln>
           <a:solidFill>
-            <a:srgbClr val="838787"/>
+            <a:srgbClr val="A6AAA9"/>
           </a:solidFill>
           <a:uFillTx/>
-          <a:latin typeface="Avenir Next Medium"/>
-          <a:ea typeface="Avenir Next Medium"/>
-          <a:cs typeface="Avenir Next Medium"/>
-          <a:sym typeface="Avenir Next Medium"/>
+          <a:latin typeface="DIN Alternate"/>
+          <a:ea typeface="DIN Alternate"/>
+          <a:cs typeface="DIN Alternate"/>
+          <a:sym typeface="DIN Alternate"/>
         </a:defRPr>
       </a:lvl4pPr>
-      <a:lvl5pPr marL="2222500" marR="0" indent="-444500" algn="l" defTabSz="584200" latinLnBrk="0">
+      <a:lvl5pPr marL="0" marR="0" indent="0" algn="l" defTabSz="584200" rtl="0" latinLnBrk="0">
         <a:lnSpc>
-          <a:spcPct val="100000"/>
+          <a:spcPct val="80000"/>
         </a:lnSpc>
         <a:spcBef>
-          <a:spcPts val="2800"/>
+          <a:spcPts val="2300"/>
         </a:spcBef>
         <a:spcAft>
           <a:spcPts val="0"/>
         </a:spcAft>
-        <a:buClr>
-          <a:schemeClr val="accent1">
-            <a:satOff val="-4060"/>
-          </a:schemeClr>
-        </a:buClr>
-        <a:buSzPct val="104999"/>
-        <a:buFont typeface="Avenir Next"/>
-        <a:buChar char="‣"/>
+        <a:buClrTx/>
+        <a:buSzTx/>
+        <a:buFontTx/>
+        <a:buNone/>
         <a:tabLst/>
-        <a:defRPr b="0" baseline="0" cap="none" i="0" spc="0" strike="noStrike" sz="3400" u="none">
+        <a:defRPr b="0" baseline="0" cap="all" i="0" spc="0" strike="noStrike" sz="5400" u="none">
           <a:ln>
             <a:noFill/>
           </a:ln>
           <a:solidFill>
-            <a:srgbClr val="838787"/>
+            <a:srgbClr val="A6AAA9"/>
           </a:solidFill>
           <a:uFillTx/>
-          <a:latin typeface="Avenir Next Medium"/>
-          <a:ea typeface="Avenir Next Medium"/>
-          <a:cs typeface="Avenir Next Medium"/>
-          <a:sym typeface="Avenir Next Medium"/>
+          <a:latin typeface="DIN Alternate"/>
+          <a:ea typeface="DIN Alternate"/>
+          <a:cs typeface="DIN Alternate"/>
+          <a:sym typeface="DIN Alternate"/>
         </a:defRPr>
       </a:lvl5pPr>
-      <a:lvl6pPr marL="2667000" marR="0" indent="-444500" algn="l" defTabSz="584200" latinLnBrk="0">
+      <a:lvl6pPr marL="2928470" marR="0" indent="-705970" algn="l" defTabSz="584200" rtl="0" latinLnBrk="0">
         <a:lnSpc>
-          <a:spcPct val="100000"/>
+          <a:spcPct val="80000"/>
         </a:lnSpc>
         <a:spcBef>
-          <a:spcPts val="2800"/>
+          <a:spcPts val="2300"/>
         </a:spcBef>
         <a:spcAft>
           <a:spcPts val="0"/>
         </a:spcAft>
-        <a:buClr>
-          <a:schemeClr val="accent1">
-            <a:satOff val="-4060"/>
-          </a:schemeClr>
-        </a:buClr>
+        <a:buClrTx/>
         <a:buSzPct val="104999"/>
-        <a:buFont typeface="Avenir Next"/>
+        <a:buFontTx/>
         <a:buChar char="‣"/>
         <a:tabLst/>
-        <a:defRPr b="0" baseline="0" cap="none" i="0" spc="0" strike="noStrike" sz="3400" u="none">
+        <a:defRPr b="0" baseline="0" cap="all" i="0" spc="0" strike="noStrike" sz="5400" u="none">
           <a:ln>
             <a:noFill/>
           </a:ln>
           <a:solidFill>
-            <a:srgbClr val="838787"/>
+            <a:srgbClr val="A6AAA9"/>
           </a:solidFill>
           <a:uFillTx/>
-          <a:latin typeface="Avenir Next Medium"/>
-          <a:ea typeface="Avenir Next Medium"/>
-          <a:cs typeface="Avenir Next Medium"/>
-          <a:sym typeface="Avenir Next Medium"/>
+          <a:latin typeface="DIN Alternate"/>
+          <a:ea typeface="DIN Alternate"/>
+          <a:cs typeface="DIN Alternate"/>
+          <a:sym typeface="DIN Alternate"/>
         </a:defRPr>
       </a:lvl6pPr>
-      <a:lvl7pPr marL="3111500" marR="0" indent="-444500" algn="l" defTabSz="584200" latinLnBrk="0">
+      <a:lvl7pPr marL="3372970" marR="0" indent="-705970" algn="l" defTabSz="584200" rtl="0" latinLnBrk="0">
         <a:lnSpc>
-          <a:spcPct val="100000"/>
+          <a:spcPct val="80000"/>
         </a:lnSpc>
         <a:spcBef>
-          <a:spcPts val="2800"/>
+          <a:spcPts val="2300"/>
         </a:spcBef>
         <a:spcAft>
           <a:spcPts val="0"/>
         </a:spcAft>
-        <a:buClr>
-          <a:schemeClr val="accent1">
-            <a:satOff val="-4060"/>
-          </a:schemeClr>
-        </a:buClr>
+        <a:buClrTx/>
         <a:buSzPct val="104999"/>
-        <a:buFont typeface="Avenir Next"/>
+        <a:buFontTx/>
         <a:buChar char="‣"/>
         <a:tabLst/>
-        <a:defRPr b="0" baseline="0" cap="none" i="0" spc="0" strike="noStrike" sz="3400" u="none">
+        <a:defRPr b="0" baseline="0" cap="all" i="0" spc="0" strike="noStrike" sz="5400" u="none">
           <a:ln>
             <a:noFill/>
           </a:ln>
           <a:solidFill>
-            <a:srgbClr val="838787"/>
+            <a:srgbClr val="A6AAA9"/>
           </a:solidFill>
           <a:uFillTx/>
-          <a:latin typeface="Avenir Next Medium"/>
-          <a:ea typeface="Avenir Next Medium"/>
-          <a:cs typeface="Avenir Next Medium"/>
-          <a:sym typeface="Avenir Next Medium"/>
+          <a:latin typeface="DIN Alternate"/>
+          <a:ea typeface="DIN Alternate"/>
+          <a:cs typeface="DIN Alternate"/>
+          <a:sym typeface="DIN Alternate"/>
         </a:defRPr>
       </a:lvl7pPr>
-      <a:lvl8pPr marL="3556000" marR="0" indent="-444500" algn="l" defTabSz="584200" latinLnBrk="0">
+      <a:lvl8pPr marL="3817470" marR="0" indent="-705970" algn="l" defTabSz="584200" rtl="0" latinLnBrk="0">
         <a:lnSpc>
-          <a:spcPct val="100000"/>
+          <a:spcPct val="80000"/>
         </a:lnSpc>
         <a:spcBef>
-          <a:spcPts val="2800"/>
+          <a:spcPts val="2300"/>
         </a:spcBef>
         <a:spcAft>
           <a:spcPts val="0"/>
         </a:spcAft>
-        <a:buClr>
-          <a:schemeClr val="accent1">
-            <a:satOff val="-4060"/>
-          </a:schemeClr>
-        </a:buClr>
+        <a:buClrTx/>
         <a:buSzPct val="104999"/>
-        <a:buFont typeface="Avenir Next"/>
+        <a:buFontTx/>
         <a:buChar char="‣"/>
         <a:tabLst/>
-        <a:defRPr b="0" baseline="0" cap="none" i="0" spc="0" strike="noStrike" sz="3400" u="none">
+        <a:defRPr b="0" baseline="0" cap="all" i="0" spc="0" strike="noStrike" sz="5400" u="none">
           <a:ln>
             <a:noFill/>
           </a:ln>
           <a:solidFill>
-            <a:srgbClr val="838787"/>
+            <a:srgbClr val="A6AAA9"/>
           </a:solidFill>
           <a:uFillTx/>
-          <a:latin typeface="Avenir Next Medium"/>
-          <a:ea typeface="Avenir Next Medium"/>
-          <a:cs typeface="Avenir Next Medium"/>
-          <a:sym typeface="Avenir Next Medium"/>
+          <a:latin typeface="DIN Alternate"/>
+          <a:ea typeface="DIN Alternate"/>
+          <a:cs typeface="DIN Alternate"/>
+          <a:sym typeface="DIN Alternate"/>
         </a:defRPr>
       </a:lvl8pPr>
-      <a:lvl9pPr marL="4000500" marR="0" indent="-444500" algn="l" defTabSz="584200" latinLnBrk="0">
+      <a:lvl9pPr marL="4261970" marR="0" indent="-705970" algn="l" defTabSz="584200" rtl="0" latinLnBrk="0">
         <a:lnSpc>
-          <a:spcPct val="100000"/>
+          <a:spcPct val="80000"/>
         </a:lnSpc>
         <a:spcBef>
-          <a:spcPts val="2800"/>
+          <a:spcPts val="2300"/>
         </a:spcBef>
         <a:spcAft>
           <a:spcPts val="0"/>
         </a:spcAft>
-        <a:buClr>
-          <a:schemeClr val="accent1">
-            <a:satOff val="-4060"/>
-          </a:schemeClr>
-        </a:buClr>
+        <a:buClrTx/>
         <a:buSzPct val="104999"/>
-        <a:buFont typeface="Avenir Next"/>
+        <a:buFontTx/>
         <a:buChar char="‣"/>
         <a:tabLst/>
-        <a:defRPr b="0" baseline="0" cap="none" i="0" spc="0" strike="noStrike" sz="3400" u="none">
+        <a:defRPr b="0" baseline="0" cap="all" i="0" spc="0" strike="noStrike" sz="5400" u="none">
           <a:ln>
             <a:noFill/>
           </a:ln>
           <a:solidFill>
-            <a:srgbClr val="838787"/>
+            <a:srgbClr val="A6AAA9"/>
           </a:solidFill>
           <a:uFillTx/>
-          <a:latin typeface="Avenir Next Medium"/>
-          <a:ea typeface="Avenir Next Medium"/>
-          <a:cs typeface="Avenir Next Medium"/>
-          <a:sym typeface="Avenir Next Medium"/>
+          <a:latin typeface="DIN Alternate"/>
+          <a:ea typeface="DIN Alternate"/>
+          <a:cs typeface="DIN Alternate"/>
+          <a:sym typeface="DIN Alternate"/>
         </a:defRPr>
       </a:lvl9pPr>
     </p:bodyStyle>
     <p:otherStyle>
-      <a:lvl1pPr marL="0" marR="0" indent="0" algn="r" defTabSz="584200" latinLnBrk="0">
+      <a:lvl1pPr marL="0" marR="0" indent="0" algn="r" defTabSz="584200" rtl="0" latinLnBrk="0">
         <a:lnSpc>
           <a:spcPct val="80000"/>
         </a:lnSpc>
@@ -4425,7 +4430,7 @@
           <a:sym typeface="DIN Alternate"/>
         </a:defRPr>
       </a:lvl1pPr>
-      <a:lvl2pPr marL="0" marR="0" indent="228600" algn="r" defTabSz="584200" latinLnBrk="0">
+      <a:lvl2pPr marL="0" marR="0" indent="0" algn="r" defTabSz="584200" rtl="0" latinLnBrk="0">
         <a:lnSpc>
           <a:spcPct val="80000"/>
         </a:lnSpc>
@@ -4454,7 +4459,7 @@
           <a:sym typeface="DIN Alternate"/>
         </a:defRPr>
       </a:lvl2pPr>
-      <a:lvl3pPr marL="0" marR="0" indent="457200" algn="r" defTabSz="584200" latinLnBrk="0">
+      <a:lvl3pPr marL="0" marR="0" indent="0" algn="r" defTabSz="584200" rtl="0" latinLnBrk="0">
         <a:lnSpc>
           <a:spcPct val="80000"/>
         </a:lnSpc>
@@ -4483,7 +4488,7 @@
           <a:sym typeface="DIN Alternate"/>
         </a:defRPr>
       </a:lvl3pPr>
-      <a:lvl4pPr marL="0" marR="0" indent="685800" algn="r" defTabSz="584200" latinLnBrk="0">
+      <a:lvl4pPr marL="0" marR="0" indent="0" algn="r" defTabSz="584200" rtl="0" latinLnBrk="0">
         <a:lnSpc>
           <a:spcPct val="80000"/>
         </a:lnSpc>
@@ -4512,7 +4517,7 @@
           <a:sym typeface="DIN Alternate"/>
         </a:defRPr>
       </a:lvl4pPr>
-      <a:lvl5pPr marL="0" marR="0" indent="914400" algn="r" defTabSz="584200" latinLnBrk="0">
+      <a:lvl5pPr marL="0" marR="0" indent="0" algn="r" defTabSz="584200" rtl="0" latinLnBrk="0">
         <a:lnSpc>
           <a:spcPct val="80000"/>
         </a:lnSpc>
@@ -4541,7 +4546,7 @@
           <a:sym typeface="DIN Alternate"/>
         </a:defRPr>
       </a:lvl5pPr>
-      <a:lvl6pPr marL="0" marR="0" indent="1143000" algn="r" defTabSz="584200" latinLnBrk="0">
+      <a:lvl6pPr marL="0" marR="0" indent="0" algn="r" defTabSz="584200" rtl="0" latinLnBrk="0">
         <a:lnSpc>
           <a:spcPct val="80000"/>
         </a:lnSpc>
@@ -4570,7 +4575,7 @@
           <a:sym typeface="DIN Alternate"/>
         </a:defRPr>
       </a:lvl6pPr>
-      <a:lvl7pPr marL="0" marR="0" indent="1371600" algn="r" defTabSz="584200" latinLnBrk="0">
+      <a:lvl7pPr marL="0" marR="0" indent="0" algn="r" defTabSz="584200" rtl="0" latinLnBrk="0">
         <a:lnSpc>
           <a:spcPct val="80000"/>
         </a:lnSpc>
@@ -4599,7 +4604,7 @@
           <a:sym typeface="DIN Alternate"/>
         </a:defRPr>
       </a:lvl7pPr>
-      <a:lvl8pPr marL="0" marR="0" indent="1600200" algn="r" defTabSz="584200" latinLnBrk="0">
+      <a:lvl8pPr marL="0" marR="0" indent="0" algn="r" defTabSz="584200" rtl="0" latinLnBrk="0">
         <a:lnSpc>
           <a:spcPct val="80000"/>
         </a:lnSpc>
@@ -4628,7 +4633,7 @@
           <a:sym typeface="DIN Alternate"/>
         </a:defRPr>
       </a:lvl8pPr>
-      <a:lvl9pPr marL="0" marR="0" indent="1828800" algn="r" defTabSz="584200" latinLnBrk="0">
+      <a:lvl9pPr marL="0" marR="0" indent="0" algn="r" defTabSz="584200" rtl="0" latinLnBrk="0">
         <a:lnSpc>
           <a:spcPct val="80000"/>
         </a:lnSpc>
@@ -4681,7 +4686,7 @@
       </p:grpSpPr>
       <p:sp>
         <p:nvSpPr>
-          <p:cNvPr id="166" name="Ukulele app"/>
+          <p:cNvPr id="170" name="Ukulele app"/>
           <p:cNvSpPr txBox="1"/>
           <p:nvPr>
             <p:ph type="ctrTitle"/>
@@ -4705,7 +4710,7 @@
       </p:sp>
       <p:sp>
         <p:nvSpPr>
-          <p:cNvPr id="167" name="Proof of concept"/>
+          <p:cNvPr id="171" name="Proof of concept"/>
           <p:cNvSpPr txBox="1"/>
           <p:nvPr>
             <p:ph type="subTitle" sz="quarter" idx="1"/>
@@ -4723,6 +4728,60 @@
             <a:pPr/>
             <a:r>
               <a:t>Proof of concept</a:t>
+            </a:r>
+          </a:p>
+        </p:txBody>
+      </p:sp>
+      <p:sp>
+        <p:nvSpPr>
+          <p:cNvPr id="172" name="Proof of concept"/>
+          <p:cNvSpPr txBox="1"/>
+          <p:nvPr/>
+        </p:nvSpPr>
+        <p:spPr>
+          <a:xfrm>
+            <a:off x="914400" y="381000"/>
+            <a:ext cx="11844933" cy="457200"/>
+          </a:xfrm>
+          <a:prstGeom prst="rect">
+            <a:avLst/>
+          </a:prstGeom>
+          <a:ln w="12700">
+            <a:miter lim="400000"/>
+          </a:ln>
+          <a:extLst>
+            <a:ext uri="{C572A759-6A51-4108-AA02-DFA0A04FC94B}">
+              <ma14:wrappingTextBoxFlag xmlns:ma14="http://schemas.microsoft.com/office/mac/drawingml/2011/main" val="1"/>
+            </a:ext>
+          </a:extLst>
+        </p:spPr>
+        <p:txBody>
+          <a:bodyPr lIns="50800" tIns="50800" rIns="50800" bIns="50800" anchor="b">
+            <a:normAutofit fontScale="100000" lnSpcReduction="0"/>
+          </a:bodyPr>
+          <a:lstStyle>
+            <a:lvl1pPr algn="r" defTabSz="457200">
+              <a:lnSpc>
+                <a:spcPct val="80000"/>
+              </a:lnSpc>
+              <a:spcBef>
+                <a:spcPts val="0"/>
+              </a:spcBef>
+              <a:defRPr cap="all" spc="100" sz="2400">
+                <a:solidFill>
+                  <a:srgbClr val="838787"/>
+                </a:solidFill>
+                <a:latin typeface="DIN Alternate"/>
+                <a:ea typeface="DIN Alternate"/>
+                <a:cs typeface="DIN Alternate"/>
+                <a:sym typeface="DIN Alternate"/>
+              </a:defRPr>
+            </a:lvl1pPr>
+          </a:lstStyle>
+          <a:p>
+            <a:pPr/>
+            <a:r>
+              <a:t>Dieter Vercammen</a:t>
             </a:r>
           </a:p>
         </p:txBody>
@@ -4755,10 +4814,10 @@
       </p:grpSpPr>
       <p:sp>
         <p:nvSpPr>
-          <p:cNvPr id="169" name="Proof of concept"/>
+          <p:cNvPr id="174" name="Proof of concept"/>
           <p:cNvSpPr txBox="1"/>
           <p:nvPr>
-            <p:ph type="body" idx="13"/>
+            <p:ph type="body" sz="quarter" idx="1"/>
           </p:nvPr>
         </p:nvSpPr>
         <p:spPr>
@@ -4768,7 +4827,11 @@
         </p:spPr>
         <p:txBody>
           <a:bodyPr/>
-          <a:lstStyle/>
+          <a:lstStyle>
+            <a:lvl1pPr>
+              <a:defRPr spc="100"/>
+            </a:lvl1pPr>
+          </a:lstStyle>
           <a:p>
             <a:pPr/>
             <a:r>
@@ -4779,7 +4842,7 @@
       </p:sp>
       <p:sp>
         <p:nvSpPr>
-          <p:cNvPr id="170" name="Inhoudstafel"/>
+          <p:cNvPr id="175" name="Inhoudstafel"/>
           <p:cNvSpPr txBox="1"/>
           <p:nvPr>
             <p:ph type="title"/>
@@ -4810,34 +4873,105 @@
       </p:sp>
       <p:sp>
         <p:nvSpPr>
-          <p:cNvPr id="171" name="Idee…"/>
+          <p:cNvPr id="176" name="Idee…"/>
           <p:cNvSpPr txBox="1"/>
           <p:nvPr>
-            <p:ph type="body" idx="1"/>
+            <p:ph type="body" idx="13"/>
           </p:nvPr>
         </p:nvSpPr>
         <p:spPr>
           <a:prstGeom prst="rect">
             <a:avLst/>
           </a:prstGeom>
+          <a:extLst>
+            <a:ext uri="{C572A759-6A51-4108-AA02-DFA0A04FC94B}">
+              <ma14:wrappingTextBoxFlag xmlns:ma14="http://schemas.microsoft.com/office/mac/drawingml/2011/main" val="1"/>
+            </a:ext>
+          </a:extLst>
         </p:spPr>
         <p:txBody>
           <a:bodyPr/>
           <a:lstStyle/>
           <a:p>
-            <a:pPr/>
+            <a:pPr marL="444500" indent="-444500">
+              <a:lnSpc>
+                <a:spcPct val="100000"/>
+              </a:lnSpc>
+              <a:spcBef>
+                <a:spcPts val="2800"/>
+              </a:spcBef>
+              <a:buClr>
+                <a:schemeClr val="accent1"/>
+              </a:buClr>
+              <a:buSzPct val="104999"/>
+              <a:buFont typeface="Avenir Next"/>
+              <a:buChar char="▸"/>
+              <a:defRPr cap="none" sz="3400">
+                <a:solidFill>
+                  <a:srgbClr val="838787"/>
+                </a:solidFill>
+                <a:latin typeface="Avenir Next Medium"/>
+                <a:ea typeface="Avenir Next Medium"/>
+                <a:cs typeface="Avenir Next Medium"/>
+                <a:sym typeface="Avenir Next Medium"/>
+              </a:defRPr>
+            </a:pPr>
             <a:r>
               <a:t>Idee  </a:t>
             </a:r>
           </a:p>
           <a:p>
-            <a:pPr/>
+            <a:pPr marL="444500" indent="-444500">
+              <a:lnSpc>
+                <a:spcPct val="100000"/>
+              </a:lnSpc>
+              <a:spcBef>
+                <a:spcPts val="2800"/>
+              </a:spcBef>
+              <a:buClr>
+                <a:schemeClr val="accent1"/>
+              </a:buClr>
+              <a:buSzPct val="104999"/>
+              <a:buFont typeface="Avenir Next"/>
+              <a:buChar char="▸"/>
+              <a:defRPr cap="none" sz="3400">
+                <a:solidFill>
+                  <a:srgbClr val="838787"/>
+                </a:solidFill>
+                <a:latin typeface="Avenir Next Medium"/>
+                <a:ea typeface="Avenir Next Medium"/>
+                <a:cs typeface="Avenir Next Medium"/>
+                <a:sym typeface="Avenir Next Medium"/>
+              </a:defRPr>
+            </a:pPr>
             <a:r>
               <a:t>Problemen</a:t>
             </a:r>
           </a:p>
           <a:p>
-            <a:pPr/>
+            <a:pPr marL="444500" indent="-444500">
+              <a:lnSpc>
+                <a:spcPct val="100000"/>
+              </a:lnSpc>
+              <a:spcBef>
+                <a:spcPts val="2800"/>
+              </a:spcBef>
+              <a:buClr>
+                <a:schemeClr val="accent1"/>
+              </a:buClr>
+              <a:buSzPct val="104999"/>
+              <a:buFont typeface="Avenir Next"/>
+              <a:buChar char="▸"/>
+              <a:defRPr cap="none" sz="3400">
+                <a:solidFill>
+                  <a:srgbClr val="838787"/>
+                </a:solidFill>
+                <a:latin typeface="Avenir Next Medium"/>
+                <a:ea typeface="Avenir Next Medium"/>
+                <a:cs typeface="Avenir Next Medium"/>
+                <a:sym typeface="Avenir Next Medium"/>
+              </a:defRPr>
+            </a:pPr>
             <a:r>
               <a:t>Demo</a:t>
             </a:r>
@@ -4872,10 +5006,10 @@
       </p:grpSpPr>
       <p:sp>
         <p:nvSpPr>
-          <p:cNvPr id="173" name="Is het mogelijk om met je GSM sensoren een instrument te bespelen?"/>
+          <p:cNvPr id="178" name="Is het mogelijk om met je GSM sensoren een instrument te bespelen?"/>
           <p:cNvSpPr txBox="1"/>
           <p:nvPr>
-            <p:ph type="body" idx="13"/>
+            <p:ph type="body" sz="half" idx="1"/>
           </p:nvPr>
         </p:nvSpPr>
         <p:spPr>
@@ -4900,65 +5034,82 @@
       </p:sp>
       <p:sp>
         <p:nvSpPr>
-          <p:cNvPr id="174" name="Proof of Concept"/>
+          <p:cNvPr id="179" name="Proof of Concept"/>
+          <p:cNvSpPr txBox="1"/>
+          <p:nvPr>
+            <p:ph type="body" idx="13"/>
+          </p:nvPr>
+        </p:nvSpPr>
+        <p:spPr>
+          <a:xfrm>
+            <a:off x="1777999" y="7797797"/>
+            <a:ext cx="10658825" cy="863605"/>
+          </a:xfrm>
+          <a:prstGeom prst="rect">
+            <a:avLst/>
+          </a:prstGeom>
+          <a:extLst>
+            <a:ext uri="{C572A759-6A51-4108-AA02-DFA0A04FC94B}">
+              <ma14:wrappingTextBoxFlag xmlns:ma14="http://schemas.microsoft.com/office/mac/drawingml/2011/main" val="1"/>
+            </a:ext>
+          </a:extLst>
+        </p:spPr>
+        <p:txBody>
+          <a:bodyPr/>
+          <a:lstStyle/>
+          <a:p>
+            <a:pPr lvl="1" indent="226313" algn="r" defTabSz="578358">
+              <a:spcBef>
+                <a:spcPts val="0"/>
+              </a:spcBef>
+              <a:defRPr cap="none" sz="5940">
+                <a:solidFill>
+                  <a:srgbClr val="838787"/>
+                </a:solidFill>
+                <a:latin typeface="DIN Condensed"/>
+                <a:ea typeface="DIN Condensed"/>
+                <a:cs typeface="DIN Condensed"/>
+                <a:sym typeface="DIN Condensed"/>
+              </a:defRPr>
+            </a:pPr>
+            <a:r>
+              <a:t>Proof of Concept  </a:t>
+            </a:r>
+          </a:p>
+        </p:txBody>
+      </p:sp>
+      <p:sp>
+        <p:nvSpPr>
+          <p:cNvPr id="180" name="Text"/>
           <p:cNvSpPr txBox="1"/>
           <p:nvPr>
             <p:ph type="body" idx="14"/>
           </p:nvPr>
         </p:nvSpPr>
         <p:spPr>
-          <a:xfrm>
-            <a:off x="1778000" y="7797798"/>
-            <a:ext cx="10658823" cy="863604"/>
-          </a:xfrm>
           <a:prstGeom prst="rect">
             <a:avLst/>
           </a:prstGeom>
+          <a:extLst>
+            <a:ext uri="{C572A759-6A51-4108-AA02-DFA0A04FC94B}">
+              <ma14:wrappingTextBoxFlag xmlns:ma14="http://schemas.microsoft.com/office/mac/drawingml/2011/main" val="1"/>
+            </a:ext>
+          </a:extLst>
         </p:spPr>
         <p:txBody>
           <a:bodyPr/>
-          <a:lstStyle/>
-          <a:p>
-            <a:pPr lvl="1" marL="0" indent="228600" algn="r">
-              <a:lnSpc>
-                <a:spcPct val="80000"/>
-              </a:lnSpc>
+          <a:lstStyle>
+            <a:lvl1pPr defTabSz="457200">
               <a:spcBef>
                 <a:spcPts val="0"/>
               </a:spcBef>
-              <a:buClrTx/>
-              <a:buSzTx/>
-              <a:buFontTx/>
-              <a:buNone/>
-              <a:defRPr sz="6000">
-                <a:latin typeface="+mn-lt"/>
-                <a:ea typeface="+mn-ea"/>
-                <a:cs typeface="+mn-cs"/>
-                <a:sym typeface="DIN Condensed"/>
+              <a:defRPr spc="100" sz="2400">
+                <a:solidFill>
+                  <a:srgbClr val="838787"/>
+                </a:solidFill>
               </a:defRPr>
-            </a:pPr>
-            <a:r>
-              <a:t>Proof of Concept  </a:t>
-            </a:r>
-          </a:p>
-        </p:txBody>
-      </p:sp>
-      <p:sp>
-        <p:nvSpPr>
-          <p:cNvPr id="175" name="Text"/>
-          <p:cNvSpPr txBox="1"/>
-          <p:nvPr>
-            <p:ph type="body" idx="15"/>
-          </p:nvPr>
-        </p:nvSpPr>
-        <p:spPr>
-          <a:prstGeom prst="rect">
-            <a:avLst/>
-          </a:prstGeom>
-        </p:spPr>
-        <p:txBody>
-          <a:bodyPr/>
-          <a:lstStyle/>
+            </a:lvl1pPr>
+          </a:lstStyle>
           <a:p>
             <a:pPr/>
             <a:r>
@@ -4995,10 +5146,10 @@
       </p:grpSpPr>
       <p:sp>
         <p:nvSpPr>
-          <p:cNvPr id="177" name="Proof of concept"/>
+          <p:cNvPr id="182" name="Proof of concept"/>
           <p:cNvSpPr txBox="1"/>
           <p:nvPr>
-            <p:ph type="body" idx="13"/>
+            <p:ph type="body" sz="quarter" idx="1"/>
           </p:nvPr>
         </p:nvSpPr>
         <p:spPr>
@@ -5008,7 +5159,11 @@
         </p:spPr>
         <p:txBody>
           <a:bodyPr/>
-          <a:lstStyle/>
+          <a:lstStyle>
+            <a:lvl1pPr>
+              <a:defRPr spc="100"/>
+            </a:lvl1pPr>
+          </a:lstStyle>
           <a:p>
             <a:pPr/>
             <a:r>
@@ -5019,7 +5174,7 @@
       </p:sp>
       <p:sp>
         <p:nvSpPr>
-          <p:cNvPr id="178" name="Problemen"/>
+          <p:cNvPr id="183" name="Problemen"/>
           <p:cNvSpPr txBox="1"/>
           <p:nvPr>
             <p:ph type="title"/>
@@ -5050,52 +5205,179 @@
       </p:sp>
       <p:sp>
         <p:nvSpPr>
-          <p:cNvPr id="179" name="Builden om te testen…"/>
+          <p:cNvPr id="184" name="Builden om te testen…"/>
           <p:cNvSpPr txBox="1"/>
           <p:nvPr>
-            <p:ph type="body" idx="1"/>
+            <p:ph type="body" idx="13"/>
           </p:nvPr>
         </p:nvSpPr>
         <p:spPr>
           <a:prstGeom prst="rect">
             <a:avLst/>
           </a:prstGeom>
+          <a:extLst>
+            <a:ext uri="{C572A759-6A51-4108-AA02-DFA0A04FC94B}">
+              <ma14:wrappingTextBoxFlag xmlns:ma14="http://schemas.microsoft.com/office/mac/drawingml/2011/main" val="1"/>
+            </a:ext>
+          </a:extLst>
         </p:spPr>
         <p:txBody>
           <a:bodyPr/>
           <a:lstStyle/>
           <a:p>
-            <a:pPr/>
+            <a:pPr marL="444500" indent="-444500">
+              <a:lnSpc>
+                <a:spcPct val="100000"/>
+              </a:lnSpc>
+              <a:spcBef>
+                <a:spcPts val="2800"/>
+              </a:spcBef>
+              <a:buClr>
+                <a:schemeClr val="accent1"/>
+              </a:buClr>
+              <a:buSzPct val="104999"/>
+              <a:buFont typeface="Avenir Next"/>
+              <a:buChar char="▸"/>
+              <a:defRPr cap="none" sz="3400">
+                <a:solidFill>
+                  <a:srgbClr val="838787"/>
+                </a:solidFill>
+                <a:latin typeface="Avenir Next Medium"/>
+                <a:ea typeface="Avenir Next Medium"/>
+                <a:cs typeface="Avenir Next Medium"/>
+                <a:sym typeface="Avenir Next Medium"/>
+              </a:defRPr>
+            </a:pPr>
             <a:r>
               <a:t>Builden om te testen</a:t>
             </a:r>
           </a:p>
           <a:p>
-            <a:pPr lvl="1">
-              <a:defRPr sz="3000"/>
+            <a:pPr lvl="1" marL="889000" indent="-444500">
+              <a:lnSpc>
+                <a:spcPct val="100000"/>
+              </a:lnSpc>
+              <a:spcBef>
+                <a:spcPts val="2800"/>
+              </a:spcBef>
+              <a:buClr>
+                <a:schemeClr val="accent1"/>
+              </a:buClr>
+              <a:buSzPct val="104999"/>
+              <a:buFont typeface="Avenir Next"/>
+              <a:buChar char="▸"/>
+              <a:defRPr cap="none" sz="3000">
+                <a:solidFill>
+                  <a:srgbClr val="838787"/>
+                </a:solidFill>
+                <a:latin typeface="Avenir Next Medium"/>
+                <a:ea typeface="Avenir Next Medium"/>
+                <a:cs typeface="Avenir Next Medium"/>
+                <a:sym typeface="Avenir Next Medium"/>
+              </a:defRPr>
             </a:pPr>
           </a:p>
           <a:p>
             <a:pPr marL="444500" indent="-444500">
-              <a:defRPr sz="3000"/>
+              <a:lnSpc>
+                <a:spcPct val="100000"/>
+              </a:lnSpc>
+              <a:spcBef>
+                <a:spcPts val="2800"/>
+              </a:spcBef>
+              <a:buClr>
+                <a:schemeClr val="accent1"/>
+              </a:buClr>
+              <a:buSzPct val="104999"/>
+              <a:buFont typeface="Avenir Next"/>
+              <a:buChar char="▸"/>
+              <a:defRPr cap="none" sz="3000">
+                <a:solidFill>
+                  <a:srgbClr val="838787"/>
+                </a:solidFill>
+                <a:latin typeface="Avenir Next Medium"/>
+                <a:ea typeface="Avenir Next Medium"/>
+                <a:cs typeface="Avenir Next Medium"/>
+                <a:sym typeface="Avenir Next Medium"/>
+              </a:defRPr>
             </a:pPr>
           </a:p>
           <a:p>
             <a:pPr marL="444500" indent="-444500">
-              <a:defRPr sz="3000"/>
+              <a:lnSpc>
+                <a:spcPct val="100000"/>
+              </a:lnSpc>
+              <a:spcBef>
+                <a:spcPts val="2800"/>
+              </a:spcBef>
+              <a:buClr>
+                <a:schemeClr val="accent1"/>
+              </a:buClr>
+              <a:buSzPct val="104999"/>
+              <a:buFont typeface="Avenir Next"/>
+              <a:buChar char="▸"/>
+              <a:defRPr cap="none" sz="3000">
+                <a:solidFill>
+                  <a:srgbClr val="838787"/>
+                </a:solidFill>
+                <a:latin typeface="Avenir Next Medium"/>
+                <a:ea typeface="Avenir Next Medium"/>
+                <a:cs typeface="Avenir Next Medium"/>
+                <a:sym typeface="Avenir Next Medium"/>
+              </a:defRPr>
             </a:pPr>
           </a:p>
           <a:p>
             <a:pPr marL="444500" indent="-444500">
-              <a:defRPr sz="3000"/>
+              <a:lnSpc>
+                <a:spcPct val="100000"/>
+              </a:lnSpc>
+              <a:spcBef>
+                <a:spcPts val="2800"/>
+              </a:spcBef>
+              <a:buClr>
+                <a:schemeClr val="accent1"/>
+              </a:buClr>
+              <a:buSzPct val="104999"/>
+              <a:buFont typeface="Avenir Next"/>
+              <a:buChar char="▸"/>
+              <a:defRPr cap="none" sz="3000">
+                <a:solidFill>
+                  <a:srgbClr val="838787"/>
+                </a:solidFill>
+                <a:latin typeface="Avenir Next Medium"/>
+                <a:ea typeface="Avenir Next Medium"/>
+                <a:cs typeface="Avenir Next Medium"/>
+                <a:sym typeface="Avenir Next Medium"/>
+              </a:defRPr>
             </a:pPr>
             <a:r>
               <a:t>Opstelling ukulele</a:t>
             </a:r>
           </a:p>
           <a:p>
-            <a:pPr lvl="1">
-              <a:defRPr sz="3000"/>
+            <a:pPr lvl="1" marL="889000" indent="-444500">
+              <a:lnSpc>
+                <a:spcPct val="100000"/>
+              </a:lnSpc>
+              <a:spcBef>
+                <a:spcPts val="2800"/>
+              </a:spcBef>
+              <a:buClr>
+                <a:schemeClr val="accent1"/>
+              </a:buClr>
+              <a:buSzPct val="104999"/>
+              <a:buFont typeface="Avenir Next"/>
+              <a:buChar char="▸"/>
+              <a:defRPr cap="none" sz="3000">
+                <a:solidFill>
+                  <a:srgbClr val="838787"/>
+                </a:solidFill>
+                <a:latin typeface="Avenir Next Medium"/>
+                <a:ea typeface="Avenir Next Medium"/>
+                <a:cs typeface="Avenir Next Medium"/>
+                <a:sym typeface="Avenir Next Medium"/>
+              </a:defRPr>
             </a:pPr>
             <a:r>
               <a:t>Veel uitgeprobeerd </a:t>
@@ -5105,7 +5387,7 @@
       </p:sp>
       <p:pic>
         <p:nvPicPr>
-          <p:cNvPr id="180" name="Numberapk2.png" descr="Numberapk2.png"/>
+          <p:cNvPr id="185" name="Numberapk2.png" descr="Numberapk2.png"/>
           <p:cNvPicPr>
             <a:picLocks noChangeAspect="1"/>
           </p:cNvPicPr>
@@ -5115,15 +5397,15 @@
           <a:blip r:embed="rId2">
             <a:extLst/>
           </a:blip>
-          <a:srcRect l="8789" t="12867" r="50760" b="1705"/>
+          <a:srcRect l="8789" t="12867" r="50759" b="1704"/>
           <a:stretch>
             <a:fillRect/>
           </a:stretch>
         </p:blipFill>
         <p:spPr>
           <a:xfrm>
-            <a:off x="1158726" y="3814325"/>
-            <a:ext cx="2248546" cy="1100318"/>
+            <a:off x="1158726" y="3814324"/>
+            <a:ext cx="2248547" cy="1100319"/>
           </a:xfrm>
           <a:prstGeom prst="rect">
             <a:avLst/>
@@ -5135,7 +5417,7 @@
       </p:pic>
       <p:pic>
         <p:nvPicPr>
-          <p:cNvPr id="181" name="Numberapk.png" descr="Numberapk.png"/>
+          <p:cNvPr id="186" name="Numberapk.png" descr="Numberapk.png"/>
           <p:cNvPicPr>
             <a:picLocks noChangeAspect="1"/>
           </p:cNvPicPr>
@@ -5152,8 +5434,8 @@
         </p:blipFill>
         <p:spPr>
           <a:xfrm>
-            <a:off x="1153566" y="4920456"/>
-            <a:ext cx="2259201" cy="725482"/>
+            <a:off x="1153566" y="4920455"/>
+            <a:ext cx="2259202" cy="725483"/>
           </a:xfrm>
           <a:prstGeom prst="rect">
             <a:avLst/>
@@ -5165,7 +5447,7 @@
       </p:pic>
       <p:pic>
         <p:nvPicPr>
-          <p:cNvPr id="182" name="Akkoorden_test.jpg" descr="Akkoorden_test.jpg"/>
+          <p:cNvPr id="187" name="Akkoorden_test.jpg" descr="Akkoorden_test.jpg"/>
           <p:cNvPicPr>
             <a:picLocks noChangeAspect="1"/>
           </p:cNvPicPr>
@@ -5181,8 +5463,8 @@
         </p:blipFill>
         <p:spPr>
           <a:xfrm rot="16200000">
-            <a:off x="7054390" y="5286415"/>
-            <a:ext cx="2930945" cy="3907926"/>
+            <a:off x="7054390" y="5286414"/>
+            <a:ext cx="2930946" cy="3907928"/>
           </a:xfrm>
           <a:prstGeom prst="rect">
             <a:avLst/>
@@ -5227,10 +5509,10 @@
       </p:grpSpPr>
       <p:sp>
         <p:nvSpPr>
-          <p:cNvPr id="184" name="Proof of concept"/>
+          <p:cNvPr id="189" name="Proof of concept"/>
           <p:cNvSpPr txBox="1"/>
           <p:nvPr>
-            <p:ph type="body" idx="13"/>
+            <p:ph type="body" sz="quarter" idx="1"/>
           </p:nvPr>
         </p:nvSpPr>
         <p:spPr>
@@ -5240,7 +5522,11 @@
         </p:spPr>
         <p:txBody>
           <a:bodyPr/>
-          <a:lstStyle/>
+          <a:lstStyle>
+            <a:lvl1pPr>
+              <a:defRPr spc="100"/>
+            </a:lvl1pPr>
+          </a:lstStyle>
           <a:p>
             <a:pPr/>
             <a:r>
@@ -5251,7 +5537,7 @@
       </p:sp>
       <p:sp>
         <p:nvSpPr>
-          <p:cNvPr id="185" name="Problemen"/>
+          <p:cNvPr id="190" name="Problemen"/>
           <p:cNvSpPr txBox="1"/>
           <p:nvPr>
             <p:ph type="title"/>
@@ -5282,57 +5568,188 @@
       </p:sp>
       <p:sp>
         <p:nvSpPr>
-          <p:cNvPr id="186" name="JQuery mobile werkt niet goed samen met JQuery 3.x.x…"/>
+          <p:cNvPr id="191" name="JQuery mobile werkt niet goed samen met JQuery 3.x.x…"/>
           <p:cNvSpPr txBox="1"/>
           <p:nvPr>
-            <p:ph type="body" idx="1"/>
+            <p:ph type="body" idx="13"/>
           </p:nvPr>
         </p:nvSpPr>
         <p:spPr>
           <a:prstGeom prst="rect">
             <a:avLst/>
           </a:prstGeom>
+          <a:extLst>
+            <a:ext uri="{C572A759-6A51-4108-AA02-DFA0A04FC94B}">
+              <ma14:wrappingTextBoxFlag xmlns:ma14="http://schemas.microsoft.com/office/mac/drawingml/2011/main" val="1"/>
+            </a:ext>
+          </a:extLst>
         </p:spPr>
         <p:txBody>
           <a:bodyPr/>
           <a:lstStyle/>
           <a:p>
-            <a:pPr/>
-            <a:r>
-              <a:t>JQuery mobile werkt niet goed samen met JQuery 3.x.x</a:t>
-            </a:r>
-          </a:p>
-          <a:p>
-            <a:pPr lvl="1">
-              <a:defRPr sz="3000"/>
+            <a:pPr marL="444500" indent="-444500">
+              <a:lnSpc>
+                <a:spcPct val="100000"/>
+              </a:lnSpc>
+              <a:spcBef>
+                <a:spcPts val="2800"/>
+              </a:spcBef>
+              <a:buClr>
+                <a:schemeClr val="accent1"/>
+              </a:buClr>
+              <a:buSzPct val="104999"/>
+              <a:buFont typeface="Avenir Next"/>
+              <a:buChar char="▸"/>
+              <a:defRPr cap="none" sz="3400">
+                <a:solidFill>
+                  <a:srgbClr val="838787"/>
+                </a:solidFill>
+                <a:latin typeface="Avenir Next Medium"/>
+                <a:ea typeface="Avenir Next Medium"/>
+                <a:cs typeface="Avenir Next Medium"/>
+                <a:sym typeface="Avenir Next Medium"/>
+              </a:defRPr>
             </a:pPr>
             <a:r>
-              <a:t>JQuery 2.x.x   </a:t>
-            </a:r>
-          </a:p>
-          <a:p>
-            <a:pPr/>
+              <a:t>jQuery mobile werkt niet goed samen met jQuery 3.x.x</a:t>
+            </a:r>
+          </a:p>
+          <a:p>
+            <a:pPr lvl="1" marL="889000" indent="-444500">
+              <a:lnSpc>
+                <a:spcPct val="100000"/>
+              </a:lnSpc>
+              <a:spcBef>
+                <a:spcPts val="2800"/>
+              </a:spcBef>
+              <a:buClr>
+                <a:schemeClr val="accent1"/>
+              </a:buClr>
+              <a:buSzPct val="104999"/>
+              <a:buFont typeface="Avenir Next"/>
+              <a:buChar char="▸"/>
+              <a:defRPr cap="none" sz="3000">
+                <a:solidFill>
+                  <a:srgbClr val="838787"/>
+                </a:solidFill>
+                <a:latin typeface="Avenir Next Medium"/>
+                <a:ea typeface="Avenir Next Medium"/>
+                <a:cs typeface="Avenir Next Medium"/>
+                <a:sym typeface="Avenir Next Medium"/>
+              </a:defRPr>
+            </a:pPr>
+            <a:r>
+              <a:t>jQuery 2.x.x   </a:t>
+            </a:r>
+          </a:p>
+          <a:p>
+            <a:pPr marL="444500" indent="-444500">
+              <a:lnSpc>
+                <a:spcPct val="100000"/>
+              </a:lnSpc>
+              <a:spcBef>
+                <a:spcPts val="2800"/>
+              </a:spcBef>
+              <a:buClr>
+                <a:schemeClr val="accent1"/>
+              </a:buClr>
+              <a:buSzPct val="104999"/>
+              <a:buFont typeface="Avenir Next"/>
+              <a:buChar char="▸"/>
+              <a:defRPr cap="none" sz="3400">
+                <a:solidFill>
+                  <a:srgbClr val="838787"/>
+                </a:solidFill>
+                <a:latin typeface="Avenir Next Medium"/>
+                <a:ea typeface="Avenir Next Medium"/>
+                <a:cs typeface="Avenir Next Medium"/>
+                <a:sym typeface="Avenir Next Medium"/>
+              </a:defRPr>
+            </a:pPr>
             <a:r>
               <a:t>Stroomvoorziening Servo’s </a:t>
             </a:r>
           </a:p>
           <a:p>
-            <a:pPr lvl="1">
-              <a:defRPr sz="3000"/>
+            <a:pPr lvl="1" marL="889000" indent="-444500">
+              <a:lnSpc>
+                <a:spcPct val="100000"/>
+              </a:lnSpc>
+              <a:spcBef>
+                <a:spcPts val="2800"/>
+              </a:spcBef>
+              <a:buClr>
+                <a:schemeClr val="accent1"/>
+              </a:buClr>
+              <a:buSzPct val="104999"/>
+              <a:buFont typeface="Avenir Next"/>
+              <a:buChar char="▸"/>
+              <a:defRPr cap="none" sz="3000">
+                <a:solidFill>
+                  <a:srgbClr val="838787"/>
+                </a:solidFill>
+                <a:latin typeface="Avenir Next Medium"/>
+                <a:ea typeface="Avenir Next Medium"/>
+                <a:cs typeface="Avenir Next Medium"/>
+                <a:sym typeface="Avenir Next Medium"/>
+              </a:defRPr>
             </a:pPr>
             <a:r>
               <a:t>Te weinig stroom </a:t>
             </a:r>
           </a:p>
           <a:p>
-            <a:pPr/>
+            <a:pPr marL="444500" indent="-444500">
+              <a:lnSpc>
+                <a:spcPct val="100000"/>
+              </a:lnSpc>
+              <a:spcBef>
+                <a:spcPts val="2800"/>
+              </a:spcBef>
+              <a:buClr>
+                <a:schemeClr val="accent1"/>
+              </a:buClr>
+              <a:buSzPct val="104999"/>
+              <a:buFont typeface="Avenir Next"/>
+              <a:buChar char="▸"/>
+              <a:defRPr cap="none" sz="3400">
+                <a:solidFill>
+                  <a:srgbClr val="838787"/>
+                </a:solidFill>
+                <a:latin typeface="Avenir Next Medium"/>
+                <a:ea typeface="Avenir Next Medium"/>
+                <a:cs typeface="Avenir Next Medium"/>
+                <a:sym typeface="Avenir Next Medium"/>
+              </a:defRPr>
+            </a:pPr>
             <a:r>
               <a:t>Foutieve waarden gelezen door Arduino</a:t>
             </a:r>
           </a:p>
           <a:p>
-            <a:pPr lvl="1">
-              <a:defRPr sz="3000"/>
+            <a:pPr lvl="1" marL="889000" indent="-444500">
+              <a:lnSpc>
+                <a:spcPct val="100000"/>
+              </a:lnSpc>
+              <a:spcBef>
+                <a:spcPts val="2800"/>
+              </a:spcBef>
+              <a:buClr>
+                <a:schemeClr val="accent1"/>
+              </a:buClr>
+              <a:buSzPct val="104999"/>
+              <a:buFont typeface="Avenir Next"/>
+              <a:buChar char="▸"/>
+              <a:defRPr cap="none" sz="3000">
+                <a:solidFill>
+                  <a:srgbClr val="838787"/>
+                </a:solidFill>
+                <a:latin typeface="Avenir Next Medium"/>
+                <a:ea typeface="Avenir Next Medium"/>
+                <a:cs typeface="Avenir Next Medium"/>
+                <a:sym typeface="Avenir Next Medium"/>
+              </a:defRPr>
             </a:pPr>
             <a:r>
               <a:t>Bluetooth baudrate instellingen</a:t>
@@ -5368,7 +5785,7 @@
       </p:grpSpPr>
       <p:sp>
         <p:nvSpPr>
-          <p:cNvPr id="188" name="Demo"/>
+          <p:cNvPr id="193" name="Demo"/>
           <p:cNvSpPr txBox="1"/>
           <p:nvPr>
             <p:ph type="title"/>
@@ -5409,13 +5826,13 @@
         <a:srgbClr val="222222"/>
       </a:dk1>
       <a:lt1>
-        <a:srgbClr val="838787"/>
+        <a:srgbClr val="222222"/>
       </a:lt1>
       <a:dk2>
-        <a:srgbClr val="222222"/>
+        <a:srgbClr val="A7A7A7"/>
       </a:dk2>
       <a:lt2>
-        <a:srgbClr val="A6AAA9"/>
+        <a:srgbClr val="535353"/>
       </a:lt2>
       <a:accent1>
         <a:srgbClr val="34A5DA"/>
@@ -5444,14 +5861,14 @@
     </a:clrScheme>
     <a:fontScheme name="New_Template7">
       <a:majorFont>
-        <a:latin typeface="DIN Condensed"/>
-        <a:ea typeface="DIN Condensed"/>
-        <a:cs typeface="DIN Condensed"/>
+        <a:latin typeface="Helvetica"/>
+        <a:ea typeface="Helvetica"/>
+        <a:cs typeface="Helvetica"/>
       </a:majorFont>
       <a:minorFont>
-        <a:latin typeface="DIN Condensed"/>
-        <a:ea typeface="DIN Condensed"/>
-        <a:cs typeface="DIN Condensed"/>
+        <a:latin typeface="Helvetica Neue"/>
+        <a:ea typeface="Helvetica Neue"/>
+        <a:cs typeface="Helvetica Neue"/>
       </a:minorFont>
     </a:fontScheme>
     <a:fmtScheme name="New_Template7">
@@ -5592,11 +6009,14 @@
     <a:spDef>
       <a:spPr>
         <a:solidFill>
-          <a:schemeClr val="accent1"/>
+          <a:srgbClr val="838787"/>
         </a:solidFill>
-        <a:ln w="12700" cap="flat">
-          <a:noFill/>
-          <a:miter lim="400000"/>
+        <a:ln w="25400" cap="flat">
+          <a:solidFill>
+            <a:schemeClr val="accent1"/>
+          </a:solidFill>
+          <a:prstDash val="solid"/>
+          <a:round/>
         </a:ln>
         <a:effectLst/>
         <a:sp3d/>
@@ -5605,12 +6025,12 @@
         <a:spAutoFit/>
       </a:bodyPr>
       <a:lstStyle>
-        <a:defPPr marL="0" marR="0" indent="0" algn="ctr" defTabSz="584200" rtl="0" fontAlgn="auto" latinLnBrk="0" hangingPunct="0">
+        <a:defPPr marL="0" marR="0" indent="0" algn="l" defTabSz="584200" rtl="0" fontAlgn="auto" latinLnBrk="0" hangingPunct="0">
           <a:lnSpc>
-            <a:spcPct val="80000"/>
+            <a:spcPct val="100000"/>
           </a:lnSpc>
           <a:spcBef>
-            <a:spcPts val="0"/>
+            <a:spcPts val="2400"/>
           </a:spcBef>
           <a:spcAft>
             <a:spcPts val="0"/>
@@ -5620,18 +6040,18 @@
           <a:buFontTx/>
           <a:buNone/>
           <a:tabLst/>
-          <a:defRPr b="0" baseline="0" cap="all" i="0" spc="0" strike="noStrike" sz="2800" u="none" kumimoji="0" normalizeH="0">
+          <a:defRPr b="0" baseline="0" cap="none" i="0" spc="0" strike="noStrike" sz="2000" u="none" kumimoji="0" normalizeH="0">
             <a:ln>
               <a:noFill/>
             </a:ln>
             <a:solidFill>
-              <a:srgbClr val="FFFFFF"/>
+              <a:srgbClr val="222222"/>
             </a:solidFill>
             <a:effectLst/>
             <a:uFillTx/>
-            <a:latin typeface="+mn-lt"/>
-            <a:ea typeface="+mn-ea"/>
-            <a:cs typeface="+mn-cs"/>
+            <a:latin typeface="DIN Condensed"/>
+            <a:ea typeface="DIN Condensed"/>
+            <a:cs typeface="DIN Condensed"/>
             <a:sym typeface="DIN Condensed"/>
           </a:defRPr>
         </a:defPPr>
@@ -5885,7 +6305,7 @@
             <a:schemeClr val="accent1"/>
           </a:solidFill>
           <a:prstDash val="solid"/>
-          <a:miter lim="400000"/>
+          <a:round/>
         </a:ln>
         <a:effectLst/>
         <a:sp3d/>
@@ -6196,14 +6616,14 @@
               <a:noFill/>
             </a:ln>
             <a:solidFill>
-              <a:srgbClr val="838787"/>
+              <a:srgbClr val="222222"/>
             </a:solidFill>
             <a:effectLst/>
             <a:uFillTx/>
-            <a:latin typeface="Avenir Next Medium"/>
-            <a:ea typeface="Avenir Next Medium"/>
-            <a:cs typeface="Avenir Next Medium"/>
-            <a:sym typeface="Avenir Next Medium"/>
+            <a:latin typeface="DIN Condensed"/>
+            <a:ea typeface="DIN Condensed"/>
+            <a:cs typeface="DIN Condensed"/>
+            <a:sym typeface="DIN Condensed"/>
           </a:defRPr>
         </a:defPPr>
         <a:lvl1pPr marL="0" marR="0" indent="0" algn="l" defTabSz="914400" rtl="0" fontAlgn="auto" latinLnBrk="1" hangingPunct="0">
@@ -6463,10 +6883,10 @@
         <a:srgbClr val="FFFFFF"/>
       </a:lt1>
       <a:dk2>
-        <a:srgbClr val="222222"/>
+        <a:srgbClr val="A7A7A7"/>
       </a:dk2>
       <a:lt2>
-        <a:srgbClr val="A6AAA9"/>
+        <a:srgbClr val="535353"/>
       </a:lt2>
       <a:accent1>
         <a:srgbClr val="34A5DA"/>
@@ -6495,14 +6915,14 @@
     </a:clrScheme>
     <a:fontScheme name="New_Template7">
       <a:majorFont>
-        <a:latin typeface="DIN Condensed"/>
-        <a:ea typeface="DIN Condensed"/>
-        <a:cs typeface="DIN Condensed"/>
+        <a:latin typeface="Helvetica"/>
+        <a:ea typeface="Helvetica"/>
+        <a:cs typeface="Helvetica"/>
       </a:majorFont>
       <a:minorFont>
-        <a:latin typeface="DIN Condensed"/>
-        <a:ea typeface="DIN Condensed"/>
-        <a:cs typeface="DIN Condensed"/>
+        <a:latin typeface="Helvetica Neue"/>
+        <a:ea typeface="Helvetica Neue"/>
+        <a:cs typeface="Helvetica Neue"/>
       </a:minorFont>
     </a:fontScheme>
     <a:fmtScheme name="New_Template7">
@@ -6643,11 +7063,14 @@
     <a:spDef>
       <a:spPr>
         <a:solidFill>
-          <a:schemeClr val="accent1"/>
+          <a:srgbClr val="838787"/>
         </a:solidFill>
-        <a:ln w="12700" cap="flat">
-          <a:noFill/>
-          <a:miter lim="400000"/>
+        <a:ln w="25400" cap="flat">
+          <a:solidFill>
+            <a:schemeClr val="accent1"/>
+          </a:solidFill>
+          <a:prstDash val="solid"/>
+          <a:round/>
         </a:ln>
         <a:effectLst/>
         <a:sp3d/>
@@ -6656,12 +7079,12 @@
         <a:spAutoFit/>
       </a:bodyPr>
       <a:lstStyle>
-        <a:defPPr marL="0" marR="0" indent="0" algn="ctr" defTabSz="584200" rtl="0" fontAlgn="auto" latinLnBrk="0" hangingPunct="0">
+        <a:defPPr marL="0" marR="0" indent="0" algn="l" defTabSz="584200" rtl="0" fontAlgn="auto" latinLnBrk="0" hangingPunct="0">
           <a:lnSpc>
-            <a:spcPct val="80000"/>
+            <a:spcPct val="100000"/>
           </a:lnSpc>
           <a:spcBef>
-            <a:spcPts val="0"/>
+            <a:spcPts val="2400"/>
           </a:spcBef>
           <a:spcAft>
             <a:spcPts val="0"/>
@@ -6671,18 +7094,18 @@
           <a:buFontTx/>
           <a:buNone/>
           <a:tabLst/>
-          <a:defRPr b="0" baseline="0" cap="all" i="0" spc="0" strike="noStrike" sz="2800" u="none" kumimoji="0" normalizeH="0">
+          <a:defRPr b="0" baseline="0" cap="none" i="0" spc="0" strike="noStrike" sz="2000" u="none" kumimoji="0" normalizeH="0">
             <a:ln>
               <a:noFill/>
             </a:ln>
             <a:solidFill>
-              <a:srgbClr val="FFFFFF"/>
+              <a:srgbClr val="222222"/>
             </a:solidFill>
             <a:effectLst/>
             <a:uFillTx/>
-            <a:latin typeface="+mn-lt"/>
-            <a:ea typeface="+mn-ea"/>
-            <a:cs typeface="+mn-cs"/>
+            <a:latin typeface="DIN Condensed"/>
+            <a:ea typeface="DIN Condensed"/>
+            <a:cs typeface="DIN Condensed"/>
             <a:sym typeface="DIN Condensed"/>
           </a:defRPr>
         </a:defPPr>
@@ -6936,7 +7359,7 @@
             <a:schemeClr val="accent1"/>
           </a:solidFill>
           <a:prstDash val="solid"/>
-          <a:miter lim="400000"/>
+          <a:round/>
         </a:ln>
         <a:effectLst/>
         <a:sp3d/>
@@ -7247,14 +7670,14 @@
               <a:noFill/>
             </a:ln>
             <a:solidFill>
-              <a:srgbClr val="838787"/>
+              <a:srgbClr val="222222"/>
             </a:solidFill>
             <a:effectLst/>
             <a:uFillTx/>
-            <a:latin typeface="Avenir Next Medium"/>
-            <a:ea typeface="Avenir Next Medium"/>
-            <a:cs typeface="Avenir Next Medium"/>
-            <a:sym typeface="Avenir Next Medium"/>
+            <a:latin typeface="DIN Condensed"/>
+            <a:ea typeface="DIN Condensed"/>
+            <a:cs typeface="DIN Condensed"/>
+            <a:sym typeface="DIN Condensed"/>
           </a:defRPr>
         </a:defPPr>
         <a:lvl1pPr marL="0" marR="0" indent="0" algn="l" defTabSz="914400" rtl="0" fontAlgn="auto" latinLnBrk="1" hangingPunct="0">
